--- a/Презентации/Лекция 0.pptx
+++ b/Презентации/Лекция 0.pptx
@@ -8,7 +8,10 @@
     <p:sldId id="256" r:id="rId2"/>
     <p:sldId id="273" r:id="rId3"/>
     <p:sldId id="299" r:id="rId4"/>
-    <p:sldId id="288" r:id="rId5"/>
+    <p:sldId id="300" r:id="rId5"/>
+    <p:sldId id="301" r:id="rId6"/>
+    <p:sldId id="302" r:id="rId7"/>
+    <p:sldId id="288" r:id="rId8"/>
   </p:sldIdLst>
   <p:sldSz cx="9144000" cy="6858000" type="screen4x3"/>
   <p:notesSz cx="6858000" cy="9144000"/>
@@ -292,7 +295,7 @@
             <a:fld id="{5B106E36-FD25-4E2D-B0AA-010F637433A0}" type="datetimeFigureOut">
               <a:rPr lang="ru-RU" smtClean="0"/>
               <a:pPr/>
-              <a:t>19.02.2020</a:t>
+              <a:t>22.02.2020</a:t>
             </a:fld>
             <a:endParaRPr lang="ru-RU"/>
           </a:p>
@@ -459,7 +462,7 @@
             <a:fld id="{5B106E36-FD25-4E2D-B0AA-010F637433A0}" type="datetimeFigureOut">
               <a:rPr lang="ru-RU" smtClean="0"/>
               <a:pPr/>
-              <a:t>19.02.2020</a:t>
+              <a:t>22.02.2020</a:t>
             </a:fld>
             <a:endParaRPr lang="ru-RU"/>
           </a:p>
@@ -636,7 +639,7 @@
             <a:fld id="{5B106E36-FD25-4E2D-B0AA-010F637433A0}" type="datetimeFigureOut">
               <a:rPr lang="ru-RU" smtClean="0"/>
               <a:pPr/>
-              <a:t>19.02.2020</a:t>
+              <a:t>22.02.2020</a:t>
             </a:fld>
             <a:endParaRPr lang="ru-RU"/>
           </a:p>
@@ -803,7 +806,7 @@
             <a:fld id="{5B106E36-FD25-4E2D-B0AA-010F637433A0}" type="datetimeFigureOut">
               <a:rPr lang="ru-RU" smtClean="0"/>
               <a:pPr/>
-              <a:t>19.02.2020</a:t>
+              <a:t>22.02.2020</a:t>
             </a:fld>
             <a:endParaRPr lang="ru-RU"/>
           </a:p>
@@ -1046,7 +1049,7 @@
             <a:fld id="{5B106E36-FD25-4E2D-B0AA-010F637433A0}" type="datetimeFigureOut">
               <a:rPr lang="ru-RU" smtClean="0"/>
               <a:pPr/>
-              <a:t>19.02.2020</a:t>
+              <a:t>22.02.2020</a:t>
             </a:fld>
             <a:endParaRPr lang="ru-RU"/>
           </a:p>
@@ -1331,7 +1334,7 @@
             <a:fld id="{5B106E36-FD25-4E2D-B0AA-010F637433A0}" type="datetimeFigureOut">
               <a:rPr lang="ru-RU" smtClean="0"/>
               <a:pPr/>
-              <a:t>19.02.2020</a:t>
+              <a:t>22.02.2020</a:t>
             </a:fld>
             <a:endParaRPr lang="ru-RU"/>
           </a:p>
@@ -1750,7 +1753,7 @@
             <a:fld id="{5B106E36-FD25-4E2D-B0AA-010F637433A0}" type="datetimeFigureOut">
               <a:rPr lang="ru-RU" smtClean="0"/>
               <a:pPr/>
-              <a:t>19.02.2020</a:t>
+              <a:t>22.02.2020</a:t>
             </a:fld>
             <a:endParaRPr lang="ru-RU"/>
           </a:p>
@@ -1865,7 +1868,7 @@
             <a:fld id="{5B106E36-FD25-4E2D-B0AA-010F637433A0}" type="datetimeFigureOut">
               <a:rPr lang="ru-RU" smtClean="0"/>
               <a:pPr/>
-              <a:t>19.02.2020</a:t>
+              <a:t>22.02.2020</a:t>
             </a:fld>
             <a:endParaRPr lang="ru-RU"/>
           </a:p>
@@ -1957,7 +1960,7 @@
             <a:fld id="{5B106E36-FD25-4E2D-B0AA-010F637433A0}" type="datetimeFigureOut">
               <a:rPr lang="ru-RU" smtClean="0"/>
               <a:pPr/>
-              <a:t>19.02.2020</a:t>
+              <a:t>22.02.2020</a:t>
             </a:fld>
             <a:endParaRPr lang="ru-RU"/>
           </a:p>
@@ -2231,7 +2234,7 @@
             <a:fld id="{5B106E36-FD25-4E2D-B0AA-010F637433A0}" type="datetimeFigureOut">
               <a:rPr lang="ru-RU" smtClean="0"/>
               <a:pPr/>
-              <a:t>19.02.2020</a:t>
+              <a:t>22.02.2020</a:t>
             </a:fld>
             <a:endParaRPr lang="ru-RU"/>
           </a:p>
@@ -2481,7 +2484,7 @@
             <a:fld id="{5B106E36-FD25-4E2D-B0AA-010F637433A0}" type="datetimeFigureOut">
               <a:rPr lang="ru-RU" smtClean="0"/>
               <a:pPr/>
-              <a:t>19.02.2020</a:t>
+              <a:t>22.02.2020</a:t>
             </a:fld>
             <a:endParaRPr lang="ru-RU"/>
           </a:p>
@@ -2691,7 +2694,7 @@
             <a:fld id="{5B106E36-FD25-4E2D-B0AA-010F637433A0}" type="datetimeFigureOut">
               <a:rPr lang="ru-RU" smtClean="0"/>
               <a:pPr/>
-              <a:t>19.02.2020</a:t>
+              <a:t>22.02.2020</a:t>
             </a:fld>
             <a:endParaRPr lang="ru-RU"/>
           </a:p>
@@ -3102,11 +3105,7 @@
           <a:p>
             <a:r>
               <a:rPr lang="ru-RU" dirty="0" smtClean="0"/>
-              <a:t>Лекция </a:t>
-            </a:r>
-            <a:r>
-              <a:rPr lang="ru-RU" dirty="0" smtClean="0"/>
-              <a:t>0</a:t>
+              <a:t>Лекция 0</a:t>
             </a:r>
             <a:endParaRPr lang="ru-RU" dirty="0"/>
           </a:p>
@@ -3217,6 +3216,518 @@
 </file>
 
 <file path=ppt/slides/slide4.xml><?xml version="1.0" encoding="utf-8"?>
+<p:sld xmlns:a="http://schemas.openxmlformats.org/drawingml/2006/main" xmlns:r="http://schemas.openxmlformats.org/officeDocument/2006/relationships" xmlns:p="http://schemas.openxmlformats.org/presentationml/2006/main">
+  <p:cSld>
+    <p:spTree>
+      <p:nvGrpSpPr>
+        <p:cNvPr id="1" name=""/>
+        <p:cNvGrpSpPr/>
+        <p:nvPr/>
+      </p:nvGrpSpPr>
+      <p:grpSpPr>
+        <a:xfrm>
+          <a:off x="0" y="0"/>
+          <a:ext cx="0" cy="0"/>
+          <a:chOff x="0" y="0"/>
+          <a:chExt cx="0" cy="0"/>
+        </a:xfrm>
+      </p:grpSpPr>
+      <p:sp>
+        <p:nvSpPr>
+          <p:cNvPr id="2" name="Заголовок 1"/>
+          <p:cNvSpPr>
+            <a:spLocks noGrp="1"/>
+          </p:cNvSpPr>
+          <p:nvPr>
+            <p:ph type="ctrTitle"/>
+          </p:nvPr>
+        </p:nvSpPr>
+        <p:spPr>
+          <a:xfrm>
+            <a:off x="685800" y="1124744"/>
+            <a:ext cx="7772400" cy="4968551"/>
+          </a:xfrm>
+        </p:spPr>
+        <p:txBody>
+          <a:bodyPr>
+            <a:noAutofit/>
+          </a:bodyPr>
+          <a:lstStyle/>
+          <a:p>
+            <a:r>
+              <a:rPr lang="ru-RU" sz="2000" dirty="0" smtClean="0"/>
+              <a:t>1. В стране из каждого города выходит 100 дорог и от любого города можно добраться до любого другого. Одну дорогу закрыли на ремонт. Докажите, что и теперь от любого города можно добраться до любого другого.</a:t>
+            </a:r>
+            <a:br>
+              <a:rPr lang="ru-RU" sz="2000" dirty="0" smtClean="0"/>
+            </a:br>
+            <a:r>
+              <a:rPr lang="ru-RU" sz="2000" dirty="0" smtClean="0">
+                <a:solidFill>
+                  <a:schemeClr val="bg1">
+                    <a:lumMod val="75000"/>
+                  </a:schemeClr>
+                </a:solidFill>
+              </a:rPr>
+              <a:t>2. Квадрат 8 на 8 выложили из спичек. Какое наименьшее число спичек надо убрать, чтобы с любого поля можно было пройти на любое другое, не перепрыгивая через спички?</a:t>
+            </a:r>
+            <a:br>
+              <a:rPr lang="ru-RU" sz="2000" dirty="0" smtClean="0">
+                <a:solidFill>
+                  <a:schemeClr val="bg1">
+                    <a:lumMod val="75000"/>
+                  </a:schemeClr>
+                </a:solidFill>
+              </a:rPr>
+            </a:br>
+            <a:r>
+              <a:rPr lang="ru-RU" sz="2000" dirty="0" smtClean="0">
+                <a:solidFill>
+                  <a:schemeClr val="bg1">
+                    <a:lumMod val="75000"/>
+                  </a:schemeClr>
+                </a:solidFill>
+              </a:rPr>
+              <a:t/>
+            </a:r>
+            <a:br>
+              <a:rPr lang="ru-RU" sz="2000" dirty="0" smtClean="0">
+                <a:solidFill>
+                  <a:schemeClr val="bg1">
+                    <a:lumMod val="75000"/>
+                  </a:schemeClr>
+                </a:solidFill>
+              </a:rPr>
+            </a:br>
+            <a:r>
+              <a:rPr lang="ru-RU" sz="2000" dirty="0" smtClean="0">
+                <a:solidFill>
+                  <a:schemeClr val="bg1">
+                    <a:lumMod val="75000"/>
+                  </a:schemeClr>
+                </a:solidFill>
+              </a:rPr>
+              <a:t>3. У князя </a:t>
+            </a:r>
+            <a:r>
+              <a:rPr lang="ru-RU" sz="2000" dirty="0" err="1" smtClean="0">
+                <a:solidFill>
+                  <a:schemeClr val="bg1">
+                    <a:lumMod val="75000"/>
+                  </a:schemeClr>
+                </a:solidFill>
+              </a:rPr>
+              <a:t>Гвидона</a:t>
+            </a:r>
+            <a:r>
+              <a:rPr lang="ru-RU" sz="2000" dirty="0" smtClean="0">
+                <a:solidFill>
+                  <a:schemeClr val="bg1">
+                    <a:lumMod val="75000"/>
+                  </a:schemeClr>
+                </a:solidFill>
+              </a:rPr>
+              <a:t> было трое сыновей. Среди его потомков 93 имели каждый по 2 сына и ни одной дочери, а все прочие умерли бездетными. Сколько всего потомков было у </a:t>
+            </a:r>
+            <a:r>
+              <a:rPr lang="ru-RU" sz="2000" dirty="0" err="1" smtClean="0">
+                <a:solidFill>
+                  <a:schemeClr val="bg1">
+                    <a:lumMod val="75000"/>
+                  </a:schemeClr>
+                </a:solidFill>
+              </a:rPr>
+              <a:t>Гвидона</a:t>
+            </a:r>
+            <a:r>
+              <a:rPr lang="ru-RU" sz="2000" dirty="0" smtClean="0">
+                <a:solidFill>
+                  <a:schemeClr val="bg1">
+                    <a:lumMod val="75000"/>
+                  </a:schemeClr>
+                </a:solidFill>
+              </a:rPr>
+              <a:t>?</a:t>
+            </a:r>
+            <a:endParaRPr lang="ru-RU" sz="2000" dirty="0">
+              <a:solidFill>
+                <a:schemeClr val="bg1">
+                  <a:lumMod val="75000"/>
+                </a:schemeClr>
+              </a:solidFill>
+            </a:endParaRPr>
+          </a:p>
+        </p:txBody>
+      </p:sp>
+      <p:sp>
+        <p:nvSpPr>
+          <p:cNvPr id="3" name="Заголовок 1"/>
+          <p:cNvSpPr txBox="1">
+            <a:spLocks/>
+          </p:cNvSpPr>
+          <p:nvPr/>
+        </p:nvSpPr>
+        <p:spPr>
+          <a:xfrm>
+            <a:off x="685800" y="188640"/>
+            <a:ext cx="7772400" cy="1470025"/>
+          </a:xfrm>
+          <a:prstGeom prst="rect">
+            <a:avLst/>
+          </a:prstGeom>
+        </p:spPr>
+        <p:txBody>
+          <a:bodyPr vert="horz" lIns="91440" tIns="45720" rIns="91440" bIns="45720" rtlCol="0" anchor="ctr">
+            <a:normAutofit/>
+          </a:bodyPr>
+          <a:lstStyle/>
+          <a:p>
+            <a:pPr marL="514350" lvl="0" indent="-514350" algn="ctr">
+              <a:spcBef>
+                <a:spcPct val="0"/>
+              </a:spcBef>
+            </a:pPr>
+            <a:r>
+              <a:rPr lang="ru-RU" sz="2800" dirty="0" smtClean="0"/>
+              <a:t>Задачки</a:t>
+            </a:r>
+            <a:endParaRPr lang="ru-RU" sz="2800" b="1" dirty="0" smtClean="0"/>
+          </a:p>
+        </p:txBody>
+      </p:sp>
+    </p:spTree>
+  </p:cSld>
+  <p:clrMapOvr>
+    <a:masterClrMapping/>
+  </p:clrMapOvr>
+</p:sld>
+</file>
+
+<file path=ppt/slides/slide5.xml><?xml version="1.0" encoding="utf-8"?>
+<p:sld xmlns:a="http://schemas.openxmlformats.org/drawingml/2006/main" xmlns:r="http://schemas.openxmlformats.org/officeDocument/2006/relationships" xmlns:p="http://schemas.openxmlformats.org/presentationml/2006/main">
+  <p:cSld>
+    <p:spTree>
+      <p:nvGrpSpPr>
+        <p:cNvPr id="1" name=""/>
+        <p:cNvGrpSpPr/>
+        <p:nvPr/>
+      </p:nvGrpSpPr>
+      <p:grpSpPr>
+        <a:xfrm>
+          <a:off x="0" y="0"/>
+          <a:ext cx="0" cy="0"/>
+          <a:chOff x="0" y="0"/>
+          <a:chExt cx="0" cy="0"/>
+        </a:xfrm>
+      </p:grpSpPr>
+      <p:sp>
+        <p:nvSpPr>
+          <p:cNvPr id="2" name="Заголовок 1"/>
+          <p:cNvSpPr>
+            <a:spLocks noGrp="1"/>
+          </p:cNvSpPr>
+          <p:nvPr>
+            <p:ph type="ctrTitle"/>
+          </p:nvPr>
+        </p:nvSpPr>
+        <p:spPr>
+          <a:xfrm>
+            <a:off x="685800" y="1124744"/>
+            <a:ext cx="7772400" cy="4968551"/>
+          </a:xfrm>
+        </p:spPr>
+        <p:txBody>
+          <a:bodyPr>
+            <a:noAutofit/>
+          </a:bodyPr>
+          <a:lstStyle/>
+          <a:p>
+            <a:r>
+              <a:rPr lang="ru-RU" sz="2000" dirty="0" smtClean="0">
+                <a:solidFill>
+                  <a:schemeClr val="bg1">
+                    <a:lumMod val="75000"/>
+                  </a:schemeClr>
+                </a:solidFill>
+              </a:rPr>
+              <a:t>1. В стране из каждого города выходит 100 дорог и от любого города можно добраться до любого другого. Одну дорогу закрыли на ремонт. Докажите, что и теперь от любого города можно добраться до любого другого.</a:t>
+            </a:r>
+            <a:r>
+              <a:rPr lang="ru-RU" sz="2000" dirty="0" smtClean="0"/>
+              <a:t/>
+            </a:r>
+            <a:br>
+              <a:rPr lang="ru-RU" sz="2000" dirty="0" smtClean="0"/>
+            </a:br>
+            <a:r>
+              <a:rPr lang="ru-RU" sz="2000" dirty="0" smtClean="0"/>
+              <a:t>2. Квадрат 8 на 8 выложили из спичек. Какое наименьшее число спичек надо убрать, чтобы с любого поля можно было пройти на любое другое, не перепрыгивая через спички?</a:t>
+            </a:r>
+            <a:br>
+              <a:rPr lang="ru-RU" sz="2000" dirty="0" smtClean="0"/>
+            </a:br>
+            <a:r>
+              <a:rPr lang="ru-RU" sz="2000" dirty="0" smtClean="0"/>
+              <a:t/>
+            </a:r>
+            <a:br>
+              <a:rPr lang="ru-RU" sz="2000" dirty="0" smtClean="0"/>
+            </a:br>
+            <a:r>
+              <a:rPr lang="ru-RU" sz="2000" dirty="0" smtClean="0">
+                <a:solidFill>
+                  <a:schemeClr val="bg1">
+                    <a:lumMod val="75000"/>
+                  </a:schemeClr>
+                </a:solidFill>
+              </a:rPr>
+              <a:t>3. У князя </a:t>
+            </a:r>
+            <a:r>
+              <a:rPr lang="ru-RU" sz="2000" dirty="0" err="1" smtClean="0">
+                <a:solidFill>
+                  <a:schemeClr val="bg1">
+                    <a:lumMod val="75000"/>
+                  </a:schemeClr>
+                </a:solidFill>
+              </a:rPr>
+              <a:t>Гвидона</a:t>
+            </a:r>
+            <a:r>
+              <a:rPr lang="ru-RU" sz="2000" dirty="0" smtClean="0">
+                <a:solidFill>
+                  <a:schemeClr val="bg1">
+                    <a:lumMod val="75000"/>
+                  </a:schemeClr>
+                </a:solidFill>
+              </a:rPr>
+              <a:t> было трое сыновей. Среди его потомков 93 имели каждый по 2 сына и ни одной дочери, а все прочие умерли бездетными. Сколько всего потомков было у </a:t>
+            </a:r>
+            <a:r>
+              <a:rPr lang="ru-RU" sz="2000" dirty="0" err="1" smtClean="0">
+                <a:solidFill>
+                  <a:schemeClr val="bg1">
+                    <a:lumMod val="75000"/>
+                  </a:schemeClr>
+                </a:solidFill>
+              </a:rPr>
+              <a:t>Гвидона</a:t>
+            </a:r>
+            <a:r>
+              <a:rPr lang="ru-RU" sz="2000" dirty="0" smtClean="0">
+                <a:solidFill>
+                  <a:schemeClr val="bg1">
+                    <a:lumMod val="75000"/>
+                  </a:schemeClr>
+                </a:solidFill>
+              </a:rPr>
+              <a:t>?</a:t>
+            </a:r>
+            <a:endParaRPr lang="ru-RU" sz="2000" dirty="0">
+              <a:solidFill>
+                <a:schemeClr val="bg1">
+                  <a:lumMod val="75000"/>
+                </a:schemeClr>
+              </a:solidFill>
+            </a:endParaRPr>
+          </a:p>
+        </p:txBody>
+      </p:sp>
+      <p:sp>
+        <p:nvSpPr>
+          <p:cNvPr id="3" name="Заголовок 1"/>
+          <p:cNvSpPr txBox="1">
+            <a:spLocks/>
+          </p:cNvSpPr>
+          <p:nvPr/>
+        </p:nvSpPr>
+        <p:spPr>
+          <a:xfrm>
+            <a:off x="685800" y="188640"/>
+            <a:ext cx="7772400" cy="1470025"/>
+          </a:xfrm>
+          <a:prstGeom prst="rect">
+            <a:avLst/>
+          </a:prstGeom>
+        </p:spPr>
+        <p:txBody>
+          <a:bodyPr vert="horz" lIns="91440" tIns="45720" rIns="91440" bIns="45720" rtlCol="0" anchor="ctr">
+            <a:normAutofit/>
+          </a:bodyPr>
+          <a:lstStyle/>
+          <a:p>
+            <a:pPr marL="514350" lvl="0" indent="-514350" algn="ctr">
+              <a:spcBef>
+                <a:spcPct val="0"/>
+              </a:spcBef>
+            </a:pPr>
+            <a:r>
+              <a:rPr lang="ru-RU" sz="2800" dirty="0" smtClean="0"/>
+              <a:t>Задачки</a:t>
+            </a:r>
+            <a:endParaRPr lang="ru-RU" sz="2800" b="1" dirty="0" smtClean="0"/>
+          </a:p>
+        </p:txBody>
+      </p:sp>
+    </p:spTree>
+  </p:cSld>
+  <p:clrMapOvr>
+    <a:masterClrMapping/>
+  </p:clrMapOvr>
+</p:sld>
+</file>
+
+<file path=ppt/slides/slide6.xml><?xml version="1.0" encoding="utf-8"?>
+<p:sld xmlns:a="http://schemas.openxmlformats.org/drawingml/2006/main" xmlns:r="http://schemas.openxmlformats.org/officeDocument/2006/relationships" xmlns:p="http://schemas.openxmlformats.org/presentationml/2006/main">
+  <p:cSld>
+    <p:spTree>
+      <p:nvGrpSpPr>
+        <p:cNvPr id="1" name=""/>
+        <p:cNvGrpSpPr/>
+        <p:nvPr/>
+      </p:nvGrpSpPr>
+      <p:grpSpPr>
+        <a:xfrm>
+          <a:off x="0" y="0"/>
+          <a:ext cx="0" cy="0"/>
+          <a:chOff x="0" y="0"/>
+          <a:chExt cx="0" cy="0"/>
+        </a:xfrm>
+      </p:grpSpPr>
+      <p:sp>
+        <p:nvSpPr>
+          <p:cNvPr id="2" name="Заголовок 1"/>
+          <p:cNvSpPr>
+            <a:spLocks noGrp="1"/>
+          </p:cNvSpPr>
+          <p:nvPr>
+            <p:ph type="ctrTitle"/>
+          </p:nvPr>
+        </p:nvSpPr>
+        <p:spPr>
+          <a:xfrm>
+            <a:off x="685800" y="1124744"/>
+            <a:ext cx="7772400" cy="4968551"/>
+          </a:xfrm>
+        </p:spPr>
+        <p:txBody>
+          <a:bodyPr>
+            <a:noAutofit/>
+          </a:bodyPr>
+          <a:lstStyle/>
+          <a:p>
+            <a:r>
+              <a:rPr lang="ru-RU" sz="2000" dirty="0" smtClean="0">
+                <a:solidFill>
+                  <a:schemeClr val="bg1">
+                    <a:lumMod val="75000"/>
+                  </a:schemeClr>
+                </a:solidFill>
+              </a:rPr>
+              <a:t>1. В стране из каждого города выходит 100 дорог и от любого города можно добраться до любого другого. Одну дорогу закрыли на ремонт. Докажите, что и теперь от любого города можно добраться до любого другого.</a:t>
+            </a:r>
+            <a:br>
+              <a:rPr lang="ru-RU" sz="2000" dirty="0" smtClean="0">
+                <a:solidFill>
+                  <a:schemeClr val="bg1">
+                    <a:lumMod val="75000"/>
+                  </a:schemeClr>
+                </a:solidFill>
+              </a:rPr>
+            </a:br>
+            <a:r>
+              <a:rPr lang="ru-RU" sz="2000" dirty="0" smtClean="0">
+                <a:solidFill>
+                  <a:schemeClr val="bg1">
+                    <a:lumMod val="75000"/>
+                  </a:schemeClr>
+                </a:solidFill>
+              </a:rPr>
+              <a:t>2. Квадрат 8 на 8 выложили из спичек. Какое наименьшее число спичек надо убрать, чтобы с любого поля можно было пройти на любое другое, не перепрыгивая через спички?</a:t>
+            </a:r>
+            <a:r>
+              <a:rPr lang="ru-RU" sz="2000" dirty="0" smtClean="0"/>
+              <a:t/>
+            </a:r>
+            <a:br>
+              <a:rPr lang="ru-RU" sz="2000" dirty="0" smtClean="0"/>
+            </a:br>
+            <a:r>
+              <a:rPr lang="ru-RU" sz="2000" dirty="0" smtClean="0"/>
+              <a:t/>
+            </a:r>
+            <a:br>
+              <a:rPr lang="ru-RU" sz="2000" dirty="0" smtClean="0"/>
+            </a:br>
+            <a:r>
+              <a:rPr lang="ru-RU" sz="2000" dirty="0" smtClean="0"/>
+              <a:t>3. У князя </a:t>
+            </a:r>
+            <a:r>
+              <a:rPr lang="ru-RU" sz="2000" dirty="0" err="1" smtClean="0"/>
+              <a:t>Гвидона</a:t>
+            </a:r>
+            <a:r>
+              <a:rPr lang="ru-RU" sz="2000" dirty="0" smtClean="0"/>
+              <a:t> было трое сыновей. Среди его потомков 93 имели каждый по 2 сына и ни одной дочери, а все прочие умерли бездетными. Сколько всего потомков было у </a:t>
+            </a:r>
+            <a:r>
+              <a:rPr lang="ru-RU" sz="2000" dirty="0" err="1" smtClean="0"/>
+              <a:t>Гвидона</a:t>
+            </a:r>
+            <a:r>
+              <a:rPr lang="ru-RU" sz="2000" dirty="0" smtClean="0"/>
+              <a:t>?</a:t>
+            </a:r>
+            <a:endParaRPr lang="ru-RU" sz="2000" dirty="0"/>
+          </a:p>
+        </p:txBody>
+      </p:sp>
+      <p:sp>
+        <p:nvSpPr>
+          <p:cNvPr id="3" name="Заголовок 1"/>
+          <p:cNvSpPr txBox="1">
+            <a:spLocks/>
+          </p:cNvSpPr>
+          <p:nvPr/>
+        </p:nvSpPr>
+        <p:spPr>
+          <a:xfrm>
+            <a:off x="685800" y="188640"/>
+            <a:ext cx="7772400" cy="1470025"/>
+          </a:xfrm>
+          <a:prstGeom prst="rect">
+            <a:avLst/>
+          </a:prstGeom>
+        </p:spPr>
+        <p:txBody>
+          <a:bodyPr vert="horz" lIns="91440" tIns="45720" rIns="91440" bIns="45720" rtlCol="0" anchor="ctr">
+            <a:normAutofit/>
+          </a:bodyPr>
+          <a:lstStyle/>
+          <a:p>
+            <a:pPr marL="514350" lvl="0" indent="-514350" algn="ctr">
+              <a:spcBef>
+                <a:spcPct val="0"/>
+              </a:spcBef>
+            </a:pPr>
+            <a:r>
+              <a:rPr lang="ru-RU" sz="2800" dirty="0" smtClean="0"/>
+              <a:t>Задачки</a:t>
+            </a:r>
+            <a:endParaRPr lang="ru-RU" sz="2800" b="1" dirty="0" smtClean="0"/>
+          </a:p>
+        </p:txBody>
+      </p:sp>
+    </p:spTree>
+  </p:cSld>
+  <p:clrMapOvr>
+    <a:masterClrMapping/>
+  </p:clrMapOvr>
+</p:sld>
+</file>
+
+<file path=ppt/slides/slide7.xml><?xml version="1.0" encoding="utf-8"?>
 <p:sld xmlns:a="http://schemas.openxmlformats.org/drawingml/2006/main" xmlns:r="http://schemas.openxmlformats.org/officeDocument/2006/relationships" xmlns:p="http://schemas.openxmlformats.org/presentationml/2006/main">
   <p:cSld>
     <p:spTree>

--- a/Презентации/Лекция 0.pptx
+++ b/Презентации/Лекция 0.pptx
@@ -7,10 +7,10 @@
   <p:sldIdLst>
     <p:sldId id="256" r:id="rId2"/>
     <p:sldId id="273" r:id="rId3"/>
-    <p:sldId id="309" r:id="rId4"/>
-    <p:sldId id="305" r:id="rId5"/>
-    <p:sldId id="308" r:id="rId6"/>
-    <p:sldId id="304" r:id="rId7"/>
+    <p:sldId id="305" r:id="rId4"/>
+    <p:sldId id="309" r:id="rId5"/>
+    <p:sldId id="304" r:id="rId6"/>
+    <p:sldId id="308" r:id="rId7"/>
     <p:sldId id="310" r:id="rId8"/>
     <p:sldId id="311" r:id="rId9"/>
     <p:sldId id="312" r:id="rId10"/>
@@ -355,7 +355,7 @@
             <a:fld id="{5B106E36-FD25-4E2D-B0AA-010F637433A0}" type="datetimeFigureOut">
               <a:rPr lang="ru-RU" smtClean="0"/>
               <a:pPr/>
-              <a:t>15.05.2020</a:t>
+              <a:t>08.02.2021</a:t>
             </a:fld>
             <a:endParaRPr lang="ru-RU"/>
           </a:p>
@@ -522,7 +522,7 @@
             <a:fld id="{5B106E36-FD25-4E2D-B0AA-010F637433A0}" type="datetimeFigureOut">
               <a:rPr lang="ru-RU" smtClean="0"/>
               <a:pPr/>
-              <a:t>15.05.2020</a:t>
+              <a:t>08.02.2021</a:t>
             </a:fld>
             <a:endParaRPr lang="ru-RU"/>
           </a:p>
@@ -699,7 +699,7 @@
             <a:fld id="{5B106E36-FD25-4E2D-B0AA-010F637433A0}" type="datetimeFigureOut">
               <a:rPr lang="ru-RU" smtClean="0"/>
               <a:pPr/>
-              <a:t>15.05.2020</a:t>
+              <a:t>08.02.2021</a:t>
             </a:fld>
             <a:endParaRPr lang="ru-RU"/>
           </a:p>
@@ -866,7 +866,7 @@
             <a:fld id="{5B106E36-FD25-4E2D-B0AA-010F637433A0}" type="datetimeFigureOut">
               <a:rPr lang="ru-RU" smtClean="0"/>
               <a:pPr/>
-              <a:t>15.05.2020</a:t>
+              <a:t>08.02.2021</a:t>
             </a:fld>
             <a:endParaRPr lang="ru-RU"/>
           </a:p>
@@ -1109,7 +1109,7 @@
             <a:fld id="{5B106E36-FD25-4E2D-B0AA-010F637433A0}" type="datetimeFigureOut">
               <a:rPr lang="ru-RU" smtClean="0"/>
               <a:pPr/>
-              <a:t>15.05.2020</a:t>
+              <a:t>08.02.2021</a:t>
             </a:fld>
             <a:endParaRPr lang="ru-RU"/>
           </a:p>
@@ -1394,7 +1394,7 @@
             <a:fld id="{5B106E36-FD25-4E2D-B0AA-010F637433A0}" type="datetimeFigureOut">
               <a:rPr lang="ru-RU" smtClean="0"/>
               <a:pPr/>
-              <a:t>15.05.2020</a:t>
+              <a:t>08.02.2021</a:t>
             </a:fld>
             <a:endParaRPr lang="ru-RU"/>
           </a:p>
@@ -1813,7 +1813,7 @@
             <a:fld id="{5B106E36-FD25-4E2D-B0AA-010F637433A0}" type="datetimeFigureOut">
               <a:rPr lang="ru-RU" smtClean="0"/>
               <a:pPr/>
-              <a:t>15.05.2020</a:t>
+              <a:t>08.02.2021</a:t>
             </a:fld>
             <a:endParaRPr lang="ru-RU"/>
           </a:p>
@@ -1928,7 +1928,7 @@
             <a:fld id="{5B106E36-FD25-4E2D-B0AA-010F637433A0}" type="datetimeFigureOut">
               <a:rPr lang="ru-RU" smtClean="0"/>
               <a:pPr/>
-              <a:t>15.05.2020</a:t>
+              <a:t>08.02.2021</a:t>
             </a:fld>
             <a:endParaRPr lang="ru-RU"/>
           </a:p>
@@ -2020,7 +2020,7 @@
             <a:fld id="{5B106E36-FD25-4E2D-B0AA-010F637433A0}" type="datetimeFigureOut">
               <a:rPr lang="ru-RU" smtClean="0"/>
               <a:pPr/>
-              <a:t>15.05.2020</a:t>
+              <a:t>08.02.2021</a:t>
             </a:fld>
             <a:endParaRPr lang="ru-RU"/>
           </a:p>
@@ -2294,7 +2294,7 @@
             <a:fld id="{5B106E36-FD25-4E2D-B0AA-010F637433A0}" type="datetimeFigureOut">
               <a:rPr lang="ru-RU" smtClean="0"/>
               <a:pPr/>
-              <a:t>15.05.2020</a:t>
+              <a:t>08.02.2021</a:t>
             </a:fld>
             <a:endParaRPr lang="ru-RU"/>
           </a:p>
@@ -2544,7 +2544,7 @@
             <a:fld id="{5B106E36-FD25-4E2D-B0AA-010F637433A0}" type="datetimeFigureOut">
               <a:rPr lang="ru-RU" smtClean="0"/>
               <a:pPr/>
-              <a:t>15.05.2020</a:t>
+              <a:t>08.02.2021</a:t>
             </a:fld>
             <a:endParaRPr lang="ru-RU"/>
           </a:p>
@@ -2754,7 +2754,7 @@
             <a:fld id="{5B106E36-FD25-4E2D-B0AA-010F637433A0}" type="datetimeFigureOut">
               <a:rPr lang="ru-RU" smtClean="0"/>
               <a:pPr/>
-              <a:t>15.05.2020</a:t>
+              <a:t>08.02.2021</a:t>
             </a:fld>
             <a:endParaRPr lang="ru-RU"/>
           </a:p>
@@ -7463,11 +7463,7 @@
             </a:r>
             <a:r>
               <a:rPr lang="en-US" sz="2800" dirty="0" smtClean="0"/>
-              <a:t>⁰ f(A</a:t>
-            </a:r>
-            <a:r>
-              <a:rPr lang="en-US" sz="2800" dirty="0" smtClean="0"/>
-              <a:t>)=1  -</a:t>
+              <a:t>⁰ f(A)=1  -</a:t>
             </a:r>
             <a:r>
               <a:rPr lang="ru-RU" sz="2800" dirty="0" smtClean="0"/>
@@ -7491,11 +7487,7 @@
             </a:r>
             <a:r>
               <a:rPr lang="en-US" sz="2800" dirty="0" smtClean="0"/>
-              <a:t>⁰ f(A</a:t>
-            </a:r>
-            <a:r>
-              <a:rPr lang="en-US" sz="2800" dirty="0" smtClean="0"/>
-              <a:t>)=2</a:t>
+              <a:t>⁰ f(A)=2</a:t>
             </a:r>
             <a:r>
               <a:rPr lang="ru-RU" sz="2800" dirty="0" smtClean="0"/>
@@ -16717,635 +16709,358 @@
           <a:chExt cx="0" cy="0"/>
         </a:xfrm>
       </p:grpSpPr>
-      <p:sp>
-        <p:nvSpPr>
-          <p:cNvPr id="9" name="Овал 8"/>
-          <p:cNvSpPr/>
-          <p:nvPr/>
-        </p:nvSpPr>
-        <p:spPr>
-          <a:xfrm>
-            <a:off x="971600" y="1772816"/>
-            <a:ext cx="720080" cy="720080"/>
-          </a:xfrm>
-          <a:prstGeom prst="ellipse">
-            <a:avLst/>
-          </a:prstGeom>
-          <a:solidFill>
-            <a:schemeClr val="bg1"/>
-          </a:solidFill>
-          <a:ln>
-            <a:solidFill>
-              <a:srgbClr val="7030A0"/>
-            </a:solidFill>
-          </a:ln>
-        </p:spPr>
-        <p:style>
-          <a:lnRef idx="2">
-            <a:schemeClr val="accent1">
-              <a:shade val="50000"/>
-            </a:schemeClr>
-          </a:lnRef>
-          <a:fillRef idx="1">
-            <a:schemeClr val="accent1"/>
-          </a:fillRef>
-          <a:effectRef idx="0">
-            <a:schemeClr val="accent1"/>
-          </a:effectRef>
-          <a:fontRef idx="minor">
-            <a:schemeClr val="lt1"/>
-          </a:fontRef>
-        </p:style>
-        <p:txBody>
-          <a:bodyPr rtlCol="0" anchor="ctr"/>
-          <a:lstStyle/>
-          <a:p>
-            <a:pPr algn="ctr"/>
-            <a:endParaRPr lang="ru-RU">
-              <a:solidFill>
-                <a:schemeClr val="accent2">
-                  <a:lumMod val="75000"/>
-                </a:schemeClr>
-              </a:solidFill>
-            </a:endParaRPr>
-          </a:p>
-        </p:txBody>
-      </p:sp>
-      <p:sp>
-        <p:nvSpPr>
-          <p:cNvPr id="38" name="Овал 37"/>
-          <p:cNvSpPr/>
-          <p:nvPr/>
-        </p:nvSpPr>
-        <p:spPr>
-          <a:xfrm>
-            <a:off x="3419872" y="548680"/>
-            <a:ext cx="720080" cy="720080"/>
-          </a:xfrm>
-          <a:prstGeom prst="ellipse">
-            <a:avLst/>
-          </a:prstGeom>
-          <a:solidFill>
-            <a:schemeClr val="bg1"/>
-          </a:solidFill>
-          <a:ln>
-            <a:solidFill>
-              <a:srgbClr val="7030A0"/>
-            </a:solidFill>
-          </a:ln>
-        </p:spPr>
-        <p:style>
-          <a:lnRef idx="2">
-            <a:schemeClr val="accent1">
-              <a:shade val="50000"/>
-            </a:schemeClr>
-          </a:lnRef>
-          <a:fillRef idx="1">
-            <a:schemeClr val="accent1"/>
-          </a:fillRef>
-          <a:effectRef idx="0">
-            <a:schemeClr val="accent1"/>
-          </a:effectRef>
-          <a:fontRef idx="minor">
-            <a:schemeClr val="lt1"/>
-          </a:fontRef>
-        </p:style>
-        <p:txBody>
-          <a:bodyPr rtlCol="0" anchor="ctr"/>
-          <a:lstStyle/>
-          <a:p>
-            <a:pPr algn="ctr"/>
-            <a:endParaRPr lang="ru-RU">
-              <a:solidFill>
-                <a:schemeClr val="accent2">
-                  <a:lumMod val="75000"/>
-                </a:schemeClr>
-              </a:solidFill>
-            </a:endParaRPr>
-          </a:p>
-        </p:txBody>
-      </p:sp>
-      <p:sp>
-        <p:nvSpPr>
-          <p:cNvPr id="39" name="Овал 38"/>
-          <p:cNvSpPr/>
-          <p:nvPr/>
-        </p:nvSpPr>
-        <p:spPr>
-          <a:xfrm>
-            <a:off x="2051720" y="3717032"/>
-            <a:ext cx="720080" cy="720080"/>
-          </a:xfrm>
-          <a:prstGeom prst="ellipse">
-            <a:avLst/>
-          </a:prstGeom>
-          <a:solidFill>
-            <a:schemeClr val="bg1"/>
-          </a:solidFill>
-          <a:ln>
-            <a:solidFill>
-              <a:srgbClr val="7030A0"/>
-            </a:solidFill>
-          </a:ln>
-        </p:spPr>
-        <p:style>
-          <a:lnRef idx="2">
-            <a:schemeClr val="accent1">
-              <a:shade val="50000"/>
-            </a:schemeClr>
-          </a:lnRef>
-          <a:fillRef idx="1">
-            <a:schemeClr val="accent1"/>
-          </a:fillRef>
-          <a:effectRef idx="0">
-            <a:schemeClr val="accent1"/>
-          </a:effectRef>
-          <a:fontRef idx="minor">
-            <a:schemeClr val="lt1"/>
-          </a:fontRef>
-        </p:style>
-        <p:txBody>
-          <a:bodyPr rtlCol="0" anchor="ctr"/>
-          <a:lstStyle/>
-          <a:p>
-            <a:pPr algn="ctr"/>
-            <a:endParaRPr lang="ru-RU">
-              <a:solidFill>
-                <a:schemeClr val="accent2">
-                  <a:lumMod val="75000"/>
-                </a:schemeClr>
-              </a:solidFill>
-            </a:endParaRPr>
-          </a:p>
-        </p:txBody>
-      </p:sp>
-      <p:sp>
-        <p:nvSpPr>
-          <p:cNvPr id="40" name="Овал 39"/>
-          <p:cNvSpPr/>
-          <p:nvPr/>
-        </p:nvSpPr>
-        <p:spPr>
-          <a:xfrm>
-            <a:off x="1259632" y="5373216"/>
-            <a:ext cx="720080" cy="720080"/>
-          </a:xfrm>
-          <a:prstGeom prst="ellipse">
-            <a:avLst/>
-          </a:prstGeom>
-          <a:solidFill>
-            <a:schemeClr val="bg1"/>
-          </a:solidFill>
-          <a:ln>
-            <a:solidFill>
-              <a:srgbClr val="7030A0"/>
-            </a:solidFill>
-          </a:ln>
-        </p:spPr>
-        <p:style>
-          <a:lnRef idx="2">
-            <a:schemeClr val="accent1">
-              <a:shade val="50000"/>
-            </a:schemeClr>
-          </a:lnRef>
-          <a:fillRef idx="1">
-            <a:schemeClr val="accent1"/>
-          </a:fillRef>
-          <a:effectRef idx="0">
-            <a:schemeClr val="accent1"/>
-          </a:effectRef>
-          <a:fontRef idx="minor">
-            <a:schemeClr val="lt1"/>
-          </a:fontRef>
-        </p:style>
-        <p:txBody>
-          <a:bodyPr rtlCol="0" anchor="ctr"/>
-          <a:lstStyle/>
-          <a:p>
-            <a:pPr algn="ctr"/>
-            <a:endParaRPr lang="ru-RU">
-              <a:solidFill>
-                <a:schemeClr val="accent2">
-                  <a:lumMod val="75000"/>
-                </a:schemeClr>
-              </a:solidFill>
-            </a:endParaRPr>
-          </a:p>
-        </p:txBody>
-      </p:sp>
-      <p:sp>
-        <p:nvSpPr>
-          <p:cNvPr id="41" name="Овал 40"/>
-          <p:cNvSpPr/>
-          <p:nvPr/>
-        </p:nvSpPr>
-        <p:spPr>
-          <a:xfrm>
-            <a:off x="7236296" y="4005064"/>
-            <a:ext cx="720080" cy="720080"/>
-          </a:xfrm>
-          <a:prstGeom prst="ellipse">
-            <a:avLst/>
-          </a:prstGeom>
-          <a:solidFill>
-            <a:schemeClr val="bg1"/>
-          </a:solidFill>
-          <a:ln>
-            <a:solidFill>
-              <a:srgbClr val="7030A0"/>
-            </a:solidFill>
-          </a:ln>
-        </p:spPr>
-        <p:style>
-          <a:lnRef idx="2">
-            <a:schemeClr val="accent1">
-              <a:shade val="50000"/>
-            </a:schemeClr>
-          </a:lnRef>
-          <a:fillRef idx="1">
-            <a:schemeClr val="accent1"/>
-          </a:fillRef>
-          <a:effectRef idx="0">
-            <a:schemeClr val="accent1"/>
-          </a:effectRef>
-          <a:fontRef idx="minor">
-            <a:schemeClr val="lt1"/>
-          </a:fontRef>
-        </p:style>
-        <p:txBody>
-          <a:bodyPr rtlCol="0" anchor="ctr"/>
-          <a:lstStyle/>
-          <a:p>
-            <a:pPr algn="ctr"/>
-            <a:endParaRPr lang="ru-RU">
-              <a:solidFill>
-                <a:schemeClr val="accent2">
-                  <a:lumMod val="75000"/>
-                </a:schemeClr>
-              </a:solidFill>
-            </a:endParaRPr>
-          </a:p>
-        </p:txBody>
-      </p:sp>
-      <p:sp>
-        <p:nvSpPr>
-          <p:cNvPr id="42" name="Овал 41"/>
-          <p:cNvSpPr/>
-          <p:nvPr/>
-        </p:nvSpPr>
-        <p:spPr>
-          <a:xfrm>
-            <a:off x="6516216" y="5301208"/>
-            <a:ext cx="720080" cy="720080"/>
-          </a:xfrm>
-          <a:prstGeom prst="ellipse">
-            <a:avLst/>
-          </a:prstGeom>
-          <a:solidFill>
-            <a:schemeClr val="bg1"/>
-          </a:solidFill>
-          <a:ln>
-            <a:solidFill>
-              <a:srgbClr val="7030A0"/>
-            </a:solidFill>
-          </a:ln>
-        </p:spPr>
-        <p:style>
-          <a:lnRef idx="2">
-            <a:schemeClr val="accent1">
-              <a:shade val="50000"/>
-            </a:schemeClr>
-          </a:lnRef>
-          <a:fillRef idx="1">
-            <a:schemeClr val="accent1"/>
-          </a:fillRef>
-          <a:effectRef idx="0">
-            <a:schemeClr val="accent1"/>
-          </a:effectRef>
-          <a:fontRef idx="minor">
-            <a:schemeClr val="lt1"/>
-          </a:fontRef>
-        </p:style>
-        <p:txBody>
-          <a:bodyPr rtlCol="0" anchor="ctr"/>
-          <a:lstStyle/>
-          <a:p>
-            <a:pPr algn="ctr"/>
-            <a:endParaRPr lang="ru-RU">
-              <a:solidFill>
-                <a:schemeClr val="accent2">
-                  <a:lumMod val="75000"/>
-                </a:schemeClr>
-              </a:solidFill>
-            </a:endParaRPr>
-          </a:p>
-        </p:txBody>
-      </p:sp>
-      <p:sp>
-        <p:nvSpPr>
-          <p:cNvPr id="43" name="Овал 42"/>
-          <p:cNvSpPr/>
-          <p:nvPr/>
-        </p:nvSpPr>
-        <p:spPr>
-          <a:xfrm>
-            <a:off x="5436096" y="1196752"/>
-            <a:ext cx="720080" cy="720080"/>
-          </a:xfrm>
-          <a:prstGeom prst="ellipse">
-            <a:avLst/>
-          </a:prstGeom>
-          <a:solidFill>
-            <a:schemeClr val="bg1"/>
-          </a:solidFill>
-          <a:ln>
-            <a:solidFill>
-              <a:srgbClr val="7030A0"/>
-            </a:solidFill>
-          </a:ln>
-        </p:spPr>
-        <p:style>
-          <a:lnRef idx="2">
-            <a:schemeClr val="accent1">
-              <a:shade val="50000"/>
-            </a:schemeClr>
-          </a:lnRef>
-          <a:fillRef idx="1">
-            <a:schemeClr val="accent1"/>
-          </a:fillRef>
-          <a:effectRef idx="0">
-            <a:schemeClr val="accent1"/>
-          </a:effectRef>
-          <a:fontRef idx="minor">
-            <a:schemeClr val="lt1"/>
-          </a:fontRef>
-        </p:style>
-        <p:txBody>
-          <a:bodyPr rtlCol="0" anchor="ctr"/>
-          <a:lstStyle/>
-          <a:p>
-            <a:pPr algn="ctr"/>
-            <a:endParaRPr lang="ru-RU">
-              <a:solidFill>
-                <a:schemeClr val="accent2">
-                  <a:lumMod val="75000"/>
-                </a:schemeClr>
-              </a:solidFill>
-            </a:endParaRPr>
-          </a:p>
-        </p:txBody>
-      </p:sp>
-      <p:sp>
-        <p:nvSpPr>
-          <p:cNvPr id="44" name="Овал 43"/>
-          <p:cNvSpPr/>
-          <p:nvPr/>
-        </p:nvSpPr>
-        <p:spPr>
-          <a:xfrm>
-            <a:off x="5220072" y="3068960"/>
-            <a:ext cx="720080" cy="720080"/>
-          </a:xfrm>
-          <a:prstGeom prst="ellipse">
-            <a:avLst/>
-          </a:prstGeom>
-          <a:solidFill>
-            <a:schemeClr val="bg1"/>
-          </a:solidFill>
-          <a:ln>
-            <a:solidFill>
-              <a:srgbClr val="7030A0"/>
-            </a:solidFill>
-          </a:ln>
-        </p:spPr>
-        <p:style>
-          <a:lnRef idx="2">
-            <a:schemeClr val="accent1">
-              <a:shade val="50000"/>
-            </a:schemeClr>
-          </a:lnRef>
-          <a:fillRef idx="1">
-            <a:schemeClr val="accent1"/>
-          </a:fillRef>
-          <a:effectRef idx="0">
-            <a:schemeClr val="accent1"/>
-          </a:effectRef>
-          <a:fontRef idx="minor">
-            <a:schemeClr val="lt1"/>
-          </a:fontRef>
-        </p:style>
-        <p:txBody>
-          <a:bodyPr rtlCol="0" anchor="ctr"/>
-          <a:lstStyle/>
-          <a:p>
-            <a:pPr algn="ctr"/>
-            <a:endParaRPr lang="ru-RU">
-              <a:solidFill>
-                <a:schemeClr val="accent2">
-                  <a:lumMod val="75000"/>
-                </a:schemeClr>
-              </a:solidFill>
-            </a:endParaRPr>
-          </a:p>
-        </p:txBody>
-      </p:sp>
-      <p:sp>
-        <p:nvSpPr>
-          <p:cNvPr id="45" name="Овал 44"/>
-          <p:cNvSpPr/>
-          <p:nvPr/>
-        </p:nvSpPr>
-        <p:spPr>
-          <a:xfrm>
-            <a:off x="3779912" y="5157192"/>
-            <a:ext cx="720080" cy="720080"/>
-          </a:xfrm>
-          <a:prstGeom prst="ellipse">
-            <a:avLst/>
-          </a:prstGeom>
-          <a:solidFill>
-            <a:schemeClr val="bg1"/>
-          </a:solidFill>
-          <a:ln>
-            <a:solidFill>
-              <a:srgbClr val="7030A0"/>
-            </a:solidFill>
-          </a:ln>
-        </p:spPr>
-        <p:style>
-          <a:lnRef idx="2">
-            <a:schemeClr val="accent1">
-              <a:shade val="50000"/>
-            </a:schemeClr>
-          </a:lnRef>
-          <a:fillRef idx="1">
-            <a:schemeClr val="accent1"/>
-          </a:fillRef>
-          <a:effectRef idx="0">
-            <a:schemeClr val="accent1"/>
-          </a:effectRef>
-          <a:fontRef idx="minor">
-            <a:schemeClr val="lt1"/>
-          </a:fontRef>
-        </p:style>
-        <p:txBody>
-          <a:bodyPr rtlCol="0" anchor="ctr"/>
-          <a:lstStyle/>
-          <a:p>
-            <a:pPr algn="ctr"/>
-            <a:endParaRPr lang="ru-RU">
-              <a:solidFill>
-                <a:schemeClr val="accent2">
-                  <a:lumMod val="75000"/>
-                </a:schemeClr>
-              </a:solidFill>
-            </a:endParaRPr>
-          </a:p>
-        </p:txBody>
-      </p:sp>
-      <p:sp>
-        <p:nvSpPr>
-          <p:cNvPr id="46" name="Овал 45"/>
-          <p:cNvSpPr/>
-          <p:nvPr/>
-        </p:nvSpPr>
-        <p:spPr>
-          <a:xfrm>
-            <a:off x="3059832" y="2348880"/>
-            <a:ext cx="720080" cy="720080"/>
-          </a:xfrm>
-          <a:prstGeom prst="ellipse">
-            <a:avLst/>
-          </a:prstGeom>
-          <a:solidFill>
-            <a:schemeClr val="bg1"/>
-          </a:solidFill>
-          <a:ln>
-            <a:solidFill>
-              <a:srgbClr val="7030A0"/>
-            </a:solidFill>
-          </a:ln>
-        </p:spPr>
-        <p:style>
-          <a:lnRef idx="2">
-            <a:schemeClr val="accent1">
-              <a:shade val="50000"/>
-            </a:schemeClr>
-          </a:lnRef>
-          <a:fillRef idx="1">
-            <a:schemeClr val="accent1"/>
-          </a:fillRef>
-          <a:effectRef idx="0">
-            <a:schemeClr val="accent1"/>
-          </a:effectRef>
-          <a:fontRef idx="minor">
-            <a:schemeClr val="lt1"/>
-          </a:fontRef>
-        </p:style>
-        <p:txBody>
-          <a:bodyPr rtlCol="0" anchor="ctr"/>
-          <a:lstStyle/>
-          <a:p>
-            <a:pPr algn="ctr"/>
-            <a:endParaRPr lang="ru-RU">
-              <a:solidFill>
-                <a:schemeClr val="accent2">
-                  <a:lumMod val="75000"/>
-                </a:schemeClr>
-              </a:solidFill>
-            </a:endParaRPr>
-          </a:p>
-        </p:txBody>
-      </p:sp>
-      <p:sp>
-        <p:nvSpPr>
-          <p:cNvPr id="48" name="Овал 47"/>
-          <p:cNvSpPr/>
-          <p:nvPr/>
-        </p:nvSpPr>
-        <p:spPr>
-          <a:xfrm>
-            <a:off x="7164288" y="1700808"/>
-            <a:ext cx="720080" cy="720080"/>
-          </a:xfrm>
-          <a:prstGeom prst="ellipse">
-            <a:avLst/>
-          </a:prstGeom>
-          <a:solidFill>
-            <a:schemeClr val="bg1"/>
-          </a:solidFill>
-          <a:ln>
-            <a:solidFill>
-              <a:srgbClr val="7030A0"/>
-            </a:solidFill>
-          </a:ln>
-        </p:spPr>
-        <p:style>
-          <a:lnRef idx="2">
-            <a:schemeClr val="accent1">
-              <a:shade val="50000"/>
-            </a:schemeClr>
-          </a:lnRef>
-          <a:fillRef idx="1">
-            <a:schemeClr val="accent1"/>
-          </a:fillRef>
-          <a:effectRef idx="0">
-            <a:schemeClr val="accent1"/>
-          </a:effectRef>
-          <a:fontRef idx="minor">
-            <a:schemeClr val="lt1"/>
-          </a:fontRef>
-        </p:style>
-        <p:txBody>
-          <a:bodyPr rtlCol="0" anchor="ctr"/>
-          <a:lstStyle/>
-          <a:p>
-            <a:pPr algn="ctr"/>
-            <a:endParaRPr lang="ru-RU">
-              <a:solidFill>
-                <a:schemeClr val="accent2">
-                  <a:lumMod val="75000"/>
-                </a:schemeClr>
-              </a:solidFill>
-            </a:endParaRPr>
-          </a:p>
-        </p:txBody>
-      </p:sp>
-      <p:sp>
-        <p:nvSpPr>
-          <p:cNvPr id="15" name="Заголовок 1"/>
-          <p:cNvSpPr txBox="1">
-            <a:spLocks/>
-          </p:cNvSpPr>
-          <p:nvPr/>
-        </p:nvSpPr>
-        <p:spPr>
-          <a:xfrm>
-            <a:off x="5473824" y="0"/>
-            <a:ext cx="3670176" cy="1080120"/>
+      <p:pic>
+        <p:nvPicPr>
+          <p:cNvPr id="1026" name="Picture 2"/>
+          <p:cNvPicPr>
+            <a:picLocks noChangeAspect="1" noChangeArrowheads="1"/>
+          </p:cNvPicPr>
+          <p:nvPr/>
+        </p:nvPicPr>
+        <p:blipFill>
+          <a:blip r:embed="rId2" cstate="print"/>
+          <a:srcRect/>
+          <a:stretch>
+            <a:fillRect/>
+          </a:stretch>
+        </p:blipFill>
+        <p:spPr bwMode="auto">
+          <a:xfrm>
+            <a:off x="827584" y="1556792"/>
+            <a:ext cx="1133475" cy="1095375"/>
           </a:xfrm>
           <a:prstGeom prst="rect">
             <a:avLst/>
           </a:prstGeom>
-        </p:spPr>
-        <p:txBody>
-          <a:bodyPr vert="horz" lIns="91440" tIns="45720" rIns="91440" bIns="45720" rtlCol="0" anchor="ctr">
-            <a:normAutofit/>
-          </a:bodyPr>
-          <a:lstStyle/>
-          <a:p>
-            <a:pPr marL="514350" lvl="0" indent="-514350" algn="ctr">
-              <a:spcBef>
-                <a:spcPct val="0"/>
-              </a:spcBef>
-            </a:pPr>
-            <a:r>
-              <a:rPr lang="ru-RU" sz="2800" dirty="0" smtClean="0"/>
-              <a:t>Дети = вершины</a:t>
-            </a:r>
-          </a:p>
-        </p:txBody>
-      </p:sp>
+          <a:noFill/>
+          <a:ln w="9525">
+            <a:noFill/>
+            <a:miter lim="800000"/>
+            <a:headEnd/>
+            <a:tailEnd/>
+          </a:ln>
+        </p:spPr>
+      </p:pic>
+      <p:pic>
+        <p:nvPicPr>
+          <p:cNvPr id="1027" name="Picture 3"/>
+          <p:cNvPicPr>
+            <a:picLocks noChangeAspect="1" noChangeArrowheads="1"/>
+          </p:cNvPicPr>
+          <p:nvPr/>
+        </p:nvPicPr>
+        <p:blipFill>
+          <a:blip r:embed="rId3" cstate="print"/>
+          <a:srcRect/>
+          <a:stretch>
+            <a:fillRect/>
+          </a:stretch>
+        </p:blipFill>
+        <p:spPr bwMode="auto">
+          <a:xfrm>
+            <a:off x="5220072" y="908720"/>
+            <a:ext cx="1114425" cy="1076325"/>
+          </a:xfrm>
+          <a:prstGeom prst="rect">
+            <a:avLst/>
+          </a:prstGeom>
+          <a:noFill/>
+          <a:ln w="9525">
+            <a:noFill/>
+            <a:miter lim="800000"/>
+            <a:headEnd/>
+            <a:tailEnd/>
+          </a:ln>
+        </p:spPr>
+      </p:pic>
+      <p:pic>
+        <p:nvPicPr>
+          <p:cNvPr id="1028" name="Picture 4"/>
+          <p:cNvPicPr>
+            <a:picLocks noChangeAspect="1" noChangeArrowheads="1"/>
+          </p:cNvPicPr>
+          <p:nvPr/>
+        </p:nvPicPr>
+        <p:blipFill>
+          <a:blip r:embed="rId4" cstate="print"/>
+          <a:srcRect/>
+          <a:stretch>
+            <a:fillRect/>
+          </a:stretch>
+        </p:blipFill>
+        <p:spPr bwMode="auto">
+          <a:xfrm>
+            <a:off x="4932040" y="2708920"/>
+            <a:ext cx="1276350" cy="1276350"/>
+          </a:xfrm>
+          <a:prstGeom prst="rect">
+            <a:avLst/>
+          </a:prstGeom>
+          <a:noFill/>
+          <a:ln w="9525">
+            <a:noFill/>
+            <a:miter lim="800000"/>
+            <a:headEnd/>
+            <a:tailEnd/>
+          </a:ln>
+        </p:spPr>
+      </p:pic>
+      <p:pic>
+        <p:nvPicPr>
+          <p:cNvPr id="1029" name="Picture 5"/>
+          <p:cNvPicPr>
+            <a:picLocks noChangeAspect="1" noChangeArrowheads="1"/>
+          </p:cNvPicPr>
+          <p:nvPr/>
+        </p:nvPicPr>
+        <p:blipFill>
+          <a:blip r:embed="rId5" cstate="print"/>
+          <a:srcRect/>
+          <a:stretch>
+            <a:fillRect/>
+          </a:stretch>
+        </p:blipFill>
+        <p:spPr bwMode="auto">
+          <a:xfrm>
+            <a:off x="3707904" y="5013176"/>
+            <a:ext cx="1009650" cy="981075"/>
+          </a:xfrm>
+          <a:prstGeom prst="rect">
+            <a:avLst/>
+          </a:prstGeom>
+          <a:noFill/>
+          <a:ln w="9525">
+            <a:noFill/>
+            <a:miter lim="800000"/>
+            <a:headEnd/>
+            <a:tailEnd/>
+          </a:ln>
+        </p:spPr>
+      </p:pic>
+      <p:pic>
+        <p:nvPicPr>
+          <p:cNvPr id="1030" name="Picture 6"/>
+          <p:cNvPicPr>
+            <a:picLocks noChangeAspect="1" noChangeArrowheads="1"/>
+          </p:cNvPicPr>
+          <p:nvPr/>
+        </p:nvPicPr>
+        <p:blipFill>
+          <a:blip r:embed="rId6" cstate="print"/>
+          <a:srcRect/>
+          <a:stretch>
+            <a:fillRect/>
+          </a:stretch>
+        </p:blipFill>
+        <p:spPr bwMode="auto">
+          <a:xfrm>
+            <a:off x="2987824" y="2204864"/>
+            <a:ext cx="1028700" cy="1028700"/>
+          </a:xfrm>
+          <a:prstGeom prst="rect">
+            <a:avLst/>
+          </a:prstGeom>
+          <a:noFill/>
+          <a:ln w="9525">
+            <a:noFill/>
+            <a:miter lim="800000"/>
+            <a:headEnd/>
+            <a:tailEnd/>
+          </a:ln>
+        </p:spPr>
+      </p:pic>
+      <p:pic>
+        <p:nvPicPr>
+          <p:cNvPr id="1031" name="Picture 7"/>
+          <p:cNvPicPr>
+            <a:picLocks noChangeAspect="1" noChangeArrowheads="1"/>
+          </p:cNvPicPr>
+          <p:nvPr/>
+        </p:nvPicPr>
+        <p:blipFill>
+          <a:blip r:embed="rId7" cstate="print"/>
+          <a:srcRect/>
+          <a:stretch>
+            <a:fillRect/>
+          </a:stretch>
+        </p:blipFill>
+        <p:spPr bwMode="auto">
+          <a:xfrm>
+            <a:off x="1043608" y="5229200"/>
+            <a:ext cx="1009650" cy="1095375"/>
+          </a:xfrm>
+          <a:prstGeom prst="rect">
+            <a:avLst/>
+          </a:prstGeom>
+          <a:noFill/>
+          <a:ln w="9525">
+            <a:noFill/>
+            <a:miter lim="800000"/>
+            <a:headEnd/>
+            <a:tailEnd/>
+          </a:ln>
+        </p:spPr>
+      </p:pic>
+      <p:pic>
+        <p:nvPicPr>
+          <p:cNvPr id="1032" name="Picture 8"/>
+          <p:cNvPicPr>
+            <a:picLocks noChangeAspect="1" noChangeArrowheads="1"/>
+          </p:cNvPicPr>
+          <p:nvPr/>
+        </p:nvPicPr>
+        <p:blipFill>
+          <a:blip r:embed="rId8" cstate="print"/>
+          <a:srcRect/>
+          <a:stretch>
+            <a:fillRect/>
+          </a:stretch>
+        </p:blipFill>
+        <p:spPr bwMode="auto">
+          <a:xfrm>
+            <a:off x="3275856" y="404664"/>
+            <a:ext cx="1076325" cy="1076325"/>
+          </a:xfrm>
+          <a:prstGeom prst="rect">
+            <a:avLst/>
+          </a:prstGeom>
+          <a:noFill/>
+          <a:ln w="9525">
+            <a:noFill/>
+            <a:miter lim="800000"/>
+            <a:headEnd/>
+            <a:tailEnd/>
+          </a:ln>
+        </p:spPr>
+      </p:pic>
+      <p:pic>
+        <p:nvPicPr>
+          <p:cNvPr id="1033" name="Picture 9"/>
+          <p:cNvPicPr>
+            <a:picLocks noChangeAspect="1" noChangeArrowheads="1"/>
+          </p:cNvPicPr>
+          <p:nvPr/>
+        </p:nvPicPr>
+        <p:blipFill>
+          <a:blip r:embed="rId9" cstate="print"/>
+          <a:srcRect/>
+          <a:stretch>
+            <a:fillRect/>
+          </a:stretch>
+        </p:blipFill>
+        <p:spPr bwMode="auto">
+          <a:xfrm>
+            <a:off x="6948264" y="1484784"/>
+            <a:ext cx="1133475" cy="1190625"/>
+          </a:xfrm>
+          <a:prstGeom prst="rect">
+            <a:avLst/>
+          </a:prstGeom>
+          <a:noFill/>
+          <a:ln w="9525">
+            <a:noFill/>
+            <a:miter lim="800000"/>
+            <a:headEnd/>
+            <a:tailEnd/>
+          </a:ln>
+        </p:spPr>
+      </p:pic>
+      <p:pic>
+        <p:nvPicPr>
+          <p:cNvPr id="1034" name="Picture 10"/>
+          <p:cNvPicPr>
+            <a:picLocks noChangeAspect="1" noChangeArrowheads="1"/>
+          </p:cNvPicPr>
+          <p:nvPr/>
+        </p:nvPicPr>
+        <p:blipFill>
+          <a:blip r:embed="rId10" cstate="print"/>
+          <a:srcRect/>
+          <a:stretch>
+            <a:fillRect/>
+          </a:stretch>
+        </p:blipFill>
+        <p:spPr bwMode="auto">
+          <a:xfrm>
+            <a:off x="6444208" y="5157192"/>
+            <a:ext cx="1019175" cy="1057275"/>
+          </a:xfrm>
+          <a:prstGeom prst="rect">
+            <a:avLst/>
+          </a:prstGeom>
+          <a:noFill/>
+          <a:ln w="9525">
+            <a:noFill/>
+            <a:miter lim="800000"/>
+            <a:headEnd/>
+            <a:tailEnd/>
+          </a:ln>
+        </p:spPr>
+      </p:pic>
+      <p:pic>
+        <p:nvPicPr>
+          <p:cNvPr id="1035" name="Picture 11"/>
+          <p:cNvPicPr>
+            <a:picLocks noChangeAspect="1" noChangeArrowheads="1"/>
+          </p:cNvPicPr>
+          <p:nvPr/>
+        </p:nvPicPr>
+        <p:blipFill>
+          <a:blip r:embed="rId11" cstate="print"/>
+          <a:srcRect/>
+          <a:stretch>
+            <a:fillRect/>
+          </a:stretch>
+        </p:blipFill>
+        <p:spPr bwMode="auto">
+          <a:xfrm>
+            <a:off x="1835696" y="3573016"/>
+            <a:ext cx="1114425" cy="1076325"/>
+          </a:xfrm>
+          <a:prstGeom prst="rect">
+            <a:avLst/>
+          </a:prstGeom>
+          <a:noFill/>
+          <a:ln w="9525">
+            <a:noFill/>
+            <a:miter lim="800000"/>
+            <a:headEnd/>
+            <a:tailEnd/>
+          </a:ln>
+        </p:spPr>
+      </p:pic>
+      <p:pic>
+        <p:nvPicPr>
+          <p:cNvPr id="31" name="Picture 12"/>
+          <p:cNvPicPr>
+            <a:picLocks noChangeAspect="1" noChangeArrowheads="1"/>
+          </p:cNvPicPr>
+          <p:nvPr/>
+        </p:nvPicPr>
+        <p:blipFill>
+          <a:blip r:embed="rId12" cstate="print"/>
+          <a:srcRect/>
+          <a:stretch>
+            <a:fillRect/>
+          </a:stretch>
+        </p:blipFill>
+        <p:spPr bwMode="auto">
+          <a:xfrm>
+            <a:off x="7020272" y="3764260"/>
+            <a:ext cx="1095375" cy="1104900"/>
+          </a:xfrm>
+          <a:prstGeom prst="rect">
+            <a:avLst/>
+          </a:prstGeom>
+          <a:noFill/>
+          <a:ln w="9525">
+            <a:noFill/>
+            <a:miter lim="800000"/>
+            <a:headEnd/>
+            <a:tailEnd/>
+          </a:ln>
+        </p:spPr>
+      </p:pic>
     </p:spTree>
   </p:cSld>
   <p:clrMapOvr>
@@ -19504,11 +19219,7 @@
             </a:pPr>
             <a:r>
               <a:rPr lang="ru-RU" sz="2800" dirty="0" smtClean="0"/>
-              <a:t>Дуга	(например</a:t>
-            </a:r>
-            <a:r>
-              <a:rPr lang="ru-RU" sz="2800" dirty="0" smtClean="0"/>
-              <a:t>, (1,3))</a:t>
+              <a:t>Дуга	(например, (1,3))</a:t>
             </a:r>
             <a:endParaRPr lang="en-US" sz="2800" dirty="0" smtClean="0"/>
           </a:p>
@@ -20958,13 +20669,8 @@
             </a:pPr>
             <a:r>
               <a:rPr lang="ru-RU" sz="2800" dirty="0" smtClean="0"/>
-              <a:t>	П</a:t>
-            </a:r>
-            <a:r>
-              <a:rPr lang="ru-RU" sz="2800" dirty="0" smtClean="0"/>
-              <a:t>ростой путь – это путь содержащий каждое ребро не более одного раза.</a:t>
-            </a:r>
-            <a:endParaRPr lang="ru-RU" sz="2800" dirty="0" smtClean="0"/>
+              <a:t>	Простой путь – это путь содержащий каждое ребро не более одного раза.</a:t>
+            </a:r>
           </a:p>
         </p:txBody>
       </p:sp>
@@ -21899,19 +21605,11 @@
             </a:pPr>
             <a:r>
               <a:rPr lang="ru-RU" sz="2800" dirty="0" err="1" smtClean="0"/>
-              <a:t>НЕо</a:t>
-            </a:r>
-            <a:r>
-              <a:rPr lang="ru-RU" sz="2800" dirty="0" err="1" smtClean="0"/>
-              <a:t>риентированный</a:t>
+              <a:t>НЕориентированный</a:t>
             </a:r>
             <a:r>
               <a:rPr lang="ru-RU" sz="2800" dirty="0" smtClean="0"/>
-              <a:t> </a:t>
-            </a:r>
-            <a:r>
-              <a:rPr lang="ru-RU" sz="2800" dirty="0" smtClean="0"/>
-              <a:t>граф</a:t>
+              <a:t> граф</a:t>
             </a:r>
           </a:p>
         </p:txBody>
@@ -22323,11 +22021,7 @@
             </a:r>
             <a:r>
               <a:rPr lang="ru-RU" sz="2800" dirty="0" smtClean="0"/>
-              <a:t> </a:t>
-            </a:r>
-            <a:r>
-              <a:rPr lang="ru-RU" sz="2800" dirty="0" smtClean="0"/>
-              <a:t>граф</a:t>
+              <a:t> граф</a:t>
             </a:r>
           </a:p>
         </p:txBody>
@@ -23026,11 +22720,7 @@
             </a:r>
             <a:r>
               <a:rPr lang="ru-RU" sz="2800" dirty="0" smtClean="0"/>
-              <a:t> </a:t>
-            </a:r>
-            <a:r>
-              <a:rPr lang="ru-RU" sz="2800" dirty="0" smtClean="0"/>
-              <a:t>граф</a:t>
+              <a:t> граф</a:t>
             </a:r>
           </a:p>
         </p:txBody>
@@ -23581,358 +23271,635 @@
           <a:chExt cx="0" cy="0"/>
         </a:xfrm>
       </p:grpSpPr>
-      <p:pic>
-        <p:nvPicPr>
-          <p:cNvPr id="1026" name="Picture 2"/>
-          <p:cNvPicPr>
-            <a:picLocks noChangeAspect="1" noChangeArrowheads="1"/>
-          </p:cNvPicPr>
-          <p:nvPr/>
-        </p:nvPicPr>
-        <p:blipFill>
-          <a:blip r:embed="rId2" cstate="print"/>
-          <a:srcRect/>
-          <a:stretch>
-            <a:fillRect/>
-          </a:stretch>
-        </p:blipFill>
-        <p:spPr bwMode="auto">
-          <a:xfrm>
-            <a:off x="827584" y="1556792"/>
-            <a:ext cx="1133475" cy="1095375"/>
+      <p:sp>
+        <p:nvSpPr>
+          <p:cNvPr id="9" name="Овал 8"/>
+          <p:cNvSpPr/>
+          <p:nvPr/>
+        </p:nvSpPr>
+        <p:spPr>
+          <a:xfrm>
+            <a:off x="971600" y="1772816"/>
+            <a:ext cx="720080" cy="720080"/>
+          </a:xfrm>
+          <a:prstGeom prst="ellipse">
+            <a:avLst/>
+          </a:prstGeom>
+          <a:solidFill>
+            <a:schemeClr val="bg1"/>
+          </a:solidFill>
+          <a:ln>
+            <a:solidFill>
+              <a:srgbClr val="7030A0"/>
+            </a:solidFill>
+          </a:ln>
+        </p:spPr>
+        <p:style>
+          <a:lnRef idx="2">
+            <a:schemeClr val="accent1">
+              <a:shade val="50000"/>
+            </a:schemeClr>
+          </a:lnRef>
+          <a:fillRef idx="1">
+            <a:schemeClr val="accent1"/>
+          </a:fillRef>
+          <a:effectRef idx="0">
+            <a:schemeClr val="accent1"/>
+          </a:effectRef>
+          <a:fontRef idx="minor">
+            <a:schemeClr val="lt1"/>
+          </a:fontRef>
+        </p:style>
+        <p:txBody>
+          <a:bodyPr rtlCol="0" anchor="ctr"/>
+          <a:lstStyle/>
+          <a:p>
+            <a:pPr algn="ctr"/>
+            <a:endParaRPr lang="ru-RU">
+              <a:solidFill>
+                <a:schemeClr val="accent2">
+                  <a:lumMod val="75000"/>
+                </a:schemeClr>
+              </a:solidFill>
+            </a:endParaRPr>
+          </a:p>
+        </p:txBody>
+      </p:sp>
+      <p:sp>
+        <p:nvSpPr>
+          <p:cNvPr id="38" name="Овал 37"/>
+          <p:cNvSpPr/>
+          <p:nvPr/>
+        </p:nvSpPr>
+        <p:spPr>
+          <a:xfrm>
+            <a:off x="3419872" y="548680"/>
+            <a:ext cx="720080" cy="720080"/>
+          </a:xfrm>
+          <a:prstGeom prst="ellipse">
+            <a:avLst/>
+          </a:prstGeom>
+          <a:solidFill>
+            <a:schemeClr val="bg1"/>
+          </a:solidFill>
+          <a:ln>
+            <a:solidFill>
+              <a:srgbClr val="7030A0"/>
+            </a:solidFill>
+          </a:ln>
+        </p:spPr>
+        <p:style>
+          <a:lnRef idx="2">
+            <a:schemeClr val="accent1">
+              <a:shade val="50000"/>
+            </a:schemeClr>
+          </a:lnRef>
+          <a:fillRef idx="1">
+            <a:schemeClr val="accent1"/>
+          </a:fillRef>
+          <a:effectRef idx="0">
+            <a:schemeClr val="accent1"/>
+          </a:effectRef>
+          <a:fontRef idx="minor">
+            <a:schemeClr val="lt1"/>
+          </a:fontRef>
+        </p:style>
+        <p:txBody>
+          <a:bodyPr rtlCol="0" anchor="ctr"/>
+          <a:lstStyle/>
+          <a:p>
+            <a:pPr algn="ctr"/>
+            <a:endParaRPr lang="ru-RU">
+              <a:solidFill>
+                <a:schemeClr val="accent2">
+                  <a:lumMod val="75000"/>
+                </a:schemeClr>
+              </a:solidFill>
+            </a:endParaRPr>
+          </a:p>
+        </p:txBody>
+      </p:sp>
+      <p:sp>
+        <p:nvSpPr>
+          <p:cNvPr id="39" name="Овал 38"/>
+          <p:cNvSpPr/>
+          <p:nvPr/>
+        </p:nvSpPr>
+        <p:spPr>
+          <a:xfrm>
+            <a:off x="2051720" y="3717032"/>
+            <a:ext cx="720080" cy="720080"/>
+          </a:xfrm>
+          <a:prstGeom prst="ellipse">
+            <a:avLst/>
+          </a:prstGeom>
+          <a:solidFill>
+            <a:schemeClr val="bg1"/>
+          </a:solidFill>
+          <a:ln>
+            <a:solidFill>
+              <a:srgbClr val="7030A0"/>
+            </a:solidFill>
+          </a:ln>
+        </p:spPr>
+        <p:style>
+          <a:lnRef idx="2">
+            <a:schemeClr val="accent1">
+              <a:shade val="50000"/>
+            </a:schemeClr>
+          </a:lnRef>
+          <a:fillRef idx="1">
+            <a:schemeClr val="accent1"/>
+          </a:fillRef>
+          <a:effectRef idx="0">
+            <a:schemeClr val="accent1"/>
+          </a:effectRef>
+          <a:fontRef idx="minor">
+            <a:schemeClr val="lt1"/>
+          </a:fontRef>
+        </p:style>
+        <p:txBody>
+          <a:bodyPr rtlCol="0" anchor="ctr"/>
+          <a:lstStyle/>
+          <a:p>
+            <a:pPr algn="ctr"/>
+            <a:endParaRPr lang="ru-RU">
+              <a:solidFill>
+                <a:schemeClr val="accent2">
+                  <a:lumMod val="75000"/>
+                </a:schemeClr>
+              </a:solidFill>
+            </a:endParaRPr>
+          </a:p>
+        </p:txBody>
+      </p:sp>
+      <p:sp>
+        <p:nvSpPr>
+          <p:cNvPr id="40" name="Овал 39"/>
+          <p:cNvSpPr/>
+          <p:nvPr/>
+        </p:nvSpPr>
+        <p:spPr>
+          <a:xfrm>
+            <a:off x="1259632" y="5373216"/>
+            <a:ext cx="720080" cy="720080"/>
+          </a:xfrm>
+          <a:prstGeom prst="ellipse">
+            <a:avLst/>
+          </a:prstGeom>
+          <a:solidFill>
+            <a:schemeClr val="bg1"/>
+          </a:solidFill>
+          <a:ln>
+            <a:solidFill>
+              <a:srgbClr val="7030A0"/>
+            </a:solidFill>
+          </a:ln>
+        </p:spPr>
+        <p:style>
+          <a:lnRef idx="2">
+            <a:schemeClr val="accent1">
+              <a:shade val="50000"/>
+            </a:schemeClr>
+          </a:lnRef>
+          <a:fillRef idx="1">
+            <a:schemeClr val="accent1"/>
+          </a:fillRef>
+          <a:effectRef idx="0">
+            <a:schemeClr val="accent1"/>
+          </a:effectRef>
+          <a:fontRef idx="minor">
+            <a:schemeClr val="lt1"/>
+          </a:fontRef>
+        </p:style>
+        <p:txBody>
+          <a:bodyPr rtlCol="0" anchor="ctr"/>
+          <a:lstStyle/>
+          <a:p>
+            <a:pPr algn="ctr"/>
+            <a:endParaRPr lang="ru-RU">
+              <a:solidFill>
+                <a:schemeClr val="accent2">
+                  <a:lumMod val="75000"/>
+                </a:schemeClr>
+              </a:solidFill>
+            </a:endParaRPr>
+          </a:p>
+        </p:txBody>
+      </p:sp>
+      <p:sp>
+        <p:nvSpPr>
+          <p:cNvPr id="41" name="Овал 40"/>
+          <p:cNvSpPr/>
+          <p:nvPr/>
+        </p:nvSpPr>
+        <p:spPr>
+          <a:xfrm>
+            <a:off x="7236296" y="4005064"/>
+            <a:ext cx="720080" cy="720080"/>
+          </a:xfrm>
+          <a:prstGeom prst="ellipse">
+            <a:avLst/>
+          </a:prstGeom>
+          <a:solidFill>
+            <a:schemeClr val="bg1"/>
+          </a:solidFill>
+          <a:ln>
+            <a:solidFill>
+              <a:srgbClr val="7030A0"/>
+            </a:solidFill>
+          </a:ln>
+        </p:spPr>
+        <p:style>
+          <a:lnRef idx="2">
+            <a:schemeClr val="accent1">
+              <a:shade val="50000"/>
+            </a:schemeClr>
+          </a:lnRef>
+          <a:fillRef idx="1">
+            <a:schemeClr val="accent1"/>
+          </a:fillRef>
+          <a:effectRef idx="0">
+            <a:schemeClr val="accent1"/>
+          </a:effectRef>
+          <a:fontRef idx="minor">
+            <a:schemeClr val="lt1"/>
+          </a:fontRef>
+        </p:style>
+        <p:txBody>
+          <a:bodyPr rtlCol="0" anchor="ctr"/>
+          <a:lstStyle/>
+          <a:p>
+            <a:pPr algn="ctr"/>
+            <a:endParaRPr lang="ru-RU">
+              <a:solidFill>
+                <a:schemeClr val="accent2">
+                  <a:lumMod val="75000"/>
+                </a:schemeClr>
+              </a:solidFill>
+            </a:endParaRPr>
+          </a:p>
+        </p:txBody>
+      </p:sp>
+      <p:sp>
+        <p:nvSpPr>
+          <p:cNvPr id="42" name="Овал 41"/>
+          <p:cNvSpPr/>
+          <p:nvPr/>
+        </p:nvSpPr>
+        <p:spPr>
+          <a:xfrm>
+            <a:off x="6516216" y="5301208"/>
+            <a:ext cx="720080" cy="720080"/>
+          </a:xfrm>
+          <a:prstGeom prst="ellipse">
+            <a:avLst/>
+          </a:prstGeom>
+          <a:solidFill>
+            <a:schemeClr val="bg1"/>
+          </a:solidFill>
+          <a:ln>
+            <a:solidFill>
+              <a:srgbClr val="7030A0"/>
+            </a:solidFill>
+          </a:ln>
+        </p:spPr>
+        <p:style>
+          <a:lnRef idx="2">
+            <a:schemeClr val="accent1">
+              <a:shade val="50000"/>
+            </a:schemeClr>
+          </a:lnRef>
+          <a:fillRef idx="1">
+            <a:schemeClr val="accent1"/>
+          </a:fillRef>
+          <a:effectRef idx="0">
+            <a:schemeClr val="accent1"/>
+          </a:effectRef>
+          <a:fontRef idx="minor">
+            <a:schemeClr val="lt1"/>
+          </a:fontRef>
+        </p:style>
+        <p:txBody>
+          <a:bodyPr rtlCol="0" anchor="ctr"/>
+          <a:lstStyle/>
+          <a:p>
+            <a:pPr algn="ctr"/>
+            <a:endParaRPr lang="ru-RU">
+              <a:solidFill>
+                <a:schemeClr val="accent2">
+                  <a:lumMod val="75000"/>
+                </a:schemeClr>
+              </a:solidFill>
+            </a:endParaRPr>
+          </a:p>
+        </p:txBody>
+      </p:sp>
+      <p:sp>
+        <p:nvSpPr>
+          <p:cNvPr id="43" name="Овал 42"/>
+          <p:cNvSpPr/>
+          <p:nvPr/>
+        </p:nvSpPr>
+        <p:spPr>
+          <a:xfrm>
+            <a:off x="5436096" y="1196752"/>
+            <a:ext cx="720080" cy="720080"/>
+          </a:xfrm>
+          <a:prstGeom prst="ellipse">
+            <a:avLst/>
+          </a:prstGeom>
+          <a:solidFill>
+            <a:schemeClr val="bg1"/>
+          </a:solidFill>
+          <a:ln>
+            <a:solidFill>
+              <a:srgbClr val="7030A0"/>
+            </a:solidFill>
+          </a:ln>
+        </p:spPr>
+        <p:style>
+          <a:lnRef idx="2">
+            <a:schemeClr val="accent1">
+              <a:shade val="50000"/>
+            </a:schemeClr>
+          </a:lnRef>
+          <a:fillRef idx="1">
+            <a:schemeClr val="accent1"/>
+          </a:fillRef>
+          <a:effectRef idx="0">
+            <a:schemeClr val="accent1"/>
+          </a:effectRef>
+          <a:fontRef idx="minor">
+            <a:schemeClr val="lt1"/>
+          </a:fontRef>
+        </p:style>
+        <p:txBody>
+          <a:bodyPr rtlCol="0" anchor="ctr"/>
+          <a:lstStyle/>
+          <a:p>
+            <a:pPr algn="ctr"/>
+            <a:endParaRPr lang="ru-RU">
+              <a:solidFill>
+                <a:schemeClr val="accent2">
+                  <a:lumMod val="75000"/>
+                </a:schemeClr>
+              </a:solidFill>
+            </a:endParaRPr>
+          </a:p>
+        </p:txBody>
+      </p:sp>
+      <p:sp>
+        <p:nvSpPr>
+          <p:cNvPr id="44" name="Овал 43"/>
+          <p:cNvSpPr/>
+          <p:nvPr/>
+        </p:nvSpPr>
+        <p:spPr>
+          <a:xfrm>
+            <a:off x="5220072" y="3068960"/>
+            <a:ext cx="720080" cy="720080"/>
+          </a:xfrm>
+          <a:prstGeom prst="ellipse">
+            <a:avLst/>
+          </a:prstGeom>
+          <a:solidFill>
+            <a:schemeClr val="bg1"/>
+          </a:solidFill>
+          <a:ln>
+            <a:solidFill>
+              <a:srgbClr val="7030A0"/>
+            </a:solidFill>
+          </a:ln>
+        </p:spPr>
+        <p:style>
+          <a:lnRef idx="2">
+            <a:schemeClr val="accent1">
+              <a:shade val="50000"/>
+            </a:schemeClr>
+          </a:lnRef>
+          <a:fillRef idx="1">
+            <a:schemeClr val="accent1"/>
+          </a:fillRef>
+          <a:effectRef idx="0">
+            <a:schemeClr val="accent1"/>
+          </a:effectRef>
+          <a:fontRef idx="minor">
+            <a:schemeClr val="lt1"/>
+          </a:fontRef>
+        </p:style>
+        <p:txBody>
+          <a:bodyPr rtlCol="0" anchor="ctr"/>
+          <a:lstStyle/>
+          <a:p>
+            <a:pPr algn="ctr"/>
+            <a:endParaRPr lang="ru-RU">
+              <a:solidFill>
+                <a:schemeClr val="accent2">
+                  <a:lumMod val="75000"/>
+                </a:schemeClr>
+              </a:solidFill>
+            </a:endParaRPr>
+          </a:p>
+        </p:txBody>
+      </p:sp>
+      <p:sp>
+        <p:nvSpPr>
+          <p:cNvPr id="45" name="Овал 44"/>
+          <p:cNvSpPr/>
+          <p:nvPr/>
+        </p:nvSpPr>
+        <p:spPr>
+          <a:xfrm>
+            <a:off x="3779912" y="5157192"/>
+            <a:ext cx="720080" cy="720080"/>
+          </a:xfrm>
+          <a:prstGeom prst="ellipse">
+            <a:avLst/>
+          </a:prstGeom>
+          <a:solidFill>
+            <a:schemeClr val="bg1"/>
+          </a:solidFill>
+          <a:ln>
+            <a:solidFill>
+              <a:srgbClr val="7030A0"/>
+            </a:solidFill>
+          </a:ln>
+        </p:spPr>
+        <p:style>
+          <a:lnRef idx="2">
+            <a:schemeClr val="accent1">
+              <a:shade val="50000"/>
+            </a:schemeClr>
+          </a:lnRef>
+          <a:fillRef idx="1">
+            <a:schemeClr val="accent1"/>
+          </a:fillRef>
+          <a:effectRef idx="0">
+            <a:schemeClr val="accent1"/>
+          </a:effectRef>
+          <a:fontRef idx="minor">
+            <a:schemeClr val="lt1"/>
+          </a:fontRef>
+        </p:style>
+        <p:txBody>
+          <a:bodyPr rtlCol="0" anchor="ctr"/>
+          <a:lstStyle/>
+          <a:p>
+            <a:pPr algn="ctr"/>
+            <a:endParaRPr lang="ru-RU">
+              <a:solidFill>
+                <a:schemeClr val="accent2">
+                  <a:lumMod val="75000"/>
+                </a:schemeClr>
+              </a:solidFill>
+            </a:endParaRPr>
+          </a:p>
+        </p:txBody>
+      </p:sp>
+      <p:sp>
+        <p:nvSpPr>
+          <p:cNvPr id="46" name="Овал 45"/>
+          <p:cNvSpPr/>
+          <p:nvPr/>
+        </p:nvSpPr>
+        <p:spPr>
+          <a:xfrm>
+            <a:off x="3059832" y="2348880"/>
+            <a:ext cx="720080" cy="720080"/>
+          </a:xfrm>
+          <a:prstGeom prst="ellipse">
+            <a:avLst/>
+          </a:prstGeom>
+          <a:solidFill>
+            <a:schemeClr val="bg1"/>
+          </a:solidFill>
+          <a:ln>
+            <a:solidFill>
+              <a:srgbClr val="7030A0"/>
+            </a:solidFill>
+          </a:ln>
+        </p:spPr>
+        <p:style>
+          <a:lnRef idx="2">
+            <a:schemeClr val="accent1">
+              <a:shade val="50000"/>
+            </a:schemeClr>
+          </a:lnRef>
+          <a:fillRef idx="1">
+            <a:schemeClr val="accent1"/>
+          </a:fillRef>
+          <a:effectRef idx="0">
+            <a:schemeClr val="accent1"/>
+          </a:effectRef>
+          <a:fontRef idx="minor">
+            <a:schemeClr val="lt1"/>
+          </a:fontRef>
+        </p:style>
+        <p:txBody>
+          <a:bodyPr rtlCol="0" anchor="ctr"/>
+          <a:lstStyle/>
+          <a:p>
+            <a:pPr algn="ctr"/>
+            <a:endParaRPr lang="ru-RU">
+              <a:solidFill>
+                <a:schemeClr val="accent2">
+                  <a:lumMod val="75000"/>
+                </a:schemeClr>
+              </a:solidFill>
+            </a:endParaRPr>
+          </a:p>
+        </p:txBody>
+      </p:sp>
+      <p:sp>
+        <p:nvSpPr>
+          <p:cNvPr id="48" name="Овал 47"/>
+          <p:cNvSpPr/>
+          <p:nvPr/>
+        </p:nvSpPr>
+        <p:spPr>
+          <a:xfrm>
+            <a:off x="7164288" y="1700808"/>
+            <a:ext cx="720080" cy="720080"/>
+          </a:xfrm>
+          <a:prstGeom prst="ellipse">
+            <a:avLst/>
+          </a:prstGeom>
+          <a:solidFill>
+            <a:schemeClr val="bg1"/>
+          </a:solidFill>
+          <a:ln>
+            <a:solidFill>
+              <a:srgbClr val="7030A0"/>
+            </a:solidFill>
+          </a:ln>
+        </p:spPr>
+        <p:style>
+          <a:lnRef idx="2">
+            <a:schemeClr val="accent1">
+              <a:shade val="50000"/>
+            </a:schemeClr>
+          </a:lnRef>
+          <a:fillRef idx="1">
+            <a:schemeClr val="accent1"/>
+          </a:fillRef>
+          <a:effectRef idx="0">
+            <a:schemeClr val="accent1"/>
+          </a:effectRef>
+          <a:fontRef idx="minor">
+            <a:schemeClr val="lt1"/>
+          </a:fontRef>
+        </p:style>
+        <p:txBody>
+          <a:bodyPr rtlCol="0" anchor="ctr"/>
+          <a:lstStyle/>
+          <a:p>
+            <a:pPr algn="ctr"/>
+            <a:endParaRPr lang="ru-RU">
+              <a:solidFill>
+                <a:schemeClr val="accent2">
+                  <a:lumMod val="75000"/>
+                </a:schemeClr>
+              </a:solidFill>
+            </a:endParaRPr>
+          </a:p>
+        </p:txBody>
+      </p:sp>
+      <p:sp>
+        <p:nvSpPr>
+          <p:cNvPr id="15" name="Заголовок 1"/>
+          <p:cNvSpPr txBox="1">
+            <a:spLocks/>
+          </p:cNvSpPr>
+          <p:nvPr/>
+        </p:nvSpPr>
+        <p:spPr>
+          <a:xfrm>
+            <a:off x="5473824" y="0"/>
+            <a:ext cx="3670176" cy="1080120"/>
           </a:xfrm>
           <a:prstGeom prst="rect">
             <a:avLst/>
           </a:prstGeom>
-          <a:noFill/>
-          <a:ln w="9525">
-            <a:noFill/>
-            <a:miter lim="800000"/>
-            <a:headEnd/>
-            <a:tailEnd/>
-          </a:ln>
-        </p:spPr>
-      </p:pic>
-      <p:pic>
-        <p:nvPicPr>
-          <p:cNvPr id="1027" name="Picture 3"/>
-          <p:cNvPicPr>
-            <a:picLocks noChangeAspect="1" noChangeArrowheads="1"/>
-          </p:cNvPicPr>
-          <p:nvPr/>
-        </p:nvPicPr>
-        <p:blipFill>
-          <a:blip r:embed="rId3" cstate="print"/>
-          <a:srcRect/>
-          <a:stretch>
-            <a:fillRect/>
-          </a:stretch>
-        </p:blipFill>
-        <p:spPr bwMode="auto">
-          <a:xfrm>
-            <a:off x="5220072" y="908720"/>
-            <a:ext cx="1114425" cy="1076325"/>
-          </a:xfrm>
-          <a:prstGeom prst="rect">
-            <a:avLst/>
-          </a:prstGeom>
-          <a:noFill/>
-          <a:ln w="9525">
-            <a:noFill/>
-            <a:miter lim="800000"/>
-            <a:headEnd/>
-            <a:tailEnd/>
-          </a:ln>
-        </p:spPr>
-      </p:pic>
-      <p:pic>
-        <p:nvPicPr>
-          <p:cNvPr id="1028" name="Picture 4"/>
-          <p:cNvPicPr>
-            <a:picLocks noChangeAspect="1" noChangeArrowheads="1"/>
-          </p:cNvPicPr>
-          <p:nvPr/>
-        </p:nvPicPr>
-        <p:blipFill>
-          <a:blip r:embed="rId4" cstate="print"/>
-          <a:srcRect/>
-          <a:stretch>
-            <a:fillRect/>
-          </a:stretch>
-        </p:blipFill>
-        <p:spPr bwMode="auto">
-          <a:xfrm>
-            <a:off x="4932040" y="2708920"/>
-            <a:ext cx="1276350" cy="1276350"/>
-          </a:xfrm>
-          <a:prstGeom prst="rect">
-            <a:avLst/>
-          </a:prstGeom>
-          <a:noFill/>
-          <a:ln w="9525">
-            <a:noFill/>
-            <a:miter lim="800000"/>
-            <a:headEnd/>
-            <a:tailEnd/>
-          </a:ln>
-        </p:spPr>
-      </p:pic>
-      <p:pic>
-        <p:nvPicPr>
-          <p:cNvPr id="1029" name="Picture 5"/>
-          <p:cNvPicPr>
-            <a:picLocks noChangeAspect="1" noChangeArrowheads="1"/>
-          </p:cNvPicPr>
-          <p:nvPr/>
-        </p:nvPicPr>
-        <p:blipFill>
-          <a:blip r:embed="rId5" cstate="print"/>
-          <a:srcRect/>
-          <a:stretch>
-            <a:fillRect/>
-          </a:stretch>
-        </p:blipFill>
-        <p:spPr bwMode="auto">
-          <a:xfrm>
-            <a:off x="3707904" y="5013176"/>
-            <a:ext cx="1009650" cy="981075"/>
-          </a:xfrm>
-          <a:prstGeom prst="rect">
-            <a:avLst/>
-          </a:prstGeom>
-          <a:noFill/>
-          <a:ln w="9525">
-            <a:noFill/>
-            <a:miter lim="800000"/>
-            <a:headEnd/>
-            <a:tailEnd/>
-          </a:ln>
-        </p:spPr>
-      </p:pic>
-      <p:pic>
-        <p:nvPicPr>
-          <p:cNvPr id="1030" name="Picture 6"/>
-          <p:cNvPicPr>
-            <a:picLocks noChangeAspect="1" noChangeArrowheads="1"/>
-          </p:cNvPicPr>
-          <p:nvPr/>
-        </p:nvPicPr>
-        <p:blipFill>
-          <a:blip r:embed="rId6" cstate="print"/>
-          <a:srcRect/>
-          <a:stretch>
-            <a:fillRect/>
-          </a:stretch>
-        </p:blipFill>
-        <p:spPr bwMode="auto">
-          <a:xfrm>
-            <a:off x="2987824" y="2204864"/>
-            <a:ext cx="1028700" cy="1028700"/>
-          </a:xfrm>
-          <a:prstGeom prst="rect">
-            <a:avLst/>
-          </a:prstGeom>
-          <a:noFill/>
-          <a:ln w="9525">
-            <a:noFill/>
-            <a:miter lim="800000"/>
-            <a:headEnd/>
-            <a:tailEnd/>
-          </a:ln>
-        </p:spPr>
-      </p:pic>
-      <p:pic>
-        <p:nvPicPr>
-          <p:cNvPr id="1031" name="Picture 7"/>
-          <p:cNvPicPr>
-            <a:picLocks noChangeAspect="1" noChangeArrowheads="1"/>
-          </p:cNvPicPr>
-          <p:nvPr/>
-        </p:nvPicPr>
-        <p:blipFill>
-          <a:blip r:embed="rId7" cstate="print"/>
-          <a:srcRect/>
-          <a:stretch>
-            <a:fillRect/>
-          </a:stretch>
-        </p:blipFill>
-        <p:spPr bwMode="auto">
-          <a:xfrm>
-            <a:off x="1043608" y="5229200"/>
-            <a:ext cx="1009650" cy="1095375"/>
-          </a:xfrm>
-          <a:prstGeom prst="rect">
-            <a:avLst/>
-          </a:prstGeom>
-          <a:noFill/>
-          <a:ln w="9525">
-            <a:noFill/>
-            <a:miter lim="800000"/>
-            <a:headEnd/>
-            <a:tailEnd/>
-          </a:ln>
-        </p:spPr>
-      </p:pic>
-      <p:pic>
-        <p:nvPicPr>
-          <p:cNvPr id="1032" name="Picture 8"/>
-          <p:cNvPicPr>
-            <a:picLocks noChangeAspect="1" noChangeArrowheads="1"/>
-          </p:cNvPicPr>
-          <p:nvPr/>
-        </p:nvPicPr>
-        <p:blipFill>
-          <a:blip r:embed="rId8" cstate="print"/>
-          <a:srcRect/>
-          <a:stretch>
-            <a:fillRect/>
-          </a:stretch>
-        </p:blipFill>
-        <p:spPr bwMode="auto">
-          <a:xfrm>
-            <a:off x="3275856" y="404664"/>
-            <a:ext cx="1076325" cy="1076325"/>
-          </a:xfrm>
-          <a:prstGeom prst="rect">
-            <a:avLst/>
-          </a:prstGeom>
-          <a:noFill/>
-          <a:ln w="9525">
-            <a:noFill/>
-            <a:miter lim="800000"/>
-            <a:headEnd/>
-            <a:tailEnd/>
-          </a:ln>
-        </p:spPr>
-      </p:pic>
-      <p:pic>
-        <p:nvPicPr>
-          <p:cNvPr id="1033" name="Picture 9"/>
-          <p:cNvPicPr>
-            <a:picLocks noChangeAspect="1" noChangeArrowheads="1"/>
-          </p:cNvPicPr>
-          <p:nvPr/>
-        </p:nvPicPr>
-        <p:blipFill>
-          <a:blip r:embed="rId9" cstate="print"/>
-          <a:srcRect/>
-          <a:stretch>
-            <a:fillRect/>
-          </a:stretch>
-        </p:blipFill>
-        <p:spPr bwMode="auto">
-          <a:xfrm>
-            <a:off x="6948264" y="1484784"/>
-            <a:ext cx="1133475" cy="1190625"/>
-          </a:xfrm>
-          <a:prstGeom prst="rect">
-            <a:avLst/>
-          </a:prstGeom>
-          <a:noFill/>
-          <a:ln w="9525">
-            <a:noFill/>
-            <a:miter lim="800000"/>
-            <a:headEnd/>
-            <a:tailEnd/>
-          </a:ln>
-        </p:spPr>
-      </p:pic>
-      <p:pic>
-        <p:nvPicPr>
-          <p:cNvPr id="1034" name="Picture 10"/>
-          <p:cNvPicPr>
-            <a:picLocks noChangeAspect="1" noChangeArrowheads="1"/>
-          </p:cNvPicPr>
-          <p:nvPr/>
-        </p:nvPicPr>
-        <p:blipFill>
-          <a:blip r:embed="rId10" cstate="print"/>
-          <a:srcRect/>
-          <a:stretch>
-            <a:fillRect/>
-          </a:stretch>
-        </p:blipFill>
-        <p:spPr bwMode="auto">
-          <a:xfrm>
-            <a:off x="6444208" y="5157192"/>
-            <a:ext cx="1019175" cy="1057275"/>
-          </a:xfrm>
-          <a:prstGeom prst="rect">
-            <a:avLst/>
-          </a:prstGeom>
-          <a:noFill/>
-          <a:ln w="9525">
-            <a:noFill/>
-            <a:miter lim="800000"/>
-            <a:headEnd/>
-            <a:tailEnd/>
-          </a:ln>
-        </p:spPr>
-      </p:pic>
-      <p:pic>
-        <p:nvPicPr>
-          <p:cNvPr id="1035" name="Picture 11"/>
-          <p:cNvPicPr>
-            <a:picLocks noChangeAspect="1" noChangeArrowheads="1"/>
-          </p:cNvPicPr>
-          <p:nvPr/>
-        </p:nvPicPr>
-        <p:blipFill>
-          <a:blip r:embed="rId11" cstate="print"/>
-          <a:srcRect/>
-          <a:stretch>
-            <a:fillRect/>
-          </a:stretch>
-        </p:blipFill>
-        <p:spPr bwMode="auto">
-          <a:xfrm>
-            <a:off x="1835696" y="3573016"/>
-            <a:ext cx="1114425" cy="1076325"/>
-          </a:xfrm>
-          <a:prstGeom prst="rect">
-            <a:avLst/>
-          </a:prstGeom>
-          <a:noFill/>
-          <a:ln w="9525">
-            <a:noFill/>
-            <a:miter lim="800000"/>
-            <a:headEnd/>
-            <a:tailEnd/>
-          </a:ln>
-        </p:spPr>
-      </p:pic>
-      <p:pic>
-        <p:nvPicPr>
-          <p:cNvPr id="31" name="Picture 12"/>
-          <p:cNvPicPr>
-            <a:picLocks noChangeAspect="1" noChangeArrowheads="1"/>
-          </p:cNvPicPr>
-          <p:nvPr/>
-        </p:nvPicPr>
-        <p:blipFill>
-          <a:blip r:embed="rId12" cstate="print"/>
-          <a:srcRect/>
-          <a:stretch>
-            <a:fillRect/>
-          </a:stretch>
-        </p:blipFill>
-        <p:spPr bwMode="auto">
-          <a:xfrm>
-            <a:off x="7020272" y="3764260"/>
-            <a:ext cx="1095375" cy="1104900"/>
-          </a:xfrm>
-          <a:prstGeom prst="rect">
-            <a:avLst/>
-          </a:prstGeom>
-          <a:noFill/>
-          <a:ln w="9525">
-            <a:noFill/>
-            <a:miter lim="800000"/>
-            <a:headEnd/>
-            <a:tailEnd/>
-          </a:ln>
-        </p:spPr>
-      </p:pic>
+        </p:spPr>
+        <p:txBody>
+          <a:bodyPr vert="horz" lIns="91440" tIns="45720" rIns="91440" bIns="45720" rtlCol="0" anchor="ctr">
+            <a:normAutofit/>
+          </a:bodyPr>
+          <a:lstStyle/>
+          <a:p>
+            <a:pPr marL="514350" lvl="0" indent="-514350" algn="ctr">
+              <a:spcBef>
+                <a:spcPct val="0"/>
+              </a:spcBef>
+            </a:pPr>
+            <a:r>
+              <a:rPr lang="ru-RU" sz="2800" dirty="0" smtClean="0"/>
+              <a:t>Дети = вершины</a:t>
+            </a:r>
+          </a:p>
+        </p:txBody>
+      </p:sp>
     </p:spTree>
   </p:cSld>
   <p:clrMapOvr>
@@ -24654,11 +24621,7 @@
             </a:r>
             <a:r>
               <a:rPr lang="ru-RU" sz="2800" dirty="0" smtClean="0"/>
-              <a:t> </a:t>
-            </a:r>
-            <a:r>
-              <a:rPr lang="ru-RU" sz="2800" dirty="0" smtClean="0"/>
-              <a:t>граф</a:t>
+              <a:t> граф</a:t>
             </a:r>
           </a:p>
         </p:txBody>
@@ -25366,11 +25329,7 @@
             </a:pPr>
             <a:r>
               <a:rPr lang="ru-RU" sz="2800" dirty="0" smtClean="0"/>
-              <a:t>Ориентированный </a:t>
-            </a:r>
-            <a:r>
-              <a:rPr lang="ru-RU" sz="2800" dirty="0" smtClean="0"/>
-              <a:t>граф</a:t>
+              <a:t>Ориентированный граф</a:t>
             </a:r>
           </a:p>
         </p:txBody>
@@ -26632,7 +26591,6 @@
               <a:rPr lang="ru-RU" sz="2800" dirty="0" smtClean="0"/>
               <a:t>9</a:t>
             </a:r>
-            <a:endParaRPr lang="ru-RU" sz="2800" dirty="0" smtClean="0"/>
           </a:p>
         </p:txBody>
       </p:sp>
@@ -27845,7 +27803,6 @@
               <a:rPr lang="ru-RU" sz="2800" dirty="0" smtClean="0"/>
               <a:t>9</a:t>
             </a:r>
-            <a:endParaRPr lang="ru-RU" sz="2800" dirty="0" smtClean="0"/>
           </a:p>
         </p:txBody>
       </p:sp>
@@ -28965,7 +28922,6 @@
               <a:rPr lang="ru-RU" sz="2800" b="1" dirty="0" smtClean="0"/>
               <a:t>8</a:t>
             </a:r>
-            <a:endParaRPr lang="ru-RU" sz="2800" b="1" dirty="0" smtClean="0"/>
           </a:p>
         </p:txBody>
       </p:sp>
@@ -32358,361 +32314,603 @@
           <a:chExt cx="0" cy="0"/>
         </a:xfrm>
       </p:grpSpPr>
-      <p:pic>
-        <p:nvPicPr>
-          <p:cNvPr id="1026" name="Picture 2"/>
-          <p:cNvPicPr>
-            <a:picLocks noChangeAspect="1" noChangeArrowheads="1"/>
-          </p:cNvPicPr>
-          <p:nvPr/>
-        </p:nvPicPr>
-        <p:blipFill>
-          <a:blip r:embed="rId2" cstate="print"/>
-          <a:srcRect/>
-          <a:stretch>
-            <a:fillRect/>
-          </a:stretch>
-        </p:blipFill>
-        <p:spPr bwMode="auto">
-          <a:xfrm>
-            <a:off x="827584" y="1556792"/>
-            <a:ext cx="1133475" cy="1095375"/>
-          </a:xfrm>
-          <a:prstGeom prst="rect">
-            <a:avLst/>
-          </a:prstGeom>
-          <a:noFill/>
-          <a:ln w="9525">
-            <a:noFill/>
-            <a:miter lim="800000"/>
-            <a:headEnd/>
-            <a:tailEnd/>
-          </a:ln>
-        </p:spPr>
-      </p:pic>
-      <p:pic>
-        <p:nvPicPr>
-          <p:cNvPr id="1027" name="Picture 3"/>
-          <p:cNvPicPr>
-            <a:picLocks noChangeAspect="1" noChangeArrowheads="1"/>
-          </p:cNvPicPr>
-          <p:nvPr/>
-        </p:nvPicPr>
-        <p:blipFill>
-          <a:blip r:embed="rId3" cstate="print"/>
-          <a:srcRect/>
-          <a:stretch>
-            <a:fillRect/>
-          </a:stretch>
-        </p:blipFill>
-        <p:spPr bwMode="auto">
-          <a:xfrm>
-            <a:off x="5220072" y="908720"/>
-            <a:ext cx="1114425" cy="1076325"/>
-          </a:xfrm>
-          <a:prstGeom prst="rect">
-            <a:avLst/>
-          </a:prstGeom>
-          <a:noFill/>
-          <a:ln w="9525">
-            <a:noFill/>
-            <a:miter lim="800000"/>
-            <a:headEnd/>
-            <a:tailEnd/>
-          </a:ln>
-        </p:spPr>
-      </p:pic>
-      <p:pic>
-        <p:nvPicPr>
-          <p:cNvPr id="1028" name="Picture 4"/>
-          <p:cNvPicPr>
-            <a:picLocks noChangeAspect="1" noChangeArrowheads="1"/>
-          </p:cNvPicPr>
-          <p:nvPr/>
-        </p:nvPicPr>
-        <p:blipFill>
-          <a:blip r:embed="rId4" cstate="print"/>
-          <a:srcRect/>
-          <a:stretch>
-            <a:fillRect/>
-          </a:stretch>
-        </p:blipFill>
-        <p:spPr bwMode="auto">
-          <a:xfrm>
-            <a:off x="4932040" y="2708920"/>
-            <a:ext cx="1276350" cy="1276350"/>
-          </a:xfrm>
-          <a:prstGeom prst="rect">
-            <a:avLst/>
-          </a:prstGeom>
-          <a:noFill/>
-          <a:ln w="9525">
-            <a:noFill/>
-            <a:miter lim="800000"/>
-            <a:headEnd/>
-            <a:tailEnd/>
-          </a:ln>
-        </p:spPr>
-      </p:pic>
-      <p:pic>
-        <p:nvPicPr>
-          <p:cNvPr id="1029" name="Picture 5"/>
-          <p:cNvPicPr>
-            <a:picLocks noChangeAspect="1" noChangeArrowheads="1"/>
-          </p:cNvPicPr>
-          <p:nvPr/>
-        </p:nvPicPr>
-        <p:blipFill>
-          <a:blip r:embed="rId5" cstate="print"/>
-          <a:srcRect/>
-          <a:stretch>
-            <a:fillRect/>
-          </a:stretch>
-        </p:blipFill>
-        <p:spPr bwMode="auto">
-          <a:xfrm>
-            <a:off x="3707904" y="5013176"/>
-            <a:ext cx="1009650" cy="981075"/>
-          </a:xfrm>
-          <a:prstGeom prst="rect">
-            <a:avLst/>
-          </a:prstGeom>
-          <a:noFill/>
-          <a:ln w="9525">
-            <a:noFill/>
-            <a:miter lim="800000"/>
-            <a:headEnd/>
-            <a:tailEnd/>
-          </a:ln>
-        </p:spPr>
-      </p:pic>
-      <p:pic>
-        <p:nvPicPr>
-          <p:cNvPr id="1030" name="Picture 6"/>
-          <p:cNvPicPr>
-            <a:picLocks noChangeAspect="1" noChangeArrowheads="1"/>
-          </p:cNvPicPr>
-          <p:nvPr/>
-        </p:nvPicPr>
-        <p:blipFill>
-          <a:blip r:embed="rId6" cstate="print"/>
-          <a:srcRect/>
-          <a:stretch>
-            <a:fillRect/>
-          </a:stretch>
-        </p:blipFill>
-        <p:spPr bwMode="auto">
-          <a:xfrm>
-            <a:off x="2987824" y="2204864"/>
-            <a:ext cx="1028700" cy="1028700"/>
-          </a:xfrm>
-          <a:prstGeom prst="rect">
-            <a:avLst/>
-          </a:prstGeom>
-          <a:noFill/>
-          <a:ln w="9525">
-            <a:noFill/>
-            <a:miter lim="800000"/>
-            <a:headEnd/>
-            <a:tailEnd/>
-          </a:ln>
-        </p:spPr>
-      </p:pic>
-      <p:pic>
-        <p:nvPicPr>
-          <p:cNvPr id="1031" name="Picture 7"/>
-          <p:cNvPicPr>
-            <a:picLocks noChangeAspect="1" noChangeArrowheads="1"/>
-          </p:cNvPicPr>
-          <p:nvPr/>
-        </p:nvPicPr>
-        <p:blipFill>
-          <a:blip r:embed="rId7" cstate="print"/>
-          <a:srcRect/>
-          <a:stretch>
-            <a:fillRect/>
-          </a:stretch>
-        </p:blipFill>
-        <p:spPr bwMode="auto">
-          <a:xfrm>
-            <a:off x="1043608" y="5229200"/>
-            <a:ext cx="1009650" cy="1095375"/>
-          </a:xfrm>
-          <a:prstGeom prst="rect">
-            <a:avLst/>
-          </a:prstGeom>
-          <a:noFill/>
-          <a:ln w="9525">
-            <a:noFill/>
-            <a:miter lim="800000"/>
-            <a:headEnd/>
-            <a:tailEnd/>
-          </a:ln>
-        </p:spPr>
-      </p:pic>
-      <p:pic>
-        <p:nvPicPr>
-          <p:cNvPr id="1032" name="Picture 8"/>
-          <p:cNvPicPr>
-            <a:picLocks noChangeAspect="1" noChangeArrowheads="1"/>
-          </p:cNvPicPr>
-          <p:nvPr/>
-        </p:nvPicPr>
-        <p:blipFill>
-          <a:blip r:embed="rId8" cstate="print"/>
-          <a:srcRect/>
-          <a:stretch>
-            <a:fillRect/>
-          </a:stretch>
-        </p:blipFill>
-        <p:spPr bwMode="auto">
-          <a:xfrm>
-            <a:off x="3275856" y="404664"/>
-            <a:ext cx="1076325" cy="1076325"/>
-          </a:xfrm>
-          <a:prstGeom prst="rect">
-            <a:avLst/>
-          </a:prstGeom>
-          <a:noFill/>
-          <a:ln w="9525">
-            <a:noFill/>
-            <a:miter lim="800000"/>
-            <a:headEnd/>
-            <a:tailEnd/>
-          </a:ln>
-        </p:spPr>
-      </p:pic>
-      <p:pic>
-        <p:nvPicPr>
-          <p:cNvPr id="1033" name="Picture 9"/>
-          <p:cNvPicPr>
-            <a:picLocks noChangeAspect="1" noChangeArrowheads="1"/>
-          </p:cNvPicPr>
-          <p:nvPr/>
-        </p:nvPicPr>
-        <p:blipFill>
-          <a:blip r:embed="rId9" cstate="print"/>
-          <a:srcRect/>
-          <a:stretch>
-            <a:fillRect/>
-          </a:stretch>
-        </p:blipFill>
-        <p:spPr bwMode="auto">
-          <a:xfrm>
-            <a:off x="6948264" y="1484784"/>
-            <a:ext cx="1133475" cy="1190625"/>
-          </a:xfrm>
-          <a:prstGeom prst="rect">
-            <a:avLst/>
-          </a:prstGeom>
-          <a:noFill/>
-          <a:ln w="9525">
-            <a:noFill/>
-            <a:miter lim="800000"/>
-            <a:headEnd/>
-            <a:tailEnd/>
-          </a:ln>
-        </p:spPr>
-      </p:pic>
-      <p:pic>
-        <p:nvPicPr>
-          <p:cNvPr id="1034" name="Picture 10"/>
-          <p:cNvPicPr>
-            <a:picLocks noChangeAspect="1" noChangeArrowheads="1"/>
-          </p:cNvPicPr>
-          <p:nvPr/>
-        </p:nvPicPr>
-        <p:blipFill>
-          <a:blip r:embed="rId10" cstate="print"/>
-          <a:srcRect/>
-          <a:stretch>
-            <a:fillRect/>
-          </a:stretch>
-        </p:blipFill>
-        <p:spPr bwMode="auto">
-          <a:xfrm>
-            <a:off x="6444208" y="5157192"/>
-            <a:ext cx="1019175" cy="1057275"/>
-          </a:xfrm>
-          <a:prstGeom prst="rect">
-            <a:avLst/>
-          </a:prstGeom>
-          <a:noFill/>
-          <a:ln w="9525">
-            <a:noFill/>
-            <a:miter lim="800000"/>
-            <a:headEnd/>
-            <a:tailEnd/>
-          </a:ln>
-        </p:spPr>
-      </p:pic>
-      <p:pic>
-        <p:nvPicPr>
-          <p:cNvPr id="1035" name="Picture 11"/>
-          <p:cNvPicPr>
-            <a:picLocks noChangeAspect="1" noChangeArrowheads="1"/>
-          </p:cNvPicPr>
-          <p:nvPr/>
-        </p:nvPicPr>
-        <p:blipFill>
-          <a:blip r:embed="rId11" cstate="print"/>
-          <a:srcRect/>
-          <a:stretch>
-            <a:fillRect/>
-          </a:stretch>
-        </p:blipFill>
-        <p:spPr bwMode="auto">
-          <a:xfrm>
-            <a:off x="1835696" y="3573016"/>
-            <a:ext cx="1114425" cy="1076325"/>
-          </a:xfrm>
-          <a:prstGeom prst="rect">
-            <a:avLst/>
-          </a:prstGeom>
-          <a:noFill/>
-          <a:ln w="9525">
-            <a:noFill/>
-            <a:miter lim="800000"/>
-            <a:headEnd/>
-            <a:tailEnd/>
-          </a:ln>
-        </p:spPr>
-      </p:pic>
-      <p:pic>
-        <p:nvPicPr>
-          <p:cNvPr id="1036" name="Picture 12"/>
-          <p:cNvPicPr>
-            <a:picLocks noChangeAspect="1" noChangeArrowheads="1"/>
-          </p:cNvPicPr>
-          <p:nvPr/>
-        </p:nvPicPr>
-        <p:blipFill>
-          <a:blip r:embed="rId12" cstate="print"/>
-          <a:srcRect/>
-          <a:stretch>
-            <a:fillRect/>
-          </a:stretch>
-        </p:blipFill>
-        <p:spPr bwMode="auto">
-          <a:xfrm>
-            <a:off x="7020272" y="3764260"/>
-            <a:ext cx="1095375" cy="1104900"/>
-          </a:xfrm>
-          <a:prstGeom prst="rect">
-            <a:avLst/>
-          </a:prstGeom>
-          <a:noFill/>
-          <a:ln w="9525">
-            <a:noFill/>
-            <a:miter lim="800000"/>
-            <a:headEnd/>
-            <a:tailEnd/>
-          </a:ln>
-        </p:spPr>
-      </p:pic>
+      <p:sp>
+        <p:nvSpPr>
+          <p:cNvPr id="9" name="Овал 8"/>
+          <p:cNvSpPr/>
+          <p:nvPr/>
+        </p:nvSpPr>
+        <p:spPr>
+          <a:xfrm>
+            <a:off x="971600" y="1772816"/>
+            <a:ext cx="720080" cy="720080"/>
+          </a:xfrm>
+          <a:prstGeom prst="ellipse">
+            <a:avLst/>
+          </a:prstGeom>
+          <a:solidFill>
+            <a:schemeClr val="bg1"/>
+          </a:solidFill>
+          <a:ln>
+            <a:solidFill>
+              <a:srgbClr val="7030A0"/>
+            </a:solidFill>
+          </a:ln>
+        </p:spPr>
+        <p:style>
+          <a:lnRef idx="2">
+            <a:schemeClr val="accent1">
+              <a:shade val="50000"/>
+            </a:schemeClr>
+          </a:lnRef>
+          <a:fillRef idx="1">
+            <a:schemeClr val="accent1"/>
+          </a:fillRef>
+          <a:effectRef idx="0">
+            <a:schemeClr val="accent1"/>
+          </a:effectRef>
+          <a:fontRef idx="minor">
+            <a:schemeClr val="lt1"/>
+          </a:fontRef>
+        </p:style>
+        <p:txBody>
+          <a:bodyPr rtlCol="0" anchor="ctr"/>
+          <a:lstStyle/>
+          <a:p>
+            <a:pPr algn="ctr"/>
+            <a:endParaRPr lang="ru-RU">
+              <a:solidFill>
+                <a:schemeClr val="accent2">
+                  <a:lumMod val="75000"/>
+                </a:schemeClr>
+              </a:solidFill>
+            </a:endParaRPr>
+          </a:p>
+        </p:txBody>
+      </p:sp>
+      <p:sp>
+        <p:nvSpPr>
+          <p:cNvPr id="38" name="Овал 37"/>
+          <p:cNvSpPr/>
+          <p:nvPr/>
+        </p:nvSpPr>
+        <p:spPr>
+          <a:xfrm>
+            <a:off x="3419872" y="548680"/>
+            <a:ext cx="720080" cy="720080"/>
+          </a:xfrm>
+          <a:prstGeom prst="ellipse">
+            <a:avLst/>
+          </a:prstGeom>
+          <a:solidFill>
+            <a:schemeClr val="bg1"/>
+          </a:solidFill>
+          <a:ln>
+            <a:solidFill>
+              <a:srgbClr val="7030A0"/>
+            </a:solidFill>
+          </a:ln>
+        </p:spPr>
+        <p:style>
+          <a:lnRef idx="2">
+            <a:schemeClr val="accent1">
+              <a:shade val="50000"/>
+            </a:schemeClr>
+          </a:lnRef>
+          <a:fillRef idx="1">
+            <a:schemeClr val="accent1"/>
+          </a:fillRef>
+          <a:effectRef idx="0">
+            <a:schemeClr val="accent1"/>
+          </a:effectRef>
+          <a:fontRef idx="minor">
+            <a:schemeClr val="lt1"/>
+          </a:fontRef>
+        </p:style>
+        <p:txBody>
+          <a:bodyPr rtlCol="0" anchor="ctr"/>
+          <a:lstStyle/>
+          <a:p>
+            <a:pPr algn="ctr"/>
+            <a:endParaRPr lang="ru-RU">
+              <a:solidFill>
+                <a:schemeClr val="accent2">
+                  <a:lumMod val="75000"/>
+                </a:schemeClr>
+              </a:solidFill>
+            </a:endParaRPr>
+          </a:p>
+        </p:txBody>
+      </p:sp>
+      <p:sp>
+        <p:nvSpPr>
+          <p:cNvPr id="39" name="Овал 38"/>
+          <p:cNvSpPr/>
+          <p:nvPr/>
+        </p:nvSpPr>
+        <p:spPr>
+          <a:xfrm>
+            <a:off x="2051720" y="3717032"/>
+            <a:ext cx="720080" cy="720080"/>
+          </a:xfrm>
+          <a:prstGeom prst="ellipse">
+            <a:avLst/>
+          </a:prstGeom>
+          <a:solidFill>
+            <a:schemeClr val="bg1"/>
+          </a:solidFill>
+          <a:ln>
+            <a:solidFill>
+              <a:srgbClr val="7030A0"/>
+            </a:solidFill>
+          </a:ln>
+        </p:spPr>
+        <p:style>
+          <a:lnRef idx="2">
+            <a:schemeClr val="accent1">
+              <a:shade val="50000"/>
+            </a:schemeClr>
+          </a:lnRef>
+          <a:fillRef idx="1">
+            <a:schemeClr val="accent1"/>
+          </a:fillRef>
+          <a:effectRef idx="0">
+            <a:schemeClr val="accent1"/>
+          </a:effectRef>
+          <a:fontRef idx="minor">
+            <a:schemeClr val="lt1"/>
+          </a:fontRef>
+        </p:style>
+        <p:txBody>
+          <a:bodyPr rtlCol="0" anchor="ctr"/>
+          <a:lstStyle/>
+          <a:p>
+            <a:pPr algn="ctr"/>
+            <a:endParaRPr lang="ru-RU">
+              <a:solidFill>
+                <a:schemeClr val="accent2">
+                  <a:lumMod val="75000"/>
+                </a:schemeClr>
+              </a:solidFill>
+            </a:endParaRPr>
+          </a:p>
+        </p:txBody>
+      </p:sp>
+      <p:sp>
+        <p:nvSpPr>
+          <p:cNvPr id="40" name="Овал 39"/>
+          <p:cNvSpPr/>
+          <p:nvPr/>
+        </p:nvSpPr>
+        <p:spPr>
+          <a:xfrm>
+            <a:off x="1259632" y="5373216"/>
+            <a:ext cx="720080" cy="720080"/>
+          </a:xfrm>
+          <a:prstGeom prst="ellipse">
+            <a:avLst/>
+          </a:prstGeom>
+          <a:solidFill>
+            <a:schemeClr val="bg1"/>
+          </a:solidFill>
+          <a:ln>
+            <a:solidFill>
+              <a:srgbClr val="7030A0"/>
+            </a:solidFill>
+          </a:ln>
+        </p:spPr>
+        <p:style>
+          <a:lnRef idx="2">
+            <a:schemeClr val="accent1">
+              <a:shade val="50000"/>
+            </a:schemeClr>
+          </a:lnRef>
+          <a:fillRef idx="1">
+            <a:schemeClr val="accent1"/>
+          </a:fillRef>
+          <a:effectRef idx="0">
+            <a:schemeClr val="accent1"/>
+          </a:effectRef>
+          <a:fontRef idx="minor">
+            <a:schemeClr val="lt1"/>
+          </a:fontRef>
+        </p:style>
+        <p:txBody>
+          <a:bodyPr rtlCol="0" anchor="ctr"/>
+          <a:lstStyle/>
+          <a:p>
+            <a:pPr algn="ctr"/>
+            <a:endParaRPr lang="ru-RU">
+              <a:solidFill>
+                <a:schemeClr val="accent2">
+                  <a:lumMod val="75000"/>
+                </a:schemeClr>
+              </a:solidFill>
+            </a:endParaRPr>
+          </a:p>
+        </p:txBody>
+      </p:sp>
+      <p:sp>
+        <p:nvSpPr>
+          <p:cNvPr id="41" name="Овал 40"/>
+          <p:cNvSpPr/>
+          <p:nvPr/>
+        </p:nvSpPr>
+        <p:spPr>
+          <a:xfrm>
+            <a:off x="7236296" y="4005064"/>
+            <a:ext cx="720080" cy="720080"/>
+          </a:xfrm>
+          <a:prstGeom prst="ellipse">
+            <a:avLst/>
+          </a:prstGeom>
+          <a:solidFill>
+            <a:schemeClr val="bg1"/>
+          </a:solidFill>
+          <a:ln>
+            <a:solidFill>
+              <a:srgbClr val="7030A0"/>
+            </a:solidFill>
+          </a:ln>
+        </p:spPr>
+        <p:style>
+          <a:lnRef idx="2">
+            <a:schemeClr val="accent1">
+              <a:shade val="50000"/>
+            </a:schemeClr>
+          </a:lnRef>
+          <a:fillRef idx="1">
+            <a:schemeClr val="accent1"/>
+          </a:fillRef>
+          <a:effectRef idx="0">
+            <a:schemeClr val="accent1"/>
+          </a:effectRef>
+          <a:fontRef idx="minor">
+            <a:schemeClr val="lt1"/>
+          </a:fontRef>
+        </p:style>
+        <p:txBody>
+          <a:bodyPr rtlCol="0" anchor="ctr"/>
+          <a:lstStyle/>
+          <a:p>
+            <a:pPr algn="ctr"/>
+            <a:endParaRPr lang="ru-RU">
+              <a:solidFill>
+                <a:schemeClr val="accent2">
+                  <a:lumMod val="75000"/>
+                </a:schemeClr>
+              </a:solidFill>
+            </a:endParaRPr>
+          </a:p>
+        </p:txBody>
+      </p:sp>
+      <p:sp>
+        <p:nvSpPr>
+          <p:cNvPr id="42" name="Овал 41"/>
+          <p:cNvSpPr/>
+          <p:nvPr/>
+        </p:nvSpPr>
+        <p:spPr>
+          <a:xfrm>
+            <a:off x="6516216" y="5301208"/>
+            <a:ext cx="720080" cy="720080"/>
+          </a:xfrm>
+          <a:prstGeom prst="ellipse">
+            <a:avLst/>
+          </a:prstGeom>
+          <a:solidFill>
+            <a:schemeClr val="bg1"/>
+          </a:solidFill>
+          <a:ln>
+            <a:solidFill>
+              <a:srgbClr val="7030A0"/>
+            </a:solidFill>
+          </a:ln>
+        </p:spPr>
+        <p:style>
+          <a:lnRef idx="2">
+            <a:schemeClr val="accent1">
+              <a:shade val="50000"/>
+            </a:schemeClr>
+          </a:lnRef>
+          <a:fillRef idx="1">
+            <a:schemeClr val="accent1"/>
+          </a:fillRef>
+          <a:effectRef idx="0">
+            <a:schemeClr val="accent1"/>
+          </a:effectRef>
+          <a:fontRef idx="minor">
+            <a:schemeClr val="lt1"/>
+          </a:fontRef>
+        </p:style>
+        <p:txBody>
+          <a:bodyPr rtlCol="0" anchor="ctr"/>
+          <a:lstStyle/>
+          <a:p>
+            <a:pPr algn="ctr"/>
+            <a:endParaRPr lang="ru-RU">
+              <a:solidFill>
+                <a:schemeClr val="accent2">
+                  <a:lumMod val="75000"/>
+                </a:schemeClr>
+              </a:solidFill>
+            </a:endParaRPr>
+          </a:p>
+        </p:txBody>
+      </p:sp>
+      <p:sp>
+        <p:nvSpPr>
+          <p:cNvPr id="43" name="Овал 42"/>
+          <p:cNvSpPr/>
+          <p:nvPr/>
+        </p:nvSpPr>
+        <p:spPr>
+          <a:xfrm>
+            <a:off x="5436096" y="1196752"/>
+            <a:ext cx="720080" cy="720080"/>
+          </a:xfrm>
+          <a:prstGeom prst="ellipse">
+            <a:avLst/>
+          </a:prstGeom>
+          <a:solidFill>
+            <a:schemeClr val="bg1"/>
+          </a:solidFill>
+          <a:ln>
+            <a:solidFill>
+              <a:srgbClr val="7030A0"/>
+            </a:solidFill>
+          </a:ln>
+        </p:spPr>
+        <p:style>
+          <a:lnRef idx="2">
+            <a:schemeClr val="accent1">
+              <a:shade val="50000"/>
+            </a:schemeClr>
+          </a:lnRef>
+          <a:fillRef idx="1">
+            <a:schemeClr val="accent1"/>
+          </a:fillRef>
+          <a:effectRef idx="0">
+            <a:schemeClr val="accent1"/>
+          </a:effectRef>
+          <a:fontRef idx="minor">
+            <a:schemeClr val="lt1"/>
+          </a:fontRef>
+        </p:style>
+        <p:txBody>
+          <a:bodyPr rtlCol="0" anchor="ctr"/>
+          <a:lstStyle/>
+          <a:p>
+            <a:pPr algn="ctr"/>
+            <a:endParaRPr lang="ru-RU">
+              <a:solidFill>
+                <a:schemeClr val="accent2">
+                  <a:lumMod val="75000"/>
+                </a:schemeClr>
+              </a:solidFill>
+            </a:endParaRPr>
+          </a:p>
+        </p:txBody>
+      </p:sp>
+      <p:sp>
+        <p:nvSpPr>
+          <p:cNvPr id="44" name="Овал 43"/>
+          <p:cNvSpPr/>
+          <p:nvPr/>
+        </p:nvSpPr>
+        <p:spPr>
+          <a:xfrm>
+            <a:off x="5220072" y="3068960"/>
+            <a:ext cx="720080" cy="720080"/>
+          </a:xfrm>
+          <a:prstGeom prst="ellipse">
+            <a:avLst/>
+          </a:prstGeom>
+          <a:solidFill>
+            <a:schemeClr val="bg1"/>
+          </a:solidFill>
+          <a:ln>
+            <a:solidFill>
+              <a:srgbClr val="7030A0"/>
+            </a:solidFill>
+          </a:ln>
+        </p:spPr>
+        <p:style>
+          <a:lnRef idx="2">
+            <a:schemeClr val="accent1">
+              <a:shade val="50000"/>
+            </a:schemeClr>
+          </a:lnRef>
+          <a:fillRef idx="1">
+            <a:schemeClr val="accent1"/>
+          </a:fillRef>
+          <a:effectRef idx="0">
+            <a:schemeClr val="accent1"/>
+          </a:effectRef>
+          <a:fontRef idx="minor">
+            <a:schemeClr val="lt1"/>
+          </a:fontRef>
+        </p:style>
+        <p:txBody>
+          <a:bodyPr rtlCol="0" anchor="ctr"/>
+          <a:lstStyle/>
+          <a:p>
+            <a:pPr algn="ctr"/>
+            <a:endParaRPr lang="ru-RU">
+              <a:solidFill>
+                <a:schemeClr val="accent2">
+                  <a:lumMod val="75000"/>
+                </a:schemeClr>
+              </a:solidFill>
+            </a:endParaRPr>
+          </a:p>
+        </p:txBody>
+      </p:sp>
+      <p:sp>
+        <p:nvSpPr>
+          <p:cNvPr id="45" name="Овал 44"/>
+          <p:cNvSpPr/>
+          <p:nvPr/>
+        </p:nvSpPr>
+        <p:spPr>
+          <a:xfrm>
+            <a:off x="3779912" y="5157192"/>
+            <a:ext cx="720080" cy="720080"/>
+          </a:xfrm>
+          <a:prstGeom prst="ellipse">
+            <a:avLst/>
+          </a:prstGeom>
+          <a:solidFill>
+            <a:schemeClr val="bg1"/>
+          </a:solidFill>
+          <a:ln>
+            <a:solidFill>
+              <a:srgbClr val="7030A0"/>
+            </a:solidFill>
+          </a:ln>
+        </p:spPr>
+        <p:style>
+          <a:lnRef idx="2">
+            <a:schemeClr val="accent1">
+              <a:shade val="50000"/>
+            </a:schemeClr>
+          </a:lnRef>
+          <a:fillRef idx="1">
+            <a:schemeClr val="accent1"/>
+          </a:fillRef>
+          <a:effectRef idx="0">
+            <a:schemeClr val="accent1"/>
+          </a:effectRef>
+          <a:fontRef idx="minor">
+            <a:schemeClr val="lt1"/>
+          </a:fontRef>
+        </p:style>
+        <p:txBody>
+          <a:bodyPr rtlCol="0" anchor="ctr"/>
+          <a:lstStyle/>
+          <a:p>
+            <a:pPr algn="ctr"/>
+            <a:endParaRPr lang="ru-RU">
+              <a:solidFill>
+                <a:schemeClr val="accent2">
+                  <a:lumMod val="75000"/>
+                </a:schemeClr>
+              </a:solidFill>
+            </a:endParaRPr>
+          </a:p>
+        </p:txBody>
+      </p:sp>
+      <p:sp>
+        <p:nvSpPr>
+          <p:cNvPr id="46" name="Овал 45"/>
+          <p:cNvSpPr/>
+          <p:nvPr/>
+        </p:nvSpPr>
+        <p:spPr>
+          <a:xfrm>
+            <a:off x="3059832" y="2348880"/>
+            <a:ext cx="720080" cy="720080"/>
+          </a:xfrm>
+          <a:prstGeom prst="ellipse">
+            <a:avLst/>
+          </a:prstGeom>
+          <a:solidFill>
+            <a:schemeClr val="bg1"/>
+          </a:solidFill>
+          <a:ln>
+            <a:solidFill>
+              <a:srgbClr val="7030A0"/>
+            </a:solidFill>
+          </a:ln>
+        </p:spPr>
+        <p:style>
+          <a:lnRef idx="2">
+            <a:schemeClr val="accent1">
+              <a:shade val="50000"/>
+            </a:schemeClr>
+          </a:lnRef>
+          <a:fillRef idx="1">
+            <a:schemeClr val="accent1"/>
+          </a:fillRef>
+          <a:effectRef idx="0">
+            <a:schemeClr val="accent1"/>
+          </a:effectRef>
+          <a:fontRef idx="minor">
+            <a:schemeClr val="lt1"/>
+          </a:fontRef>
+        </p:style>
+        <p:txBody>
+          <a:bodyPr rtlCol="0" anchor="ctr"/>
+          <a:lstStyle/>
+          <a:p>
+            <a:pPr algn="ctr"/>
+            <a:endParaRPr lang="ru-RU">
+              <a:solidFill>
+                <a:schemeClr val="accent2">
+                  <a:lumMod val="75000"/>
+                </a:schemeClr>
+              </a:solidFill>
+            </a:endParaRPr>
+          </a:p>
+        </p:txBody>
+      </p:sp>
+      <p:sp>
+        <p:nvSpPr>
+          <p:cNvPr id="48" name="Овал 47"/>
+          <p:cNvSpPr/>
+          <p:nvPr/>
+        </p:nvSpPr>
+        <p:spPr>
+          <a:xfrm>
+            <a:off x="7164288" y="1700808"/>
+            <a:ext cx="720080" cy="720080"/>
+          </a:xfrm>
+          <a:prstGeom prst="ellipse">
+            <a:avLst/>
+          </a:prstGeom>
+          <a:solidFill>
+            <a:schemeClr val="bg1"/>
+          </a:solidFill>
+          <a:ln>
+            <a:solidFill>
+              <a:srgbClr val="7030A0"/>
+            </a:solidFill>
+          </a:ln>
+        </p:spPr>
+        <p:style>
+          <a:lnRef idx="2">
+            <a:schemeClr val="accent1">
+              <a:shade val="50000"/>
+            </a:schemeClr>
+          </a:lnRef>
+          <a:fillRef idx="1">
+            <a:schemeClr val="accent1"/>
+          </a:fillRef>
+          <a:effectRef idx="0">
+            <a:schemeClr val="accent1"/>
+          </a:effectRef>
+          <a:fontRef idx="minor">
+            <a:schemeClr val="lt1"/>
+          </a:fontRef>
+        </p:style>
+        <p:txBody>
+          <a:bodyPr rtlCol="0" anchor="ctr"/>
+          <a:lstStyle/>
+          <a:p>
+            <a:pPr algn="ctr"/>
+            <a:endParaRPr lang="ru-RU">
+              <a:solidFill>
+                <a:schemeClr val="accent2">
+                  <a:lumMod val="75000"/>
+                </a:schemeClr>
+              </a:solidFill>
+            </a:endParaRPr>
+          </a:p>
+        </p:txBody>
+      </p:sp>
       <p:cxnSp>
         <p:nvCxnSpPr>
-          <p:cNvPr id="17" name="Прямая со стрелкой 16"/>
+          <p:cNvPr id="53" name="Прямая со стрелкой 52"/>
           <p:cNvCxnSpPr/>
           <p:nvPr/>
         </p:nvCxnSpPr>
@@ -32745,7 +32943,7 @@
       </p:cxnSp>
       <p:cxnSp>
         <p:nvCxnSpPr>
-          <p:cNvPr id="19" name="Прямая со стрелкой 18"/>
+          <p:cNvPr id="54" name="Прямая со стрелкой 53"/>
           <p:cNvCxnSpPr/>
           <p:nvPr/>
         </p:nvCxnSpPr>
@@ -32778,7 +32976,7 @@
       </p:cxnSp>
       <p:cxnSp>
         <p:nvCxnSpPr>
-          <p:cNvPr id="21" name="Прямая со стрелкой 20"/>
+          <p:cNvPr id="55" name="Прямая со стрелкой 54"/>
           <p:cNvCxnSpPr/>
           <p:nvPr/>
         </p:nvCxnSpPr>
@@ -32811,7 +33009,7 @@
       </p:cxnSp>
       <p:cxnSp>
         <p:nvCxnSpPr>
-          <p:cNvPr id="23" name="Прямая со стрелкой 22"/>
+          <p:cNvPr id="56" name="Прямая со стрелкой 55"/>
           <p:cNvCxnSpPr/>
           <p:nvPr/>
         </p:nvCxnSpPr>
@@ -32844,7 +33042,7 @@
       </p:cxnSp>
       <p:sp>
         <p:nvSpPr>
-          <p:cNvPr id="24" name="Заголовок 1"/>
+          <p:cNvPr id="58" name="Заголовок 1"/>
           <p:cNvSpPr txBox="1">
             <a:spLocks/>
           </p:cNvSpPr>
@@ -32852,8 +33050,8 @@
         </p:nvSpPr>
         <p:spPr>
           <a:xfrm>
-            <a:off x="4499992" y="0"/>
-            <a:ext cx="4644008" cy="1080120"/>
+            <a:off x="5473824" y="0"/>
+            <a:ext cx="3670176" cy="1080120"/>
           </a:xfrm>
           <a:prstGeom prst="rect">
             <a:avLst/>
@@ -32872,7 +33070,42 @@
             </a:pPr>
             <a:r>
               <a:rPr lang="ru-RU" sz="2800" dirty="0" smtClean="0"/>
-              <a:t>Брат показывает на сестру?</a:t>
+              <a:t>Дети = вершины</a:t>
+            </a:r>
+          </a:p>
+        </p:txBody>
+      </p:sp>
+      <p:sp>
+        <p:nvSpPr>
+          <p:cNvPr id="59" name="Заголовок 1"/>
+          <p:cNvSpPr txBox="1">
+            <a:spLocks/>
+          </p:cNvSpPr>
+          <p:nvPr/>
+        </p:nvSpPr>
+        <p:spPr>
+          <a:xfrm>
+            <a:off x="-36512" y="5877272"/>
+            <a:ext cx="5832648" cy="980728"/>
+          </a:xfrm>
+          <a:prstGeom prst="rect">
+            <a:avLst/>
+          </a:prstGeom>
+        </p:spPr>
+        <p:txBody>
+          <a:bodyPr vert="horz" lIns="91440" tIns="45720" rIns="91440" bIns="45720" rtlCol="0" anchor="ctr">
+            <a:normAutofit/>
+          </a:bodyPr>
+          <a:lstStyle/>
+          <a:p>
+            <a:pPr marL="514350" lvl="0" indent="-514350" algn="ctr">
+              <a:spcBef>
+                <a:spcPct val="0"/>
+              </a:spcBef>
+            </a:pPr>
+            <a:r>
+              <a:rPr lang="ru-RU" sz="2800" dirty="0" smtClean="0"/>
+              <a:t>Сопоставление сестер = ребра</a:t>
             </a:r>
             <a:endParaRPr lang="ru-RU" sz="2800" b="1" dirty="0" smtClean="0"/>
           </a:p>
@@ -38773,15 +39006,7 @@
             </a:pPr>
             <a:r>
               <a:rPr lang="ru-RU" sz="2800" dirty="0" smtClean="0"/>
-              <a:t>После выбрасывания листа </a:t>
-            </a:r>
-            <a:r>
-              <a:rPr lang="ru-RU" sz="2800" dirty="0" smtClean="0"/>
-              <a:t>из графа у которого больше 2 вершин, граф </a:t>
-            </a:r>
-            <a:r>
-              <a:rPr lang="ru-RU" sz="2800" dirty="0" smtClean="0"/>
-              <a:t>остается деревом</a:t>
+              <a:t>После выбрасывания листа из графа у которого больше 2 вершин, граф остается деревом</a:t>
             </a:r>
           </a:p>
         </p:txBody>
@@ -40125,603 +40350,361 @@
           <a:chExt cx="0" cy="0"/>
         </a:xfrm>
       </p:grpSpPr>
-      <p:sp>
-        <p:nvSpPr>
-          <p:cNvPr id="9" name="Овал 8"/>
-          <p:cNvSpPr/>
-          <p:nvPr/>
-        </p:nvSpPr>
-        <p:spPr>
-          <a:xfrm>
-            <a:off x="971600" y="1772816"/>
-            <a:ext cx="720080" cy="720080"/>
-          </a:xfrm>
-          <a:prstGeom prst="ellipse">
-            <a:avLst/>
-          </a:prstGeom>
-          <a:solidFill>
-            <a:schemeClr val="bg1"/>
-          </a:solidFill>
-          <a:ln>
-            <a:solidFill>
-              <a:srgbClr val="7030A0"/>
-            </a:solidFill>
-          </a:ln>
-        </p:spPr>
-        <p:style>
-          <a:lnRef idx="2">
-            <a:schemeClr val="accent1">
-              <a:shade val="50000"/>
-            </a:schemeClr>
-          </a:lnRef>
-          <a:fillRef idx="1">
-            <a:schemeClr val="accent1"/>
-          </a:fillRef>
-          <a:effectRef idx="0">
-            <a:schemeClr val="accent1"/>
-          </a:effectRef>
-          <a:fontRef idx="minor">
-            <a:schemeClr val="lt1"/>
-          </a:fontRef>
-        </p:style>
-        <p:txBody>
-          <a:bodyPr rtlCol="0" anchor="ctr"/>
-          <a:lstStyle/>
-          <a:p>
-            <a:pPr algn="ctr"/>
-            <a:endParaRPr lang="ru-RU">
-              <a:solidFill>
-                <a:schemeClr val="accent2">
-                  <a:lumMod val="75000"/>
-                </a:schemeClr>
-              </a:solidFill>
-            </a:endParaRPr>
-          </a:p>
-        </p:txBody>
-      </p:sp>
-      <p:sp>
-        <p:nvSpPr>
-          <p:cNvPr id="38" name="Овал 37"/>
-          <p:cNvSpPr/>
-          <p:nvPr/>
-        </p:nvSpPr>
-        <p:spPr>
-          <a:xfrm>
-            <a:off x="3419872" y="548680"/>
-            <a:ext cx="720080" cy="720080"/>
-          </a:xfrm>
-          <a:prstGeom prst="ellipse">
-            <a:avLst/>
-          </a:prstGeom>
-          <a:solidFill>
-            <a:schemeClr val="bg1"/>
-          </a:solidFill>
-          <a:ln>
-            <a:solidFill>
-              <a:srgbClr val="7030A0"/>
-            </a:solidFill>
-          </a:ln>
-        </p:spPr>
-        <p:style>
-          <a:lnRef idx="2">
-            <a:schemeClr val="accent1">
-              <a:shade val="50000"/>
-            </a:schemeClr>
-          </a:lnRef>
-          <a:fillRef idx="1">
-            <a:schemeClr val="accent1"/>
-          </a:fillRef>
-          <a:effectRef idx="0">
-            <a:schemeClr val="accent1"/>
-          </a:effectRef>
-          <a:fontRef idx="minor">
-            <a:schemeClr val="lt1"/>
-          </a:fontRef>
-        </p:style>
-        <p:txBody>
-          <a:bodyPr rtlCol="0" anchor="ctr"/>
-          <a:lstStyle/>
-          <a:p>
-            <a:pPr algn="ctr"/>
-            <a:endParaRPr lang="ru-RU">
-              <a:solidFill>
-                <a:schemeClr val="accent2">
-                  <a:lumMod val="75000"/>
-                </a:schemeClr>
-              </a:solidFill>
-            </a:endParaRPr>
-          </a:p>
-        </p:txBody>
-      </p:sp>
-      <p:sp>
-        <p:nvSpPr>
-          <p:cNvPr id="39" name="Овал 38"/>
-          <p:cNvSpPr/>
-          <p:nvPr/>
-        </p:nvSpPr>
-        <p:spPr>
-          <a:xfrm>
-            <a:off x="2051720" y="3717032"/>
-            <a:ext cx="720080" cy="720080"/>
-          </a:xfrm>
-          <a:prstGeom prst="ellipse">
-            <a:avLst/>
-          </a:prstGeom>
-          <a:solidFill>
-            <a:schemeClr val="bg1"/>
-          </a:solidFill>
-          <a:ln>
-            <a:solidFill>
-              <a:srgbClr val="7030A0"/>
-            </a:solidFill>
-          </a:ln>
-        </p:spPr>
-        <p:style>
-          <a:lnRef idx="2">
-            <a:schemeClr val="accent1">
-              <a:shade val="50000"/>
-            </a:schemeClr>
-          </a:lnRef>
-          <a:fillRef idx="1">
-            <a:schemeClr val="accent1"/>
-          </a:fillRef>
-          <a:effectRef idx="0">
-            <a:schemeClr val="accent1"/>
-          </a:effectRef>
-          <a:fontRef idx="minor">
-            <a:schemeClr val="lt1"/>
-          </a:fontRef>
-        </p:style>
-        <p:txBody>
-          <a:bodyPr rtlCol="0" anchor="ctr"/>
-          <a:lstStyle/>
-          <a:p>
-            <a:pPr algn="ctr"/>
-            <a:endParaRPr lang="ru-RU">
-              <a:solidFill>
-                <a:schemeClr val="accent2">
-                  <a:lumMod val="75000"/>
-                </a:schemeClr>
-              </a:solidFill>
-            </a:endParaRPr>
-          </a:p>
-        </p:txBody>
-      </p:sp>
-      <p:sp>
-        <p:nvSpPr>
-          <p:cNvPr id="40" name="Овал 39"/>
-          <p:cNvSpPr/>
-          <p:nvPr/>
-        </p:nvSpPr>
-        <p:spPr>
-          <a:xfrm>
-            <a:off x="1259632" y="5373216"/>
-            <a:ext cx="720080" cy="720080"/>
-          </a:xfrm>
-          <a:prstGeom prst="ellipse">
-            <a:avLst/>
-          </a:prstGeom>
-          <a:solidFill>
-            <a:schemeClr val="bg1"/>
-          </a:solidFill>
-          <a:ln>
-            <a:solidFill>
-              <a:srgbClr val="7030A0"/>
-            </a:solidFill>
-          </a:ln>
-        </p:spPr>
-        <p:style>
-          <a:lnRef idx="2">
-            <a:schemeClr val="accent1">
-              <a:shade val="50000"/>
-            </a:schemeClr>
-          </a:lnRef>
-          <a:fillRef idx="1">
-            <a:schemeClr val="accent1"/>
-          </a:fillRef>
-          <a:effectRef idx="0">
-            <a:schemeClr val="accent1"/>
-          </a:effectRef>
-          <a:fontRef idx="minor">
-            <a:schemeClr val="lt1"/>
-          </a:fontRef>
-        </p:style>
-        <p:txBody>
-          <a:bodyPr rtlCol="0" anchor="ctr"/>
-          <a:lstStyle/>
-          <a:p>
-            <a:pPr algn="ctr"/>
-            <a:endParaRPr lang="ru-RU">
-              <a:solidFill>
-                <a:schemeClr val="accent2">
-                  <a:lumMod val="75000"/>
-                </a:schemeClr>
-              </a:solidFill>
-            </a:endParaRPr>
-          </a:p>
-        </p:txBody>
-      </p:sp>
-      <p:sp>
-        <p:nvSpPr>
-          <p:cNvPr id="41" name="Овал 40"/>
-          <p:cNvSpPr/>
-          <p:nvPr/>
-        </p:nvSpPr>
-        <p:spPr>
-          <a:xfrm>
-            <a:off x="7236296" y="4005064"/>
-            <a:ext cx="720080" cy="720080"/>
-          </a:xfrm>
-          <a:prstGeom prst="ellipse">
-            <a:avLst/>
-          </a:prstGeom>
-          <a:solidFill>
-            <a:schemeClr val="bg1"/>
-          </a:solidFill>
-          <a:ln>
-            <a:solidFill>
-              <a:srgbClr val="7030A0"/>
-            </a:solidFill>
-          </a:ln>
-        </p:spPr>
-        <p:style>
-          <a:lnRef idx="2">
-            <a:schemeClr val="accent1">
-              <a:shade val="50000"/>
-            </a:schemeClr>
-          </a:lnRef>
-          <a:fillRef idx="1">
-            <a:schemeClr val="accent1"/>
-          </a:fillRef>
-          <a:effectRef idx="0">
-            <a:schemeClr val="accent1"/>
-          </a:effectRef>
-          <a:fontRef idx="minor">
-            <a:schemeClr val="lt1"/>
-          </a:fontRef>
-        </p:style>
-        <p:txBody>
-          <a:bodyPr rtlCol="0" anchor="ctr"/>
-          <a:lstStyle/>
-          <a:p>
-            <a:pPr algn="ctr"/>
-            <a:endParaRPr lang="ru-RU">
-              <a:solidFill>
-                <a:schemeClr val="accent2">
-                  <a:lumMod val="75000"/>
-                </a:schemeClr>
-              </a:solidFill>
-            </a:endParaRPr>
-          </a:p>
-        </p:txBody>
-      </p:sp>
-      <p:sp>
-        <p:nvSpPr>
-          <p:cNvPr id="42" name="Овал 41"/>
-          <p:cNvSpPr/>
-          <p:nvPr/>
-        </p:nvSpPr>
-        <p:spPr>
-          <a:xfrm>
-            <a:off x="6516216" y="5301208"/>
-            <a:ext cx="720080" cy="720080"/>
-          </a:xfrm>
-          <a:prstGeom prst="ellipse">
-            <a:avLst/>
-          </a:prstGeom>
-          <a:solidFill>
-            <a:schemeClr val="bg1"/>
-          </a:solidFill>
-          <a:ln>
-            <a:solidFill>
-              <a:srgbClr val="7030A0"/>
-            </a:solidFill>
-          </a:ln>
-        </p:spPr>
-        <p:style>
-          <a:lnRef idx="2">
-            <a:schemeClr val="accent1">
-              <a:shade val="50000"/>
-            </a:schemeClr>
-          </a:lnRef>
-          <a:fillRef idx="1">
-            <a:schemeClr val="accent1"/>
-          </a:fillRef>
-          <a:effectRef idx="0">
-            <a:schemeClr val="accent1"/>
-          </a:effectRef>
-          <a:fontRef idx="minor">
-            <a:schemeClr val="lt1"/>
-          </a:fontRef>
-        </p:style>
-        <p:txBody>
-          <a:bodyPr rtlCol="0" anchor="ctr"/>
-          <a:lstStyle/>
-          <a:p>
-            <a:pPr algn="ctr"/>
-            <a:endParaRPr lang="ru-RU">
-              <a:solidFill>
-                <a:schemeClr val="accent2">
-                  <a:lumMod val="75000"/>
-                </a:schemeClr>
-              </a:solidFill>
-            </a:endParaRPr>
-          </a:p>
-        </p:txBody>
-      </p:sp>
-      <p:sp>
-        <p:nvSpPr>
-          <p:cNvPr id="43" name="Овал 42"/>
-          <p:cNvSpPr/>
-          <p:nvPr/>
-        </p:nvSpPr>
-        <p:spPr>
-          <a:xfrm>
-            <a:off x="5436096" y="1196752"/>
-            <a:ext cx="720080" cy="720080"/>
-          </a:xfrm>
-          <a:prstGeom prst="ellipse">
-            <a:avLst/>
-          </a:prstGeom>
-          <a:solidFill>
-            <a:schemeClr val="bg1"/>
-          </a:solidFill>
-          <a:ln>
-            <a:solidFill>
-              <a:srgbClr val="7030A0"/>
-            </a:solidFill>
-          </a:ln>
-        </p:spPr>
-        <p:style>
-          <a:lnRef idx="2">
-            <a:schemeClr val="accent1">
-              <a:shade val="50000"/>
-            </a:schemeClr>
-          </a:lnRef>
-          <a:fillRef idx="1">
-            <a:schemeClr val="accent1"/>
-          </a:fillRef>
-          <a:effectRef idx="0">
-            <a:schemeClr val="accent1"/>
-          </a:effectRef>
-          <a:fontRef idx="minor">
-            <a:schemeClr val="lt1"/>
-          </a:fontRef>
-        </p:style>
-        <p:txBody>
-          <a:bodyPr rtlCol="0" anchor="ctr"/>
-          <a:lstStyle/>
-          <a:p>
-            <a:pPr algn="ctr"/>
-            <a:endParaRPr lang="ru-RU">
-              <a:solidFill>
-                <a:schemeClr val="accent2">
-                  <a:lumMod val="75000"/>
-                </a:schemeClr>
-              </a:solidFill>
-            </a:endParaRPr>
-          </a:p>
-        </p:txBody>
-      </p:sp>
-      <p:sp>
-        <p:nvSpPr>
-          <p:cNvPr id="44" name="Овал 43"/>
-          <p:cNvSpPr/>
-          <p:nvPr/>
-        </p:nvSpPr>
-        <p:spPr>
-          <a:xfrm>
-            <a:off x="5220072" y="3068960"/>
-            <a:ext cx="720080" cy="720080"/>
-          </a:xfrm>
-          <a:prstGeom prst="ellipse">
-            <a:avLst/>
-          </a:prstGeom>
-          <a:solidFill>
-            <a:schemeClr val="bg1"/>
-          </a:solidFill>
-          <a:ln>
-            <a:solidFill>
-              <a:srgbClr val="7030A0"/>
-            </a:solidFill>
-          </a:ln>
-        </p:spPr>
-        <p:style>
-          <a:lnRef idx="2">
-            <a:schemeClr val="accent1">
-              <a:shade val="50000"/>
-            </a:schemeClr>
-          </a:lnRef>
-          <a:fillRef idx="1">
-            <a:schemeClr val="accent1"/>
-          </a:fillRef>
-          <a:effectRef idx="0">
-            <a:schemeClr val="accent1"/>
-          </a:effectRef>
-          <a:fontRef idx="minor">
-            <a:schemeClr val="lt1"/>
-          </a:fontRef>
-        </p:style>
-        <p:txBody>
-          <a:bodyPr rtlCol="0" anchor="ctr"/>
-          <a:lstStyle/>
-          <a:p>
-            <a:pPr algn="ctr"/>
-            <a:endParaRPr lang="ru-RU">
-              <a:solidFill>
-                <a:schemeClr val="accent2">
-                  <a:lumMod val="75000"/>
-                </a:schemeClr>
-              </a:solidFill>
-            </a:endParaRPr>
-          </a:p>
-        </p:txBody>
-      </p:sp>
-      <p:sp>
-        <p:nvSpPr>
-          <p:cNvPr id="45" name="Овал 44"/>
-          <p:cNvSpPr/>
-          <p:nvPr/>
-        </p:nvSpPr>
-        <p:spPr>
-          <a:xfrm>
-            <a:off x="3779912" y="5157192"/>
-            <a:ext cx="720080" cy="720080"/>
-          </a:xfrm>
-          <a:prstGeom prst="ellipse">
-            <a:avLst/>
-          </a:prstGeom>
-          <a:solidFill>
-            <a:schemeClr val="bg1"/>
-          </a:solidFill>
-          <a:ln>
-            <a:solidFill>
-              <a:srgbClr val="7030A0"/>
-            </a:solidFill>
-          </a:ln>
-        </p:spPr>
-        <p:style>
-          <a:lnRef idx="2">
-            <a:schemeClr val="accent1">
-              <a:shade val="50000"/>
-            </a:schemeClr>
-          </a:lnRef>
-          <a:fillRef idx="1">
-            <a:schemeClr val="accent1"/>
-          </a:fillRef>
-          <a:effectRef idx="0">
-            <a:schemeClr val="accent1"/>
-          </a:effectRef>
-          <a:fontRef idx="minor">
-            <a:schemeClr val="lt1"/>
-          </a:fontRef>
-        </p:style>
-        <p:txBody>
-          <a:bodyPr rtlCol="0" anchor="ctr"/>
-          <a:lstStyle/>
-          <a:p>
-            <a:pPr algn="ctr"/>
-            <a:endParaRPr lang="ru-RU">
-              <a:solidFill>
-                <a:schemeClr val="accent2">
-                  <a:lumMod val="75000"/>
-                </a:schemeClr>
-              </a:solidFill>
-            </a:endParaRPr>
-          </a:p>
-        </p:txBody>
-      </p:sp>
-      <p:sp>
-        <p:nvSpPr>
-          <p:cNvPr id="46" name="Овал 45"/>
-          <p:cNvSpPr/>
-          <p:nvPr/>
-        </p:nvSpPr>
-        <p:spPr>
-          <a:xfrm>
-            <a:off x="3059832" y="2348880"/>
-            <a:ext cx="720080" cy="720080"/>
-          </a:xfrm>
-          <a:prstGeom prst="ellipse">
-            <a:avLst/>
-          </a:prstGeom>
-          <a:solidFill>
-            <a:schemeClr val="bg1"/>
-          </a:solidFill>
-          <a:ln>
-            <a:solidFill>
-              <a:srgbClr val="7030A0"/>
-            </a:solidFill>
-          </a:ln>
-        </p:spPr>
-        <p:style>
-          <a:lnRef idx="2">
-            <a:schemeClr val="accent1">
-              <a:shade val="50000"/>
-            </a:schemeClr>
-          </a:lnRef>
-          <a:fillRef idx="1">
-            <a:schemeClr val="accent1"/>
-          </a:fillRef>
-          <a:effectRef idx="0">
-            <a:schemeClr val="accent1"/>
-          </a:effectRef>
-          <a:fontRef idx="minor">
-            <a:schemeClr val="lt1"/>
-          </a:fontRef>
-        </p:style>
-        <p:txBody>
-          <a:bodyPr rtlCol="0" anchor="ctr"/>
-          <a:lstStyle/>
-          <a:p>
-            <a:pPr algn="ctr"/>
-            <a:endParaRPr lang="ru-RU">
-              <a:solidFill>
-                <a:schemeClr val="accent2">
-                  <a:lumMod val="75000"/>
-                </a:schemeClr>
-              </a:solidFill>
-            </a:endParaRPr>
-          </a:p>
-        </p:txBody>
-      </p:sp>
-      <p:sp>
-        <p:nvSpPr>
-          <p:cNvPr id="48" name="Овал 47"/>
-          <p:cNvSpPr/>
-          <p:nvPr/>
-        </p:nvSpPr>
-        <p:spPr>
-          <a:xfrm>
-            <a:off x="7164288" y="1700808"/>
-            <a:ext cx="720080" cy="720080"/>
-          </a:xfrm>
-          <a:prstGeom prst="ellipse">
-            <a:avLst/>
-          </a:prstGeom>
-          <a:solidFill>
-            <a:schemeClr val="bg1"/>
-          </a:solidFill>
-          <a:ln>
-            <a:solidFill>
-              <a:srgbClr val="7030A0"/>
-            </a:solidFill>
-          </a:ln>
-        </p:spPr>
-        <p:style>
-          <a:lnRef idx="2">
-            <a:schemeClr val="accent1">
-              <a:shade val="50000"/>
-            </a:schemeClr>
-          </a:lnRef>
-          <a:fillRef idx="1">
-            <a:schemeClr val="accent1"/>
-          </a:fillRef>
-          <a:effectRef idx="0">
-            <a:schemeClr val="accent1"/>
-          </a:effectRef>
-          <a:fontRef idx="minor">
-            <a:schemeClr val="lt1"/>
-          </a:fontRef>
-        </p:style>
-        <p:txBody>
-          <a:bodyPr rtlCol="0" anchor="ctr"/>
-          <a:lstStyle/>
-          <a:p>
-            <a:pPr algn="ctr"/>
-            <a:endParaRPr lang="ru-RU">
-              <a:solidFill>
-                <a:schemeClr val="accent2">
-                  <a:lumMod val="75000"/>
-                </a:schemeClr>
-              </a:solidFill>
-            </a:endParaRPr>
-          </a:p>
-        </p:txBody>
-      </p:sp>
+      <p:pic>
+        <p:nvPicPr>
+          <p:cNvPr id="1026" name="Picture 2"/>
+          <p:cNvPicPr>
+            <a:picLocks noChangeAspect="1" noChangeArrowheads="1"/>
+          </p:cNvPicPr>
+          <p:nvPr/>
+        </p:nvPicPr>
+        <p:blipFill>
+          <a:blip r:embed="rId2" cstate="print"/>
+          <a:srcRect/>
+          <a:stretch>
+            <a:fillRect/>
+          </a:stretch>
+        </p:blipFill>
+        <p:spPr bwMode="auto">
+          <a:xfrm>
+            <a:off x="827584" y="1556792"/>
+            <a:ext cx="1133475" cy="1095375"/>
+          </a:xfrm>
+          <a:prstGeom prst="rect">
+            <a:avLst/>
+          </a:prstGeom>
+          <a:noFill/>
+          <a:ln w="9525">
+            <a:noFill/>
+            <a:miter lim="800000"/>
+            <a:headEnd/>
+            <a:tailEnd/>
+          </a:ln>
+        </p:spPr>
+      </p:pic>
+      <p:pic>
+        <p:nvPicPr>
+          <p:cNvPr id="1027" name="Picture 3"/>
+          <p:cNvPicPr>
+            <a:picLocks noChangeAspect="1" noChangeArrowheads="1"/>
+          </p:cNvPicPr>
+          <p:nvPr/>
+        </p:nvPicPr>
+        <p:blipFill>
+          <a:blip r:embed="rId3" cstate="print"/>
+          <a:srcRect/>
+          <a:stretch>
+            <a:fillRect/>
+          </a:stretch>
+        </p:blipFill>
+        <p:spPr bwMode="auto">
+          <a:xfrm>
+            <a:off x="5220072" y="908720"/>
+            <a:ext cx="1114425" cy="1076325"/>
+          </a:xfrm>
+          <a:prstGeom prst="rect">
+            <a:avLst/>
+          </a:prstGeom>
+          <a:noFill/>
+          <a:ln w="9525">
+            <a:noFill/>
+            <a:miter lim="800000"/>
+            <a:headEnd/>
+            <a:tailEnd/>
+          </a:ln>
+        </p:spPr>
+      </p:pic>
+      <p:pic>
+        <p:nvPicPr>
+          <p:cNvPr id="1028" name="Picture 4"/>
+          <p:cNvPicPr>
+            <a:picLocks noChangeAspect="1" noChangeArrowheads="1"/>
+          </p:cNvPicPr>
+          <p:nvPr/>
+        </p:nvPicPr>
+        <p:blipFill>
+          <a:blip r:embed="rId4" cstate="print"/>
+          <a:srcRect/>
+          <a:stretch>
+            <a:fillRect/>
+          </a:stretch>
+        </p:blipFill>
+        <p:spPr bwMode="auto">
+          <a:xfrm>
+            <a:off x="4932040" y="2708920"/>
+            <a:ext cx="1276350" cy="1276350"/>
+          </a:xfrm>
+          <a:prstGeom prst="rect">
+            <a:avLst/>
+          </a:prstGeom>
+          <a:noFill/>
+          <a:ln w="9525">
+            <a:noFill/>
+            <a:miter lim="800000"/>
+            <a:headEnd/>
+            <a:tailEnd/>
+          </a:ln>
+        </p:spPr>
+      </p:pic>
+      <p:pic>
+        <p:nvPicPr>
+          <p:cNvPr id="1029" name="Picture 5"/>
+          <p:cNvPicPr>
+            <a:picLocks noChangeAspect="1" noChangeArrowheads="1"/>
+          </p:cNvPicPr>
+          <p:nvPr/>
+        </p:nvPicPr>
+        <p:blipFill>
+          <a:blip r:embed="rId5" cstate="print"/>
+          <a:srcRect/>
+          <a:stretch>
+            <a:fillRect/>
+          </a:stretch>
+        </p:blipFill>
+        <p:spPr bwMode="auto">
+          <a:xfrm>
+            <a:off x="3707904" y="5013176"/>
+            <a:ext cx="1009650" cy="981075"/>
+          </a:xfrm>
+          <a:prstGeom prst="rect">
+            <a:avLst/>
+          </a:prstGeom>
+          <a:noFill/>
+          <a:ln w="9525">
+            <a:noFill/>
+            <a:miter lim="800000"/>
+            <a:headEnd/>
+            <a:tailEnd/>
+          </a:ln>
+        </p:spPr>
+      </p:pic>
+      <p:pic>
+        <p:nvPicPr>
+          <p:cNvPr id="1030" name="Picture 6"/>
+          <p:cNvPicPr>
+            <a:picLocks noChangeAspect="1" noChangeArrowheads="1"/>
+          </p:cNvPicPr>
+          <p:nvPr/>
+        </p:nvPicPr>
+        <p:blipFill>
+          <a:blip r:embed="rId6" cstate="print"/>
+          <a:srcRect/>
+          <a:stretch>
+            <a:fillRect/>
+          </a:stretch>
+        </p:blipFill>
+        <p:spPr bwMode="auto">
+          <a:xfrm>
+            <a:off x="2987824" y="2204864"/>
+            <a:ext cx="1028700" cy="1028700"/>
+          </a:xfrm>
+          <a:prstGeom prst="rect">
+            <a:avLst/>
+          </a:prstGeom>
+          <a:noFill/>
+          <a:ln w="9525">
+            <a:noFill/>
+            <a:miter lim="800000"/>
+            <a:headEnd/>
+            <a:tailEnd/>
+          </a:ln>
+        </p:spPr>
+      </p:pic>
+      <p:pic>
+        <p:nvPicPr>
+          <p:cNvPr id="1031" name="Picture 7"/>
+          <p:cNvPicPr>
+            <a:picLocks noChangeAspect="1" noChangeArrowheads="1"/>
+          </p:cNvPicPr>
+          <p:nvPr/>
+        </p:nvPicPr>
+        <p:blipFill>
+          <a:blip r:embed="rId7" cstate="print"/>
+          <a:srcRect/>
+          <a:stretch>
+            <a:fillRect/>
+          </a:stretch>
+        </p:blipFill>
+        <p:spPr bwMode="auto">
+          <a:xfrm>
+            <a:off x="1043608" y="5229200"/>
+            <a:ext cx="1009650" cy="1095375"/>
+          </a:xfrm>
+          <a:prstGeom prst="rect">
+            <a:avLst/>
+          </a:prstGeom>
+          <a:noFill/>
+          <a:ln w="9525">
+            <a:noFill/>
+            <a:miter lim="800000"/>
+            <a:headEnd/>
+            <a:tailEnd/>
+          </a:ln>
+        </p:spPr>
+      </p:pic>
+      <p:pic>
+        <p:nvPicPr>
+          <p:cNvPr id="1032" name="Picture 8"/>
+          <p:cNvPicPr>
+            <a:picLocks noChangeAspect="1" noChangeArrowheads="1"/>
+          </p:cNvPicPr>
+          <p:nvPr/>
+        </p:nvPicPr>
+        <p:blipFill>
+          <a:blip r:embed="rId8" cstate="print"/>
+          <a:srcRect/>
+          <a:stretch>
+            <a:fillRect/>
+          </a:stretch>
+        </p:blipFill>
+        <p:spPr bwMode="auto">
+          <a:xfrm>
+            <a:off x="3275856" y="404664"/>
+            <a:ext cx="1076325" cy="1076325"/>
+          </a:xfrm>
+          <a:prstGeom prst="rect">
+            <a:avLst/>
+          </a:prstGeom>
+          <a:noFill/>
+          <a:ln w="9525">
+            <a:noFill/>
+            <a:miter lim="800000"/>
+            <a:headEnd/>
+            <a:tailEnd/>
+          </a:ln>
+        </p:spPr>
+      </p:pic>
+      <p:pic>
+        <p:nvPicPr>
+          <p:cNvPr id="1033" name="Picture 9"/>
+          <p:cNvPicPr>
+            <a:picLocks noChangeAspect="1" noChangeArrowheads="1"/>
+          </p:cNvPicPr>
+          <p:nvPr/>
+        </p:nvPicPr>
+        <p:blipFill>
+          <a:blip r:embed="rId9" cstate="print"/>
+          <a:srcRect/>
+          <a:stretch>
+            <a:fillRect/>
+          </a:stretch>
+        </p:blipFill>
+        <p:spPr bwMode="auto">
+          <a:xfrm>
+            <a:off x="6948264" y="1484784"/>
+            <a:ext cx="1133475" cy="1190625"/>
+          </a:xfrm>
+          <a:prstGeom prst="rect">
+            <a:avLst/>
+          </a:prstGeom>
+          <a:noFill/>
+          <a:ln w="9525">
+            <a:noFill/>
+            <a:miter lim="800000"/>
+            <a:headEnd/>
+            <a:tailEnd/>
+          </a:ln>
+        </p:spPr>
+      </p:pic>
+      <p:pic>
+        <p:nvPicPr>
+          <p:cNvPr id="1034" name="Picture 10"/>
+          <p:cNvPicPr>
+            <a:picLocks noChangeAspect="1" noChangeArrowheads="1"/>
+          </p:cNvPicPr>
+          <p:nvPr/>
+        </p:nvPicPr>
+        <p:blipFill>
+          <a:blip r:embed="rId10" cstate="print"/>
+          <a:srcRect/>
+          <a:stretch>
+            <a:fillRect/>
+          </a:stretch>
+        </p:blipFill>
+        <p:spPr bwMode="auto">
+          <a:xfrm>
+            <a:off x="6444208" y="5157192"/>
+            <a:ext cx="1019175" cy="1057275"/>
+          </a:xfrm>
+          <a:prstGeom prst="rect">
+            <a:avLst/>
+          </a:prstGeom>
+          <a:noFill/>
+          <a:ln w="9525">
+            <a:noFill/>
+            <a:miter lim="800000"/>
+            <a:headEnd/>
+            <a:tailEnd/>
+          </a:ln>
+        </p:spPr>
+      </p:pic>
+      <p:pic>
+        <p:nvPicPr>
+          <p:cNvPr id="1035" name="Picture 11"/>
+          <p:cNvPicPr>
+            <a:picLocks noChangeAspect="1" noChangeArrowheads="1"/>
+          </p:cNvPicPr>
+          <p:nvPr/>
+        </p:nvPicPr>
+        <p:blipFill>
+          <a:blip r:embed="rId11" cstate="print"/>
+          <a:srcRect/>
+          <a:stretch>
+            <a:fillRect/>
+          </a:stretch>
+        </p:blipFill>
+        <p:spPr bwMode="auto">
+          <a:xfrm>
+            <a:off x="1835696" y="3573016"/>
+            <a:ext cx="1114425" cy="1076325"/>
+          </a:xfrm>
+          <a:prstGeom prst="rect">
+            <a:avLst/>
+          </a:prstGeom>
+          <a:noFill/>
+          <a:ln w="9525">
+            <a:noFill/>
+            <a:miter lim="800000"/>
+            <a:headEnd/>
+            <a:tailEnd/>
+          </a:ln>
+        </p:spPr>
+      </p:pic>
+      <p:pic>
+        <p:nvPicPr>
+          <p:cNvPr id="1036" name="Picture 12"/>
+          <p:cNvPicPr>
+            <a:picLocks noChangeAspect="1" noChangeArrowheads="1"/>
+          </p:cNvPicPr>
+          <p:nvPr/>
+        </p:nvPicPr>
+        <p:blipFill>
+          <a:blip r:embed="rId12" cstate="print"/>
+          <a:srcRect/>
+          <a:stretch>
+            <a:fillRect/>
+          </a:stretch>
+        </p:blipFill>
+        <p:spPr bwMode="auto">
+          <a:xfrm>
+            <a:off x="7020272" y="3764260"/>
+            <a:ext cx="1095375" cy="1104900"/>
+          </a:xfrm>
+          <a:prstGeom prst="rect">
+            <a:avLst/>
+          </a:prstGeom>
+          <a:noFill/>
+          <a:ln w="9525">
+            <a:noFill/>
+            <a:miter lim="800000"/>
+            <a:headEnd/>
+            <a:tailEnd/>
+          </a:ln>
+        </p:spPr>
+      </p:pic>
       <p:cxnSp>
         <p:nvCxnSpPr>
-          <p:cNvPr id="53" name="Прямая со стрелкой 52"/>
+          <p:cNvPr id="17" name="Прямая со стрелкой 16"/>
           <p:cNvCxnSpPr/>
           <p:nvPr/>
         </p:nvCxnSpPr>
@@ -40754,7 +40737,7 @@
       </p:cxnSp>
       <p:cxnSp>
         <p:nvCxnSpPr>
-          <p:cNvPr id="54" name="Прямая со стрелкой 53"/>
+          <p:cNvPr id="19" name="Прямая со стрелкой 18"/>
           <p:cNvCxnSpPr/>
           <p:nvPr/>
         </p:nvCxnSpPr>
@@ -40787,7 +40770,7 @@
       </p:cxnSp>
       <p:cxnSp>
         <p:nvCxnSpPr>
-          <p:cNvPr id="55" name="Прямая со стрелкой 54"/>
+          <p:cNvPr id="21" name="Прямая со стрелкой 20"/>
           <p:cNvCxnSpPr/>
           <p:nvPr/>
         </p:nvCxnSpPr>
@@ -40820,7 +40803,7 @@
       </p:cxnSp>
       <p:cxnSp>
         <p:nvCxnSpPr>
-          <p:cNvPr id="56" name="Прямая со стрелкой 55"/>
+          <p:cNvPr id="23" name="Прямая со стрелкой 22"/>
           <p:cNvCxnSpPr/>
           <p:nvPr/>
         </p:nvCxnSpPr>
@@ -40853,7 +40836,7 @@
       </p:cxnSp>
       <p:sp>
         <p:nvSpPr>
-          <p:cNvPr id="58" name="Заголовок 1"/>
+          <p:cNvPr id="24" name="Заголовок 1"/>
           <p:cNvSpPr txBox="1">
             <a:spLocks/>
           </p:cNvSpPr>
@@ -40861,8 +40844,8 @@
         </p:nvSpPr>
         <p:spPr>
           <a:xfrm>
-            <a:off x="5473824" y="0"/>
-            <a:ext cx="3670176" cy="1080120"/>
+            <a:off x="4499992" y="0"/>
+            <a:ext cx="4644008" cy="1080120"/>
           </a:xfrm>
           <a:prstGeom prst="rect">
             <a:avLst/>
@@ -40881,42 +40864,7 @@
             </a:pPr>
             <a:r>
               <a:rPr lang="ru-RU" sz="2800" dirty="0" smtClean="0"/>
-              <a:t>Дети = вершины</a:t>
-            </a:r>
-          </a:p>
-        </p:txBody>
-      </p:sp>
-      <p:sp>
-        <p:nvSpPr>
-          <p:cNvPr id="59" name="Заголовок 1"/>
-          <p:cNvSpPr txBox="1">
-            <a:spLocks/>
-          </p:cNvSpPr>
-          <p:nvPr/>
-        </p:nvSpPr>
-        <p:spPr>
-          <a:xfrm>
-            <a:off x="-36512" y="5877272"/>
-            <a:ext cx="5832648" cy="980728"/>
-          </a:xfrm>
-          <a:prstGeom prst="rect">
-            <a:avLst/>
-          </a:prstGeom>
-        </p:spPr>
-        <p:txBody>
-          <a:bodyPr vert="horz" lIns="91440" tIns="45720" rIns="91440" bIns="45720" rtlCol="0" anchor="ctr">
-            <a:normAutofit/>
-          </a:bodyPr>
-          <a:lstStyle/>
-          <a:p>
-            <a:pPr marL="514350" lvl="0" indent="-514350" algn="ctr">
-              <a:spcBef>
-                <a:spcPct val="0"/>
-              </a:spcBef>
-            </a:pPr>
-            <a:r>
-              <a:rPr lang="ru-RU" sz="2800" dirty="0" smtClean="0"/>
-              <a:t>Сопоставление сестер = ребра</a:t>
+              <a:t>Брат показывает на сестру?</a:t>
             </a:r>
             <a:endParaRPr lang="ru-RU" sz="2800" b="1" dirty="0" smtClean="0"/>
           </a:p>

--- a/Презентации/Лекция 0.pptx
+++ b/Презентации/Лекция 0.pptx
@@ -65,13 +65,14 @@
     <p:sldId id="357" r:id="rId59"/>
     <p:sldId id="353" r:id="rId60"/>
     <p:sldId id="358" r:id="rId61"/>
-    <p:sldId id="360" r:id="rId62"/>
-    <p:sldId id="361" r:id="rId63"/>
-    <p:sldId id="362" r:id="rId64"/>
-    <p:sldId id="363" r:id="rId65"/>
-    <p:sldId id="364" r:id="rId66"/>
-    <p:sldId id="365" r:id="rId67"/>
-    <p:sldId id="366" r:id="rId68"/>
+    <p:sldId id="386" r:id="rId62"/>
+    <p:sldId id="360" r:id="rId63"/>
+    <p:sldId id="361" r:id="rId64"/>
+    <p:sldId id="362" r:id="rId65"/>
+    <p:sldId id="363" r:id="rId66"/>
+    <p:sldId id="364" r:id="rId67"/>
+    <p:sldId id="365" r:id="rId68"/>
+    <p:sldId id="366" r:id="rId69"/>
   </p:sldIdLst>
   <p:sldSz cx="9144000" cy="6858000" type="screen4x3"/>
   <p:notesSz cx="6858000" cy="9144000"/>
@@ -355,7 +356,7 @@
             <a:fld id="{5B106E36-FD25-4E2D-B0AA-010F637433A0}" type="datetimeFigureOut">
               <a:rPr lang="ru-RU" smtClean="0"/>
               <a:pPr/>
-              <a:t>08.02.2021</a:t>
+              <a:t>28.02.2021</a:t>
             </a:fld>
             <a:endParaRPr lang="ru-RU"/>
           </a:p>
@@ -522,7 +523,7 @@
             <a:fld id="{5B106E36-FD25-4E2D-B0AA-010F637433A0}" type="datetimeFigureOut">
               <a:rPr lang="ru-RU" smtClean="0"/>
               <a:pPr/>
-              <a:t>08.02.2021</a:t>
+              <a:t>28.02.2021</a:t>
             </a:fld>
             <a:endParaRPr lang="ru-RU"/>
           </a:p>
@@ -699,7 +700,7 @@
             <a:fld id="{5B106E36-FD25-4E2D-B0AA-010F637433A0}" type="datetimeFigureOut">
               <a:rPr lang="ru-RU" smtClean="0"/>
               <a:pPr/>
-              <a:t>08.02.2021</a:t>
+              <a:t>28.02.2021</a:t>
             </a:fld>
             <a:endParaRPr lang="ru-RU"/>
           </a:p>
@@ -866,7 +867,7 @@
             <a:fld id="{5B106E36-FD25-4E2D-B0AA-010F637433A0}" type="datetimeFigureOut">
               <a:rPr lang="ru-RU" smtClean="0"/>
               <a:pPr/>
-              <a:t>08.02.2021</a:t>
+              <a:t>28.02.2021</a:t>
             </a:fld>
             <a:endParaRPr lang="ru-RU"/>
           </a:p>
@@ -1109,7 +1110,7 @@
             <a:fld id="{5B106E36-FD25-4E2D-B0AA-010F637433A0}" type="datetimeFigureOut">
               <a:rPr lang="ru-RU" smtClean="0"/>
               <a:pPr/>
-              <a:t>08.02.2021</a:t>
+              <a:t>28.02.2021</a:t>
             </a:fld>
             <a:endParaRPr lang="ru-RU"/>
           </a:p>
@@ -1394,7 +1395,7 @@
             <a:fld id="{5B106E36-FD25-4E2D-B0AA-010F637433A0}" type="datetimeFigureOut">
               <a:rPr lang="ru-RU" smtClean="0"/>
               <a:pPr/>
-              <a:t>08.02.2021</a:t>
+              <a:t>28.02.2021</a:t>
             </a:fld>
             <a:endParaRPr lang="ru-RU"/>
           </a:p>
@@ -1813,7 +1814,7 @@
             <a:fld id="{5B106E36-FD25-4E2D-B0AA-010F637433A0}" type="datetimeFigureOut">
               <a:rPr lang="ru-RU" smtClean="0"/>
               <a:pPr/>
-              <a:t>08.02.2021</a:t>
+              <a:t>28.02.2021</a:t>
             </a:fld>
             <a:endParaRPr lang="ru-RU"/>
           </a:p>
@@ -1928,7 +1929,7 @@
             <a:fld id="{5B106E36-FD25-4E2D-B0AA-010F637433A0}" type="datetimeFigureOut">
               <a:rPr lang="ru-RU" smtClean="0"/>
               <a:pPr/>
-              <a:t>08.02.2021</a:t>
+              <a:t>28.02.2021</a:t>
             </a:fld>
             <a:endParaRPr lang="ru-RU"/>
           </a:p>
@@ -2020,7 +2021,7 @@
             <a:fld id="{5B106E36-FD25-4E2D-B0AA-010F637433A0}" type="datetimeFigureOut">
               <a:rPr lang="ru-RU" smtClean="0"/>
               <a:pPr/>
-              <a:t>08.02.2021</a:t>
+              <a:t>28.02.2021</a:t>
             </a:fld>
             <a:endParaRPr lang="ru-RU"/>
           </a:p>
@@ -2294,7 +2295,7 @@
             <a:fld id="{5B106E36-FD25-4E2D-B0AA-010F637433A0}" type="datetimeFigureOut">
               <a:rPr lang="ru-RU" smtClean="0"/>
               <a:pPr/>
-              <a:t>08.02.2021</a:t>
+              <a:t>28.02.2021</a:t>
             </a:fld>
             <a:endParaRPr lang="ru-RU"/>
           </a:p>
@@ -2544,7 +2545,7 @@
             <a:fld id="{5B106E36-FD25-4E2D-B0AA-010F637433A0}" type="datetimeFigureOut">
               <a:rPr lang="ru-RU" smtClean="0"/>
               <a:pPr/>
-              <a:t>08.02.2021</a:t>
+              <a:t>28.02.2021</a:t>
             </a:fld>
             <a:endParaRPr lang="ru-RU"/>
           </a:p>
@@ -2754,7 +2755,7 @@
             <a:fld id="{5B106E36-FD25-4E2D-B0AA-010F637433A0}" type="datetimeFigureOut">
               <a:rPr lang="ru-RU" smtClean="0"/>
               <a:pPr/>
-              <a:t>08.02.2021</a:t>
+              <a:t>28.02.2021</a:t>
             </a:fld>
             <a:endParaRPr lang="ru-RU"/>
           </a:p>
@@ -42074,7 +42075,223 @@
       </p:grpSpPr>
       <p:sp>
         <p:nvSpPr>
-          <p:cNvPr id="6" name="Заголовок 1"/>
+          <p:cNvPr id="9" name="Овал 8"/>
+          <p:cNvSpPr/>
+          <p:nvPr/>
+        </p:nvSpPr>
+        <p:spPr>
+          <a:xfrm>
+            <a:off x="755576" y="1988840"/>
+            <a:ext cx="720080" cy="720080"/>
+          </a:xfrm>
+          <a:prstGeom prst="ellipse">
+            <a:avLst/>
+          </a:prstGeom>
+          <a:solidFill>
+            <a:schemeClr val="bg1"/>
+          </a:solidFill>
+          <a:ln>
+            <a:solidFill>
+              <a:srgbClr val="7030A0"/>
+            </a:solidFill>
+          </a:ln>
+        </p:spPr>
+        <p:style>
+          <a:lnRef idx="2">
+            <a:schemeClr val="accent1">
+              <a:shade val="50000"/>
+            </a:schemeClr>
+          </a:lnRef>
+          <a:fillRef idx="1">
+            <a:schemeClr val="accent1"/>
+          </a:fillRef>
+          <a:effectRef idx="0">
+            <a:schemeClr val="accent1"/>
+          </a:effectRef>
+          <a:fontRef idx="minor">
+            <a:schemeClr val="lt1"/>
+          </a:fontRef>
+        </p:style>
+        <p:txBody>
+          <a:bodyPr rtlCol="0" anchor="ctr"/>
+          <a:lstStyle/>
+          <a:p>
+            <a:pPr algn="ctr"/>
+            <a:endParaRPr lang="ru-RU">
+              <a:solidFill>
+                <a:schemeClr val="accent2">
+                  <a:lumMod val="75000"/>
+                </a:schemeClr>
+              </a:solidFill>
+            </a:endParaRPr>
+          </a:p>
+        </p:txBody>
+      </p:sp>
+      <p:sp>
+        <p:nvSpPr>
+          <p:cNvPr id="38" name="Овал 37"/>
+          <p:cNvSpPr/>
+          <p:nvPr/>
+        </p:nvSpPr>
+        <p:spPr>
+          <a:xfrm>
+            <a:off x="2411760" y="1628800"/>
+            <a:ext cx="720080" cy="720080"/>
+          </a:xfrm>
+          <a:prstGeom prst="ellipse">
+            <a:avLst/>
+          </a:prstGeom>
+          <a:solidFill>
+            <a:schemeClr val="bg1"/>
+          </a:solidFill>
+          <a:ln>
+            <a:solidFill>
+              <a:srgbClr val="7030A0"/>
+            </a:solidFill>
+          </a:ln>
+        </p:spPr>
+        <p:style>
+          <a:lnRef idx="2">
+            <a:schemeClr val="accent1">
+              <a:shade val="50000"/>
+            </a:schemeClr>
+          </a:lnRef>
+          <a:fillRef idx="1">
+            <a:schemeClr val="accent1"/>
+          </a:fillRef>
+          <a:effectRef idx="0">
+            <a:schemeClr val="accent1"/>
+          </a:effectRef>
+          <a:fontRef idx="minor">
+            <a:schemeClr val="lt1"/>
+          </a:fontRef>
+        </p:style>
+        <p:txBody>
+          <a:bodyPr rtlCol="0" anchor="ctr"/>
+          <a:lstStyle/>
+          <a:p>
+            <a:pPr algn="ctr"/>
+            <a:endParaRPr lang="ru-RU">
+              <a:solidFill>
+                <a:schemeClr val="accent2">
+                  <a:lumMod val="75000"/>
+                </a:schemeClr>
+              </a:solidFill>
+            </a:endParaRPr>
+          </a:p>
+        </p:txBody>
+      </p:sp>
+      <p:sp>
+        <p:nvSpPr>
+          <p:cNvPr id="46" name="Овал 45"/>
+          <p:cNvSpPr/>
+          <p:nvPr/>
+        </p:nvSpPr>
+        <p:spPr>
+          <a:xfrm>
+            <a:off x="539552" y="4149080"/>
+            <a:ext cx="720080" cy="720080"/>
+          </a:xfrm>
+          <a:prstGeom prst="ellipse">
+            <a:avLst/>
+          </a:prstGeom>
+          <a:solidFill>
+            <a:schemeClr val="bg1"/>
+          </a:solidFill>
+          <a:ln>
+            <a:solidFill>
+              <a:srgbClr val="7030A0"/>
+            </a:solidFill>
+          </a:ln>
+        </p:spPr>
+        <p:style>
+          <a:lnRef idx="2">
+            <a:schemeClr val="accent1">
+              <a:shade val="50000"/>
+            </a:schemeClr>
+          </a:lnRef>
+          <a:fillRef idx="1">
+            <a:schemeClr val="accent1"/>
+          </a:fillRef>
+          <a:effectRef idx="0">
+            <a:schemeClr val="accent1"/>
+          </a:effectRef>
+          <a:fontRef idx="minor">
+            <a:schemeClr val="lt1"/>
+          </a:fontRef>
+        </p:style>
+        <p:txBody>
+          <a:bodyPr rtlCol="0" anchor="ctr"/>
+          <a:lstStyle/>
+          <a:p>
+            <a:pPr algn="ctr"/>
+            <a:endParaRPr lang="ru-RU">
+              <a:solidFill>
+                <a:schemeClr val="accent2">
+                  <a:lumMod val="75000"/>
+                </a:schemeClr>
+              </a:solidFill>
+            </a:endParaRPr>
+          </a:p>
+        </p:txBody>
+      </p:sp>
+      <p:sp>
+        <p:nvSpPr>
+          <p:cNvPr id="48" name="Овал 47"/>
+          <p:cNvSpPr/>
+          <p:nvPr/>
+        </p:nvSpPr>
+        <p:spPr>
+          <a:xfrm>
+            <a:off x="1763688" y="5517232"/>
+            <a:ext cx="720080" cy="720080"/>
+          </a:xfrm>
+          <a:prstGeom prst="ellipse">
+            <a:avLst/>
+          </a:prstGeom>
+          <a:solidFill>
+            <a:schemeClr val="bg1"/>
+          </a:solidFill>
+          <a:ln>
+            <a:solidFill>
+              <a:srgbClr val="7030A0"/>
+            </a:solidFill>
+          </a:ln>
+        </p:spPr>
+        <p:style>
+          <a:lnRef idx="2">
+            <a:schemeClr val="accent1">
+              <a:shade val="50000"/>
+            </a:schemeClr>
+          </a:lnRef>
+          <a:fillRef idx="1">
+            <a:schemeClr val="accent1"/>
+          </a:fillRef>
+          <a:effectRef idx="0">
+            <a:schemeClr val="accent1"/>
+          </a:effectRef>
+          <a:fontRef idx="minor">
+            <a:schemeClr val="lt1"/>
+          </a:fontRef>
+        </p:style>
+        <p:txBody>
+          <a:bodyPr rtlCol="0" anchor="ctr"/>
+          <a:lstStyle/>
+          <a:p>
+            <a:pPr algn="ctr"/>
+            <a:endParaRPr lang="ru-RU">
+              <a:solidFill>
+                <a:schemeClr val="accent2">
+                  <a:lumMod val="75000"/>
+                </a:schemeClr>
+              </a:solidFill>
+            </a:endParaRPr>
+          </a:p>
+        </p:txBody>
+      </p:sp>
+      <p:sp>
+        <p:nvSpPr>
+          <p:cNvPr id="15" name="Заголовок 1"/>
           <p:cNvSpPr txBox="1">
             <a:spLocks/>
           </p:cNvSpPr>
@@ -42082,8 +42299,8 @@
         </p:nvSpPr>
         <p:spPr>
           <a:xfrm>
-            <a:off x="838200" y="1268761"/>
-            <a:ext cx="7772400" cy="3384375"/>
+            <a:off x="0" y="0"/>
+            <a:ext cx="9144000" cy="1080120"/>
           </a:xfrm>
           <a:prstGeom prst="rect">
             <a:avLst/>
@@ -42095,98 +42312,93 @@
           </a:bodyPr>
           <a:lstStyle/>
           <a:p>
-            <a:r>
-              <a:rPr lang="ru-RU" sz="2000" b="1" dirty="0" smtClean="0"/>
-              <a:t>Теорема</a:t>
-            </a:r>
-            <a:r>
-              <a:rPr lang="ru-RU" sz="2000" dirty="0" smtClean="0"/>
-              <a:t>: Пусть </a:t>
-            </a:r>
-            <a:r>
-              <a:rPr lang="en-US" sz="2000" dirty="0" smtClean="0"/>
-              <a:t>G(V,E) – </a:t>
-            </a:r>
-            <a:r>
-              <a:rPr lang="ru-RU" sz="2000" dirty="0" smtClean="0"/>
-              <a:t>связный не ориентированный граф, тогда следующие условия равносильны:</a:t>
-            </a:r>
-          </a:p>
-          <a:p>
-            <a:endParaRPr lang="ru-RU" sz="2000" dirty="0" smtClean="0"/>
-          </a:p>
-          <a:p>
-            <a:pPr marL="457200" indent="-457200">
-              <a:buAutoNum type="arabicPeriod"/>
+            <a:pPr marL="514350" lvl="0" indent="-514350" algn="ctr">
+              <a:spcBef>
+                <a:spcPct val="0"/>
+              </a:spcBef>
             </a:pPr>
             <a:r>
-              <a:rPr lang="en-US" sz="2000" dirty="0" smtClean="0"/>
-              <a:t>G – </a:t>
-            </a:r>
-            <a:r>
-              <a:rPr lang="ru-RU" sz="2000" dirty="0" err="1" smtClean="0"/>
-              <a:t>эйлеров</a:t>
-            </a:r>
-            <a:r>
-              <a:rPr lang="en-US" sz="2000" dirty="0" smtClean="0"/>
-              <a:t> </a:t>
-            </a:r>
-            <a:r>
-              <a:rPr lang="ru-RU" sz="2000" dirty="0" smtClean="0"/>
-              <a:t>граф (</a:t>
-            </a:r>
-            <a:r>
-              <a:rPr lang="ru-RU" sz="2000" dirty="0" err="1" smtClean="0"/>
-              <a:t>граф</a:t>
-            </a:r>
-            <a:r>
-              <a:rPr lang="ru-RU" sz="2000" dirty="0" smtClean="0"/>
-              <a:t>, имеющий </a:t>
-            </a:r>
-            <a:r>
-              <a:rPr lang="ru-RU" sz="2000" dirty="0" err="1" smtClean="0"/>
-              <a:t>эйлеров</a:t>
-            </a:r>
-            <a:r>
-              <a:rPr lang="ru-RU" sz="2000" dirty="0" smtClean="0"/>
-              <a:t> цикл)</a:t>
-            </a:r>
-          </a:p>
-          <a:p>
-            <a:pPr marL="457200" indent="-457200">
-              <a:buAutoNum type="arabicPeriod"/>
-            </a:pPr>
-            <a:endParaRPr lang="ru-RU" sz="2000" b="1" dirty="0" smtClean="0"/>
-          </a:p>
-          <a:p>
-            <a:pPr marL="457200" indent="-457200">
-              <a:buAutoNum type="arabicPeriod"/>
-            </a:pPr>
-            <a:r>
-              <a:rPr lang="ru-RU" sz="2000" dirty="0" smtClean="0"/>
-              <a:t>Степени всех вершин четны</a:t>
-            </a:r>
-          </a:p>
-          <a:p>
-            <a:pPr marL="457200" indent="-457200">
-              <a:buAutoNum type="arabicPeriod"/>
-            </a:pPr>
-            <a:endParaRPr lang="ru-RU" sz="2000" b="1" dirty="0" smtClean="0"/>
-          </a:p>
-          <a:p>
-            <a:pPr marL="457200" indent="-457200">
-              <a:buAutoNum type="arabicPeriod"/>
-            </a:pPr>
-            <a:r>
-              <a:rPr lang="ru-RU" sz="2000" dirty="0" smtClean="0"/>
-              <a:t>Множество ребер разбивается на непересекающиеся простые циклы</a:t>
-            </a:r>
-          </a:p>
-        </p:txBody>
-      </p:sp>
-      <p:sp>
-        <p:nvSpPr>
-          <p:cNvPr id="9" name="Заголовок 1"/>
+              <a:rPr lang="ru-RU" sz="2800" dirty="0" err="1" smtClean="0"/>
+              <a:t>Эйлеров</a:t>
+            </a:r>
+            <a:r>
+              <a:rPr lang="ru-RU" sz="2800" dirty="0" smtClean="0"/>
+              <a:t> цикл</a:t>
+            </a:r>
+          </a:p>
+        </p:txBody>
+      </p:sp>
+      <p:cxnSp>
+        <p:nvCxnSpPr>
+          <p:cNvPr id="16" name="Прямая со стрелкой 15"/>
+          <p:cNvCxnSpPr/>
+          <p:nvPr/>
+        </p:nvCxnSpPr>
+        <p:spPr>
+          <a:xfrm flipH="1">
+            <a:off x="1547664" y="2060848"/>
+            <a:ext cx="792088" cy="288032"/>
+          </a:xfrm>
+          <a:prstGeom prst="straightConnector1">
+            <a:avLst/>
+          </a:prstGeom>
+          <a:ln w="38100">
+            <a:headEnd type="none" w="med" len="med"/>
+            <a:tailEnd type="none" w="med" len="med"/>
+          </a:ln>
+        </p:spPr>
+        <p:style>
+          <a:lnRef idx="1">
+            <a:schemeClr val="accent1"/>
+          </a:lnRef>
+          <a:fillRef idx="0">
+            <a:schemeClr val="accent1"/>
+          </a:fillRef>
+          <a:effectRef idx="0">
+            <a:schemeClr val="accent1"/>
+          </a:effectRef>
+          <a:fontRef idx="minor">
+            <a:schemeClr val="tx1"/>
+          </a:fontRef>
+        </p:style>
+      </p:cxnSp>
+      <p:cxnSp>
+        <p:nvCxnSpPr>
+          <p:cNvPr id="22" name="Прямая со стрелкой 21"/>
+          <p:cNvCxnSpPr/>
+          <p:nvPr/>
+        </p:nvCxnSpPr>
+        <p:spPr>
+          <a:xfrm>
+            <a:off x="1259632" y="4797152"/>
+            <a:ext cx="504056" cy="720080"/>
+          </a:xfrm>
+          <a:prstGeom prst="straightConnector1">
+            <a:avLst/>
+          </a:prstGeom>
+          <a:ln w="38100">
+            <a:headEnd type="none" w="med" len="med"/>
+            <a:tailEnd type="none" w="med" len="med"/>
+          </a:ln>
+        </p:spPr>
+        <p:style>
+          <a:lnRef idx="1">
+            <a:schemeClr val="accent1"/>
+          </a:lnRef>
+          <a:fillRef idx="0">
+            <a:schemeClr val="accent1"/>
+          </a:fillRef>
+          <a:effectRef idx="0">
+            <a:schemeClr val="accent1"/>
+          </a:effectRef>
+          <a:fontRef idx="minor">
+            <a:schemeClr val="tx1"/>
+          </a:fontRef>
+        </p:style>
+      </p:cxnSp>
+      <p:sp>
+        <p:nvSpPr>
+          <p:cNvPr id="27" name="Заголовок 1"/>
           <p:cNvSpPr txBox="1">
             <a:spLocks/>
           </p:cNvSpPr>
@@ -42194,8 +42406,8 @@
         </p:nvSpPr>
         <p:spPr>
           <a:xfrm>
-            <a:off x="685800" y="476672"/>
-            <a:ext cx="7772400" cy="936104"/>
+            <a:off x="973832" y="2060849"/>
+            <a:ext cx="357808" cy="576063"/>
           </a:xfrm>
           <a:prstGeom prst="rect">
             <a:avLst/>
@@ -42207,12 +42419,560 @@
           </a:bodyPr>
           <a:lstStyle/>
           <a:p>
-            <a:pPr marL="514350" indent="-514350">
+            <a:pPr marL="514350" lvl="0" indent="-514350" algn="ctr">
               <a:spcBef>
                 <a:spcPct val="0"/>
               </a:spcBef>
-              <a:buFont typeface="+mj-lt"/>
-              <a:buAutoNum type="arabicPeriod"/>
+            </a:pPr>
+            <a:r>
+              <a:rPr lang="ru-RU" sz="2800" dirty="0" smtClean="0"/>
+              <a:t>1</a:t>
+            </a:r>
+            <a:endParaRPr lang="ru-RU" sz="2800" b="1" dirty="0" smtClean="0"/>
+          </a:p>
+        </p:txBody>
+      </p:sp>
+      <p:sp>
+        <p:nvSpPr>
+          <p:cNvPr id="28" name="Заголовок 1"/>
+          <p:cNvSpPr txBox="1">
+            <a:spLocks/>
+          </p:cNvSpPr>
+          <p:nvPr/>
+        </p:nvSpPr>
+        <p:spPr>
+          <a:xfrm>
+            <a:off x="2630016" y="1700808"/>
+            <a:ext cx="357808" cy="576063"/>
+          </a:xfrm>
+          <a:prstGeom prst="rect">
+            <a:avLst/>
+          </a:prstGeom>
+        </p:spPr>
+        <p:txBody>
+          <a:bodyPr vert="horz" lIns="91440" tIns="45720" rIns="91440" bIns="45720" rtlCol="0" anchor="ctr">
+            <a:normAutofit/>
+          </a:bodyPr>
+          <a:lstStyle/>
+          <a:p>
+            <a:pPr marL="514350" lvl="0" indent="-514350" algn="ctr">
+              <a:spcBef>
+                <a:spcPct val="0"/>
+              </a:spcBef>
+            </a:pPr>
+            <a:r>
+              <a:rPr lang="ru-RU" sz="2800" dirty="0" smtClean="0"/>
+              <a:t>2</a:t>
+            </a:r>
+            <a:endParaRPr lang="ru-RU" sz="2800" b="1" dirty="0" smtClean="0"/>
+          </a:p>
+        </p:txBody>
+      </p:sp>
+      <p:sp>
+        <p:nvSpPr>
+          <p:cNvPr id="29" name="Заголовок 1"/>
+          <p:cNvSpPr txBox="1">
+            <a:spLocks/>
+          </p:cNvSpPr>
+          <p:nvPr/>
+        </p:nvSpPr>
+        <p:spPr>
+          <a:xfrm>
+            <a:off x="755576" y="4221089"/>
+            <a:ext cx="357808" cy="576063"/>
+          </a:xfrm>
+          <a:prstGeom prst="rect">
+            <a:avLst/>
+          </a:prstGeom>
+        </p:spPr>
+        <p:txBody>
+          <a:bodyPr vert="horz" lIns="91440" tIns="45720" rIns="91440" bIns="45720" rtlCol="0" anchor="ctr">
+            <a:normAutofit/>
+          </a:bodyPr>
+          <a:lstStyle/>
+          <a:p>
+            <a:pPr marL="514350" lvl="0" indent="-514350" algn="ctr">
+              <a:spcBef>
+                <a:spcPct val="0"/>
+              </a:spcBef>
+            </a:pPr>
+            <a:r>
+              <a:rPr lang="ru-RU" sz="2800" dirty="0" smtClean="0"/>
+              <a:t>3</a:t>
+            </a:r>
+            <a:endParaRPr lang="ru-RU" sz="2800" b="1" dirty="0" smtClean="0"/>
+          </a:p>
+        </p:txBody>
+      </p:sp>
+      <p:sp>
+        <p:nvSpPr>
+          <p:cNvPr id="31" name="Заголовок 1"/>
+          <p:cNvSpPr txBox="1">
+            <a:spLocks/>
+          </p:cNvSpPr>
+          <p:nvPr/>
+        </p:nvSpPr>
+        <p:spPr>
+          <a:xfrm>
+            <a:off x="1907704" y="5589240"/>
+            <a:ext cx="357808" cy="576063"/>
+          </a:xfrm>
+          <a:prstGeom prst="rect">
+            <a:avLst/>
+          </a:prstGeom>
+        </p:spPr>
+        <p:txBody>
+          <a:bodyPr vert="horz" lIns="91440" tIns="45720" rIns="91440" bIns="45720" rtlCol="0" anchor="ctr">
+            <a:normAutofit/>
+          </a:bodyPr>
+          <a:lstStyle/>
+          <a:p>
+            <a:pPr marL="514350" lvl="0" indent="-514350" algn="ctr">
+              <a:spcBef>
+                <a:spcPct val="0"/>
+              </a:spcBef>
+            </a:pPr>
+            <a:r>
+              <a:rPr lang="ru-RU" sz="2800" dirty="0" smtClean="0"/>
+              <a:t>5</a:t>
+            </a:r>
+            <a:endParaRPr lang="ru-RU" sz="2800" b="1" dirty="0" smtClean="0"/>
+          </a:p>
+        </p:txBody>
+      </p:sp>
+      <p:sp>
+        <p:nvSpPr>
+          <p:cNvPr id="25" name="Овал 24"/>
+          <p:cNvSpPr/>
+          <p:nvPr/>
+        </p:nvSpPr>
+        <p:spPr>
+          <a:xfrm>
+            <a:off x="4427984" y="3284984"/>
+            <a:ext cx="720080" cy="720080"/>
+          </a:xfrm>
+          <a:prstGeom prst="ellipse">
+            <a:avLst/>
+          </a:prstGeom>
+          <a:solidFill>
+            <a:schemeClr val="bg1"/>
+          </a:solidFill>
+          <a:ln>
+            <a:solidFill>
+              <a:srgbClr val="7030A0"/>
+            </a:solidFill>
+          </a:ln>
+        </p:spPr>
+        <p:style>
+          <a:lnRef idx="2">
+            <a:schemeClr val="accent1">
+              <a:shade val="50000"/>
+            </a:schemeClr>
+          </a:lnRef>
+          <a:fillRef idx="1">
+            <a:schemeClr val="accent1"/>
+          </a:fillRef>
+          <a:effectRef idx="0">
+            <a:schemeClr val="accent1"/>
+          </a:effectRef>
+          <a:fontRef idx="minor">
+            <a:schemeClr val="lt1"/>
+          </a:fontRef>
+        </p:style>
+        <p:txBody>
+          <a:bodyPr rtlCol="0" anchor="ctr"/>
+          <a:lstStyle/>
+          <a:p>
+            <a:pPr algn="ctr"/>
+            <a:endParaRPr lang="ru-RU">
+              <a:solidFill>
+                <a:schemeClr val="accent2">
+                  <a:lumMod val="75000"/>
+                </a:schemeClr>
+              </a:solidFill>
+            </a:endParaRPr>
+          </a:p>
+        </p:txBody>
+      </p:sp>
+      <p:sp>
+        <p:nvSpPr>
+          <p:cNvPr id="32" name="Овал 31"/>
+          <p:cNvSpPr/>
+          <p:nvPr/>
+        </p:nvSpPr>
+        <p:spPr>
+          <a:xfrm>
+            <a:off x="3707904" y="5517232"/>
+            <a:ext cx="720080" cy="720080"/>
+          </a:xfrm>
+          <a:prstGeom prst="ellipse">
+            <a:avLst/>
+          </a:prstGeom>
+          <a:solidFill>
+            <a:schemeClr val="bg1"/>
+          </a:solidFill>
+          <a:ln>
+            <a:solidFill>
+              <a:srgbClr val="7030A0"/>
+            </a:solidFill>
+          </a:ln>
+        </p:spPr>
+        <p:style>
+          <a:lnRef idx="2">
+            <a:schemeClr val="accent1">
+              <a:shade val="50000"/>
+            </a:schemeClr>
+          </a:lnRef>
+          <a:fillRef idx="1">
+            <a:schemeClr val="accent1"/>
+          </a:fillRef>
+          <a:effectRef idx="0">
+            <a:schemeClr val="accent1"/>
+          </a:effectRef>
+          <a:fontRef idx="minor">
+            <a:schemeClr val="lt1"/>
+          </a:fontRef>
+        </p:style>
+        <p:txBody>
+          <a:bodyPr rtlCol="0" anchor="ctr"/>
+          <a:lstStyle/>
+          <a:p>
+            <a:pPr algn="ctr"/>
+            <a:endParaRPr lang="ru-RU">
+              <a:solidFill>
+                <a:schemeClr val="accent2">
+                  <a:lumMod val="75000"/>
+                </a:schemeClr>
+              </a:solidFill>
+            </a:endParaRPr>
+          </a:p>
+        </p:txBody>
+      </p:sp>
+      <p:sp>
+        <p:nvSpPr>
+          <p:cNvPr id="36" name="Заголовок 1"/>
+          <p:cNvSpPr txBox="1">
+            <a:spLocks/>
+          </p:cNvSpPr>
+          <p:nvPr/>
+        </p:nvSpPr>
+        <p:spPr>
+          <a:xfrm>
+            <a:off x="4572000" y="3356992"/>
+            <a:ext cx="357808" cy="576063"/>
+          </a:xfrm>
+          <a:prstGeom prst="rect">
+            <a:avLst/>
+          </a:prstGeom>
+        </p:spPr>
+        <p:txBody>
+          <a:bodyPr vert="horz" lIns="91440" tIns="45720" rIns="91440" bIns="45720" rtlCol="0" anchor="ctr">
+            <a:normAutofit/>
+          </a:bodyPr>
+          <a:lstStyle/>
+          <a:p>
+            <a:pPr marL="514350" lvl="0" indent="-514350" algn="ctr">
+              <a:spcBef>
+                <a:spcPct val="0"/>
+              </a:spcBef>
+            </a:pPr>
+            <a:r>
+              <a:rPr lang="ru-RU" sz="2800" dirty="0" smtClean="0"/>
+              <a:t>6</a:t>
+            </a:r>
+            <a:endParaRPr lang="ru-RU" sz="2800" b="1" dirty="0" smtClean="0"/>
+          </a:p>
+        </p:txBody>
+      </p:sp>
+      <p:sp>
+        <p:nvSpPr>
+          <p:cNvPr id="37" name="Заголовок 1"/>
+          <p:cNvSpPr txBox="1">
+            <a:spLocks/>
+          </p:cNvSpPr>
+          <p:nvPr/>
+        </p:nvSpPr>
+        <p:spPr>
+          <a:xfrm>
+            <a:off x="3851920" y="5589240"/>
+            <a:ext cx="357808" cy="576063"/>
+          </a:xfrm>
+          <a:prstGeom prst="rect">
+            <a:avLst/>
+          </a:prstGeom>
+        </p:spPr>
+        <p:txBody>
+          <a:bodyPr vert="horz" lIns="91440" tIns="45720" rIns="91440" bIns="45720" rtlCol="0" anchor="ctr">
+            <a:normAutofit/>
+          </a:bodyPr>
+          <a:lstStyle/>
+          <a:p>
+            <a:pPr marL="514350" lvl="0" indent="-514350" algn="ctr">
+              <a:spcBef>
+                <a:spcPct val="0"/>
+              </a:spcBef>
+            </a:pPr>
+            <a:r>
+              <a:rPr lang="ru-RU" sz="2800" dirty="0" smtClean="0"/>
+              <a:t>7</a:t>
+            </a:r>
+            <a:endParaRPr lang="ru-RU" sz="2800" b="1" dirty="0" smtClean="0"/>
+          </a:p>
+        </p:txBody>
+      </p:sp>
+      <p:cxnSp>
+        <p:nvCxnSpPr>
+          <p:cNvPr id="44" name="Прямая со стрелкой 43"/>
+          <p:cNvCxnSpPr/>
+          <p:nvPr/>
+        </p:nvCxnSpPr>
+        <p:spPr>
+          <a:xfrm flipH="1">
+            <a:off x="971600" y="2852936"/>
+            <a:ext cx="72008" cy="1080120"/>
+          </a:xfrm>
+          <a:prstGeom prst="straightConnector1">
+            <a:avLst/>
+          </a:prstGeom>
+          <a:ln w="38100">
+            <a:headEnd type="none" w="med" len="med"/>
+            <a:tailEnd type="none" w="med" len="med"/>
+          </a:ln>
+        </p:spPr>
+        <p:style>
+          <a:lnRef idx="1">
+            <a:schemeClr val="accent1"/>
+          </a:lnRef>
+          <a:fillRef idx="0">
+            <a:schemeClr val="accent1"/>
+          </a:fillRef>
+          <a:effectRef idx="0">
+            <a:schemeClr val="accent1"/>
+          </a:effectRef>
+          <a:fontRef idx="minor">
+            <a:schemeClr val="tx1"/>
+          </a:fontRef>
+        </p:style>
+      </p:cxnSp>
+      <p:cxnSp>
+        <p:nvCxnSpPr>
+          <p:cNvPr id="55" name="Прямая со стрелкой 54"/>
+          <p:cNvCxnSpPr/>
+          <p:nvPr/>
+        </p:nvCxnSpPr>
+        <p:spPr>
+          <a:xfrm flipH="1">
+            <a:off x="2699792" y="5733256"/>
+            <a:ext cx="792088" cy="72008"/>
+          </a:xfrm>
+          <a:prstGeom prst="straightConnector1">
+            <a:avLst/>
+          </a:prstGeom>
+          <a:ln w="38100">
+            <a:headEnd type="none" w="med" len="med"/>
+            <a:tailEnd type="none" w="med" len="med"/>
+          </a:ln>
+        </p:spPr>
+        <p:style>
+          <a:lnRef idx="1">
+            <a:schemeClr val="accent1"/>
+          </a:lnRef>
+          <a:fillRef idx="0">
+            <a:schemeClr val="accent1"/>
+          </a:fillRef>
+          <a:effectRef idx="0">
+            <a:schemeClr val="accent1"/>
+          </a:effectRef>
+          <a:fontRef idx="minor">
+            <a:schemeClr val="tx1"/>
+          </a:fontRef>
+        </p:style>
+      </p:cxnSp>
+      <p:sp>
+        <p:nvSpPr>
+          <p:cNvPr id="34" name="Овал 33"/>
+          <p:cNvSpPr/>
+          <p:nvPr/>
+        </p:nvSpPr>
+        <p:spPr>
+          <a:xfrm>
+            <a:off x="5508104" y="1700808"/>
+            <a:ext cx="720080" cy="720080"/>
+          </a:xfrm>
+          <a:prstGeom prst="ellipse">
+            <a:avLst/>
+          </a:prstGeom>
+          <a:solidFill>
+            <a:schemeClr val="bg1"/>
+          </a:solidFill>
+          <a:ln>
+            <a:solidFill>
+              <a:srgbClr val="7030A0"/>
+            </a:solidFill>
+          </a:ln>
+        </p:spPr>
+        <p:style>
+          <a:lnRef idx="2">
+            <a:schemeClr val="accent1">
+              <a:shade val="50000"/>
+            </a:schemeClr>
+          </a:lnRef>
+          <a:fillRef idx="1">
+            <a:schemeClr val="accent1"/>
+          </a:fillRef>
+          <a:effectRef idx="0">
+            <a:schemeClr val="accent1"/>
+          </a:effectRef>
+          <a:fontRef idx="minor">
+            <a:schemeClr val="lt1"/>
+          </a:fontRef>
+        </p:style>
+        <p:txBody>
+          <a:bodyPr rtlCol="0" anchor="ctr"/>
+          <a:lstStyle/>
+          <a:p>
+            <a:pPr algn="ctr"/>
+            <a:endParaRPr lang="ru-RU">
+              <a:solidFill>
+                <a:schemeClr val="accent2">
+                  <a:lumMod val="75000"/>
+                </a:schemeClr>
+              </a:solidFill>
+            </a:endParaRPr>
+          </a:p>
+        </p:txBody>
+      </p:sp>
+      <p:sp>
+        <p:nvSpPr>
+          <p:cNvPr id="35" name="Заголовок 1"/>
+          <p:cNvSpPr txBox="1">
+            <a:spLocks/>
+          </p:cNvSpPr>
+          <p:nvPr/>
+        </p:nvSpPr>
+        <p:spPr>
+          <a:xfrm>
+            <a:off x="5652120" y="1772816"/>
+            <a:ext cx="357808" cy="576063"/>
+          </a:xfrm>
+          <a:prstGeom prst="rect">
+            <a:avLst/>
+          </a:prstGeom>
+        </p:spPr>
+        <p:txBody>
+          <a:bodyPr vert="horz" lIns="91440" tIns="45720" rIns="91440" bIns="45720" rtlCol="0" anchor="ctr">
+            <a:normAutofit/>
+          </a:bodyPr>
+          <a:lstStyle/>
+          <a:p>
+            <a:pPr marL="514350" lvl="0" indent="-514350" algn="ctr">
+              <a:spcBef>
+                <a:spcPct val="0"/>
+              </a:spcBef>
+            </a:pPr>
+            <a:r>
+              <a:rPr lang="ru-RU" sz="2800" dirty="0" smtClean="0"/>
+              <a:t>8</a:t>
+            </a:r>
+            <a:endParaRPr lang="ru-RU" sz="2800" b="1" dirty="0" smtClean="0"/>
+          </a:p>
+        </p:txBody>
+      </p:sp>
+      <p:cxnSp>
+        <p:nvCxnSpPr>
+          <p:cNvPr id="40" name="Прямая со стрелкой 39"/>
+          <p:cNvCxnSpPr/>
+          <p:nvPr/>
+        </p:nvCxnSpPr>
+        <p:spPr>
+          <a:xfrm>
+            <a:off x="3275856" y="1916832"/>
+            <a:ext cx="2160240" cy="72008"/>
+          </a:xfrm>
+          <a:prstGeom prst="straightConnector1">
+            <a:avLst/>
+          </a:prstGeom>
+          <a:ln w="38100">
+            <a:headEnd type="none" w="med" len="med"/>
+            <a:tailEnd type="none" w="med" len="med"/>
+          </a:ln>
+        </p:spPr>
+        <p:style>
+          <a:lnRef idx="1">
+            <a:schemeClr val="accent1"/>
+          </a:lnRef>
+          <a:fillRef idx="0">
+            <a:schemeClr val="accent1"/>
+          </a:fillRef>
+          <a:effectRef idx="0">
+            <a:schemeClr val="accent1"/>
+          </a:effectRef>
+          <a:fontRef idx="minor">
+            <a:schemeClr val="tx1"/>
+          </a:fontRef>
+        </p:style>
+      </p:cxnSp>
+      <p:cxnSp>
+        <p:nvCxnSpPr>
+          <p:cNvPr id="47" name="Прямая со стрелкой 46"/>
+          <p:cNvCxnSpPr/>
+          <p:nvPr/>
+        </p:nvCxnSpPr>
+        <p:spPr>
+          <a:xfrm flipV="1">
+            <a:off x="5076056" y="2420888"/>
+            <a:ext cx="360040" cy="720080"/>
+          </a:xfrm>
+          <a:prstGeom prst="straightConnector1">
+            <a:avLst/>
+          </a:prstGeom>
+          <a:ln w="38100">
+            <a:headEnd type="none" w="med" len="med"/>
+            <a:tailEnd type="none" w="med" len="med"/>
+          </a:ln>
+        </p:spPr>
+        <p:style>
+          <a:lnRef idx="1">
+            <a:schemeClr val="accent1"/>
+          </a:lnRef>
+          <a:fillRef idx="0">
+            <a:schemeClr val="accent1"/>
+          </a:fillRef>
+          <a:effectRef idx="0">
+            <a:schemeClr val="accent1"/>
+          </a:effectRef>
+          <a:fontRef idx="minor">
+            <a:schemeClr val="tx1"/>
+          </a:fontRef>
+        </p:style>
+      </p:cxnSp>
+      <p:sp>
+        <p:nvSpPr>
+          <p:cNvPr id="51" name="Заголовок 1"/>
+          <p:cNvSpPr txBox="1">
+            <a:spLocks/>
+          </p:cNvSpPr>
+          <p:nvPr/>
+        </p:nvSpPr>
+        <p:spPr>
+          <a:xfrm>
+            <a:off x="3843536" y="4293096"/>
+            <a:ext cx="5300464" cy="1080120"/>
+          </a:xfrm>
+          <a:prstGeom prst="rect">
+            <a:avLst/>
+          </a:prstGeom>
+        </p:spPr>
+        <p:txBody>
+          <a:bodyPr vert="horz" lIns="91440" tIns="45720" rIns="91440" bIns="45720" rtlCol="0" anchor="ctr">
+            <a:normAutofit/>
+          </a:bodyPr>
+          <a:lstStyle/>
+          <a:p>
+            <a:pPr marL="514350" lvl="0" indent="-514350" algn="ctr">
+              <a:spcBef>
+                <a:spcPct val="0"/>
+              </a:spcBef>
             </a:pPr>
             <a:r>
               <a:rPr lang="ru-RU" sz="2800" dirty="0" err="1" smtClean="0"/>
@@ -42220,11 +42980,45 @@
             </a:r>
             <a:r>
               <a:rPr lang="ru-RU" sz="2800" dirty="0" smtClean="0"/>
-              <a:t> цикл.</a:t>
-            </a:r>
-          </a:p>
-        </p:txBody>
-      </p:sp>
+              <a:t> цикл –  это простой цикл содержащий все ребра</a:t>
+            </a:r>
+          </a:p>
+        </p:txBody>
+      </p:sp>
+      <p:cxnSp>
+        <p:nvCxnSpPr>
+          <p:cNvPr id="33" name="Прямая со стрелкой 32"/>
+          <p:cNvCxnSpPr/>
+          <p:nvPr/>
+        </p:nvCxnSpPr>
+        <p:spPr>
+          <a:xfrm flipH="1">
+            <a:off x="3923928" y="4005064"/>
+            <a:ext cx="576064" cy="1368152"/>
+          </a:xfrm>
+          <a:prstGeom prst="straightConnector1">
+            <a:avLst/>
+          </a:prstGeom>
+          <a:ln w="38100">
+            <a:headEnd type="none" w="med" len="med"/>
+            <a:tailEnd type="none" w="med" len="med"/>
+          </a:ln>
+        </p:spPr>
+        <p:style>
+          <a:lnRef idx="1">
+            <a:schemeClr val="accent1"/>
+          </a:lnRef>
+          <a:fillRef idx="0">
+            <a:schemeClr val="accent1"/>
+          </a:fillRef>
+          <a:effectRef idx="0">
+            <a:schemeClr val="accent1"/>
+          </a:effectRef>
+          <a:fontRef idx="minor">
+            <a:schemeClr val="tx1"/>
+          </a:fontRef>
+        </p:style>
+      </p:cxnSp>
     </p:spTree>
   </p:cSld>
   <p:clrMapOvr>
@@ -42259,6 +43053,118 @@
       </p:grpSpPr>
       <p:sp>
         <p:nvSpPr>
+          <p:cNvPr id="6" name="Заголовок 1"/>
+          <p:cNvSpPr txBox="1">
+            <a:spLocks/>
+          </p:cNvSpPr>
+          <p:nvPr/>
+        </p:nvSpPr>
+        <p:spPr>
+          <a:xfrm>
+            <a:off x="838200" y="1268761"/>
+            <a:ext cx="7772400" cy="3384375"/>
+          </a:xfrm>
+          <a:prstGeom prst="rect">
+            <a:avLst/>
+          </a:prstGeom>
+        </p:spPr>
+        <p:txBody>
+          <a:bodyPr vert="horz" lIns="91440" tIns="45720" rIns="91440" bIns="45720" rtlCol="0" anchor="ctr">
+            <a:normAutofit/>
+          </a:bodyPr>
+          <a:lstStyle/>
+          <a:p>
+            <a:r>
+              <a:rPr lang="ru-RU" sz="2000" b="1" dirty="0" smtClean="0"/>
+              <a:t>Теорема</a:t>
+            </a:r>
+            <a:r>
+              <a:rPr lang="ru-RU" sz="2000" dirty="0" smtClean="0"/>
+              <a:t>: Пусть </a:t>
+            </a:r>
+            <a:r>
+              <a:rPr lang="en-US" sz="2000" dirty="0" smtClean="0"/>
+              <a:t>G(V,E) – </a:t>
+            </a:r>
+            <a:r>
+              <a:rPr lang="ru-RU" sz="2000" dirty="0" smtClean="0"/>
+              <a:t>связный не ориентированный граф, тогда следующие условия равносильны:</a:t>
+            </a:r>
+          </a:p>
+          <a:p>
+            <a:endParaRPr lang="ru-RU" sz="2000" dirty="0" smtClean="0"/>
+          </a:p>
+          <a:p>
+            <a:pPr marL="457200" indent="-457200">
+              <a:buAutoNum type="arabicPeriod"/>
+            </a:pPr>
+            <a:r>
+              <a:rPr lang="en-US" sz="2000" dirty="0" smtClean="0"/>
+              <a:t>G – </a:t>
+            </a:r>
+            <a:r>
+              <a:rPr lang="ru-RU" sz="2000" dirty="0" err="1" smtClean="0"/>
+              <a:t>эйлеров</a:t>
+            </a:r>
+            <a:r>
+              <a:rPr lang="en-US" sz="2000" dirty="0" smtClean="0"/>
+              <a:t> </a:t>
+            </a:r>
+            <a:r>
+              <a:rPr lang="ru-RU" sz="2000" dirty="0" smtClean="0"/>
+              <a:t>граф (</a:t>
+            </a:r>
+            <a:r>
+              <a:rPr lang="ru-RU" sz="2000" dirty="0" err="1" smtClean="0"/>
+              <a:t>граф</a:t>
+            </a:r>
+            <a:r>
+              <a:rPr lang="ru-RU" sz="2000" dirty="0" smtClean="0"/>
+              <a:t>, имеющий </a:t>
+            </a:r>
+            <a:r>
+              <a:rPr lang="ru-RU" sz="2000" dirty="0" err="1" smtClean="0"/>
+              <a:t>эйлеров</a:t>
+            </a:r>
+            <a:r>
+              <a:rPr lang="ru-RU" sz="2000" dirty="0" smtClean="0"/>
+              <a:t> цикл)</a:t>
+            </a:r>
+          </a:p>
+          <a:p>
+            <a:pPr marL="457200" indent="-457200">
+              <a:buAutoNum type="arabicPeriod"/>
+            </a:pPr>
+            <a:endParaRPr lang="ru-RU" sz="2000" b="1" dirty="0" smtClean="0"/>
+          </a:p>
+          <a:p>
+            <a:pPr marL="457200" indent="-457200">
+              <a:buAutoNum type="arabicPeriod"/>
+            </a:pPr>
+            <a:r>
+              <a:rPr lang="ru-RU" sz="2000" dirty="0" smtClean="0"/>
+              <a:t>Степени всех вершин четны</a:t>
+            </a:r>
+          </a:p>
+          <a:p>
+            <a:pPr marL="457200" indent="-457200">
+              <a:buAutoNum type="arabicPeriod"/>
+            </a:pPr>
+            <a:endParaRPr lang="ru-RU" sz="2000" b="1" dirty="0" smtClean="0"/>
+          </a:p>
+          <a:p>
+            <a:pPr marL="457200" indent="-457200">
+              <a:buAutoNum type="arabicPeriod"/>
+            </a:pPr>
+            <a:r>
+              <a:rPr lang="ru-RU" sz="2000" dirty="0" smtClean="0"/>
+              <a:t>Множество ребер разбивается на непересекающиеся простые циклы</a:t>
+            </a:r>
+          </a:p>
+        </p:txBody>
+      </p:sp>
+      <p:sp>
+        <p:nvSpPr>
           <p:cNvPr id="9" name="Заголовок 1"/>
           <p:cNvSpPr txBox="1">
             <a:spLocks/>
@@ -42267,8 +43173,8 @@
         </p:nvSpPr>
         <p:spPr>
           <a:xfrm>
-            <a:off x="467544" y="1268760"/>
-            <a:ext cx="3022104" cy="936104"/>
+            <a:off x="685800" y="476672"/>
+            <a:ext cx="7772400" cy="936104"/>
           </a:xfrm>
           <a:prstGeom prst="rect">
             <a:avLst/>
@@ -42284,449 +43190,17 @@
               <a:spcBef>
                 <a:spcPct val="0"/>
               </a:spcBef>
+              <a:buFont typeface="+mj-lt"/>
+              <a:buAutoNum type="arabicPeriod"/>
             </a:pPr>
             <a:r>
-              <a:rPr lang="en-US" sz="2800" dirty="0" smtClean="0"/>
-              <a:t>G – </a:t>
-            </a:r>
-            <a:r>
               <a:rPr lang="ru-RU" sz="2800" dirty="0" err="1" smtClean="0"/>
-              <a:t>эйлеров</a:t>
-            </a:r>
-            <a:r>
-              <a:rPr lang="en-US" sz="2800" dirty="0" smtClean="0"/>
-              <a:t> </a:t>
+              <a:t>Эйлеров</a:t>
             </a:r>
             <a:r>
               <a:rPr lang="ru-RU" sz="2800" dirty="0" smtClean="0"/>
-              <a:t>граф </a:t>
-            </a:r>
-          </a:p>
-        </p:txBody>
-      </p:sp>
-      <p:sp>
-        <p:nvSpPr>
-          <p:cNvPr id="4" name="Заголовок 1"/>
-          <p:cNvSpPr txBox="1">
-            <a:spLocks/>
-          </p:cNvSpPr>
-          <p:nvPr/>
-        </p:nvSpPr>
-        <p:spPr>
-          <a:xfrm>
-            <a:off x="4499992" y="1268760"/>
-            <a:ext cx="4536504" cy="936104"/>
-          </a:xfrm>
-          <a:prstGeom prst="rect">
-            <a:avLst/>
-          </a:prstGeom>
-        </p:spPr>
-        <p:txBody>
-          <a:bodyPr vert="horz" lIns="91440" tIns="45720" rIns="91440" bIns="45720" rtlCol="0" anchor="ctr">
-            <a:normAutofit/>
-          </a:bodyPr>
-          <a:lstStyle/>
-          <a:p>
-            <a:pPr marL="457200" indent="-457200"/>
-            <a:r>
-              <a:rPr lang="ru-RU" sz="2800" dirty="0" smtClean="0"/>
-              <a:t>Степени всех вершин четны</a:t>
-            </a:r>
-          </a:p>
-        </p:txBody>
-      </p:sp>
-      <p:sp>
-        <p:nvSpPr>
-          <p:cNvPr id="5" name="Стрелка вправо 4"/>
-          <p:cNvSpPr/>
-          <p:nvPr/>
-        </p:nvSpPr>
-        <p:spPr>
-          <a:xfrm>
-            <a:off x="3635896" y="1628800"/>
-            <a:ext cx="576064" cy="216024"/>
-          </a:xfrm>
-          <a:prstGeom prst="rightArrow">
-            <a:avLst/>
-          </a:prstGeom>
-        </p:spPr>
-        <p:style>
-          <a:lnRef idx="2">
-            <a:schemeClr val="accent1">
-              <a:shade val="50000"/>
-            </a:schemeClr>
-          </a:lnRef>
-          <a:fillRef idx="1">
-            <a:schemeClr val="accent1"/>
-          </a:fillRef>
-          <a:effectRef idx="0">
-            <a:schemeClr val="accent1"/>
-          </a:effectRef>
-          <a:fontRef idx="minor">
-            <a:schemeClr val="lt1"/>
-          </a:fontRef>
-        </p:style>
-        <p:txBody>
-          <a:bodyPr rtlCol="0" anchor="ctr"/>
-          <a:lstStyle/>
-          <a:p>
-            <a:pPr algn="ctr"/>
-            <a:endParaRPr lang="ru-RU"/>
-          </a:p>
-        </p:txBody>
-      </p:sp>
-      <p:sp>
-        <p:nvSpPr>
-          <p:cNvPr id="7" name="Заголовок 1"/>
-          <p:cNvSpPr txBox="1">
-            <a:spLocks/>
-          </p:cNvSpPr>
-          <p:nvPr/>
-        </p:nvSpPr>
-        <p:spPr>
-          <a:xfrm>
-            <a:off x="757808" y="2564904"/>
-            <a:ext cx="2590056" cy="936104"/>
-          </a:xfrm>
-          <a:prstGeom prst="rect">
-            <a:avLst/>
-          </a:prstGeom>
-        </p:spPr>
-        <p:txBody>
-          <a:bodyPr vert="horz" lIns="91440" tIns="45720" rIns="91440" bIns="45720" rtlCol="0" anchor="ctr">
-            <a:normAutofit/>
-          </a:bodyPr>
-          <a:lstStyle/>
-          <a:p>
-            <a:pPr marL="514350" indent="-514350">
-              <a:spcBef>
-                <a:spcPct val="0"/>
-              </a:spcBef>
-            </a:pPr>
-            <a:r>
-              <a:rPr lang="en-US" sz="2800" dirty="0" smtClean="0"/>
-              <a:t>Ǝ</a:t>
-            </a:r>
-            <a:r>
-              <a:rPr lang="ru-RU" sz="2800" dirty="0" smtClean="0"/>
-              <a:t>  </a:t>
-            </a:r>
-            <a:r>
-              <a:rPr lang="ru-RU" sz="2800" dirty="0" err="1" smtClean="0"/>
-              <a:t>эйлеров</a:t>
-            </a:r>
-            <a:r>
-              <a:rPr lang="en-US" sz="2800" dirty="0" smtClean="0"/>
-              <a:t> </a:t>
-            </a:r>
-            <a:r>
-              <a:rPr lang="ru-RU" sz="2800" dirty="0" smtClean="0"/>
-              <a:t>цикл</a:t>
-            </a:r>
-          </a:p>
-        </p:txBody>
-      </p:sp>
-      <p:sp>
-        <p:nvSpPr>
-          <p:cNvPr id="8" name="Стрелка вправо 7"/>
-          <p:cNvSpPr/>
-          <p:nvPr/>
-        </p:nvSpPr>
-        <p:spPr>
-          <a:xfrm rot="3712409">
-            <a:off x="1778704" y="2329780"/>
-            <a:ext cx="576064" cy="216024"/>
-          </a:xfrm>
-          <a:prstGeom prst="rightArrow">
-            <a:avLst/>
-          </a:prstGeom>
-        </p:spPr>
-        <p:style>
-          <a:lnRef idx="2">
-            <a:schemeClr val="accent1">
-              <a:shade val="50000"/>
-            </a:schemeClr>
-          </a:lnRef>
-          <a:fillRef idx="1">
-            <a:schemeClr val="accent1"/>
-          </a:fillRef>
-          <a:effectRef idx="0">
-            <a:schemeClr val="accent1"/>
-          </a:effectRef>
-          <a:fontRef idx="minor">
-            <a:schemeClr val="lt1"/>
-          </a:fontRef>
-        </p:style>
-        <p:txBody>
-          <a:bodyPr rtlCol="0" anchor="ctr"/>
-          <a:lstStyle/>
-          <a:p>
-            <a:pPr algn="ctr"/>
-            <a:endParaRPr lang="ru-RU"/>
-          </a:p>
-        </p:txBody>
-      </p:sp>
-      <p:sp>
-        <p:nvSpPr>
-          <p:cNvPr id="10" name="Стрелка вправо 9"/>
-          <p:cNvSpPr/>
-          <p:nvPr/>
-        </p:nvSpPr>
-        <p:spPr>
-          <a:xfrm rot="3712409">
-            <a:off x="1994729" y="3553917"/>
-            <a:ext cx="576064" cy="216024"/>
-          </a:xfrm>
-          <a:prstGeom prst="rightArrow">
-            <a:avLst/>
-          </a:prstGeom>
-        </p:spPr>
-        <p:style>
-          <a:lnRef idx="2">
-            <a:schemeClr val="accent1">
-              <a:shade val="50000"/>
-            </a:schemeClr>
-          </a:lnRef>
-          <a:fillRef idx="1">
-            <a:schemeClr val="accent1"/>
-          </a:fillRef>
-          <a:effectRef idx="0">
-            <a:schemeClr val="accent1"/>
-          </a:effectRef>
-          <a:fontRef idx="minor">
-            <a:schemeClr val="lt1"/>
-          </a:fontRef>
-        </p:style>
-        <p:txBody>
-          <a:bodyPr rtlCol="0" anchor="ctr"/>
-          <a:lstStyle/>
-          <a:p>
-            <a:pPr algn="ctr"/>
-            <a:endParaRPr lang="ru-RU"/>
-          </a:p>
-        </p:txBody>
-      </p:sp>
-      <p:sp>
-        <p:nvSpPr>
-          <p:cNvPr id="11" name="Заголовок 1"/>
-          <p:cNvSpPr txBox="1">
-            <a:spLocks/>
-          </p:cNvSpPr>
-          <p:nvPr/>
-        </p:nvSpPr>
-        <p:spPr>
-          <a:xfrm>
-            <a:off x="1187624" y="4221088"/>
-            <a:ext cx="7056784" cy="2304256"/>
-          </a:xfrm>
-          <a:prstGeom prst="rect">
-            <a:avLst/>
-          </a:prstGeom>
-        </p:spPr>
-        <p:txBody>
-          <a:bodyPr vert="horz" lIns="91440" tIns="45720" rIns="91440" bIns="45720" rtlCol="0" anchor="ctr">
-            <a:normAutofit/>
-          </a:bodyPr>
-          <a:lstStyle/>
-          <a:p>
-            <a:pPr>
-              <a:spcBef>
-                <a:spcPct val="0"/>
-              </a:spcBef>
-            </a:pPr>
-            <a:r>
-              <a:rPr lang="ru-RU" sz="2800" dirty="0" smtClean="0"/>
-              <a:t>Рассмотрим произвольную  вершину этого цикла. Двигаясь по циклу, в нее вошли столько же раз сколько и вышли из нее. Значит количество входящих и исходящих ребер одинаково.</a:t>
-            </a:r>
-          </a:p>
-        </p:txBody>
-      </p:sp>
-      <p:sp>
-        <p:nvSpPr>
-          <p:cNvPr id="12" name="Стрелка вправо 11"/>
-          <p:cNvSpPr/>
-          <p:nvPr/>
-        </p:nvSpPr>
-        <p:spPr>
-          <a:xfrm rot="18270303">
-            <a:off x="4841032" y="3222634"/>
-            <a:ext cx="1851069" cy="152120"/>
-          </a:xfrm>
-          <a:prstGeom prst="rightArrow">
-            <a:avLst/>
-          </a:prstGeom>
-        </p:spPr>
-        <p:style>
-          <a:lnRef idx="2">
-            <a:schemeClr val="accent1">
-              <a:shade val="50000"/>
-            </a:schemeClr>
-          </a:lnRef>
-          <a:fillRef idx="1">
-            <a:schemeClr val="accent1"/>
-          </a:fillRef>
-          <a:effectRef idx="0">
-            <a:schemeClr val="accent1"/>
-          </a:effectRef>
-          <a:fontRef idx="minor">
-            <a:schemeClr val="lt1"/>
-          </a:fontRef>
-        </p:style>
-        <p:txBody>
-          <a:bodyPr rtlCol="0" anchor="ctr"/>
-          <a:lstStyle/>
-          <a:p>
-            <a:pPr algn="ctr"/>
-            <a:endParaRPr lang="ru-RU"/>
-          </a:p>
-        </p:txBody>
-      </p:sp>
-      <p:sp>
-        <p:nvSpPr>
-          <p:cNvPr id="13" name="Заголовок 1"/>
-          <p:cNvSpPr txBox="1">
-            <a:spLocks/>
-          </p:cNvSpPr>
-          <p:nvPr/>
-        </p:nvSpPr>
-        <p:spPr>
-          <a:xfrm>
-            <a:off x="3563888" y="980728"/>
-            <a:ext cx="720080" cy="1512168"/>
-          </a:xfrm>
-          <a:prstGeom prst="rect">
-            <a:avLst/>
-          </a:prstGeom>
-        </p:spPr>
-        <p:txBody>
-          <a:bodyPr vert="horz" lIns="91440" tIns="45720" rIns="91440" bIns="45720" rtlCol="0" anchor="ctr">
-            <a:normAutofit/>
-          </a:bodyPr>
-          <a:lstStyle/>
-          <a:p>
-            <a:pPr marL="514350" indent="-514350">
-              <a:spcBef>
-                <a:spcPct val="0"/>
-              </a:spcBef>
-            </a:pPr>
-            <a:r>
-              <a:rPr lang="ru-RU" sz="7200" dirty="0" smtClean="0">
-                <a:solidFill>
-                  <a:srgbClr val="FF0000"/>
-                </a:solidFill>
-              </a:rPr>
-              <a:t>?</a:t>
-            </a:r>
-          </a:p>
-        </p:txBody>
-      </p:sp>
-      <p:sp>
-        <p:nvSpPr>
-          <p:cNvPr id="14" name="Заголовок 1"/>
-          <p:cNvSpPr txBox="1">
-            <a:spLocks/>
-          </p:cNvSpPr>
-          <p:nvPr/>
-        </p:nvSpPr>
-        <p:spPr>
-          <a:xfrm>
-            <a:off x="2987824" y="116632"/>
-            <a:ext cx="432048" cy="936104"/>
-          </a:xfrm>
-          <a:prstGeom prst="rect">
-            <a:avLst/>
-          </a:prstGeom>
-        </p:spPr>
-        <p:txBody>
-          <a:bodyPr vert="horz" lIns="91440" tIns="45720" rIns="91440" bIns="45720" rtlCol="0" anchor="ctr">
-            <a:normAutofit/>
-          </a:bodyPr>
-          <a:lstStyle/>
-          <a:p>
-            <a:pPr marL="514350" indent="-514350">
-              <a:spcBef>
-                <a:spcPct val="0"/>
-              </a:spcBef>
-            </a:pPr>
-            <a:r>
-              <a:rPr lang="ru-RU" sz="4000" b="1" dirty="0" smtClean="0"/>
-              <a:t>1</a:t>
-            </a:r>
-          </a:p>
-        </p:txBody>
-      </p:sp>
-      <p:sp>
-        <p:nvSpPr>
-          <p:cNvPr id="15" name="Заголовок 1"/>
-          <p:cNvSpPr txBox="1">
-            <a:spLocks/>
-          </p:cNvSpPr>
-          <p:nvPr/>
-        </p:nvSpPr>
-        <p:spPr>
-          <a:xfrm>
-            <a:off x="4427984" y="116632"/>
-            <a:ext cx="360040" cy="936104"/>
-          </a:xfrm>
-          <a:prstGeom prst="rect">
-            <a:avLst/>
-          </a:prstGeom>
-        </p:spPr>
-        <p:txBody>
-          <a:bodyPr vert="horz" lIns="91440" tIns="45720" rIns="91440" bIns="45720" rtlCol="0" anchor="ctr">
-            <a:normAutofit/>
-          </a:bodyPr>
-          <a:lstStyle/>
-          <a:p>
-            <a:pPr marL="514350" indent="-514350">
-              <a:spcBef>
-                <a:spcPct val="0"/>
-              </a:spcBef>
-            </a:pPr>
-            <a:r>
-              <a:rPr lang="ru-RU" sz="4000" b="1" dirty="0" smtClean="0"/>
-              <a:t>2</a:t>
-            </a:r>
-          </a:p>
-        </p:txBody>
-      </p:sp>
-      <p:sp>
-        <p:nvSpPr>
-          <p:cNvPr id="16" name="Стрелка вправо 15"/>
-          <p:cNvSpPr/>
-          <p:nvPr/>
-        </p:nvSpPr>
-        <p:spPr>
-          <a:xfrm>
-            <a:off x="3635896" y="476672"/>
-            <a:ext cx="576064" cy="216024"/>
-          </a:xfrm>
-          <a:prstGeom prst="rightArrow">
-            <a:avLst/>
-          </a:prstGeom>
-        </p:spPr>
-        <p:style>
-          <a:lnRef idx="2">
-            <a:schemeClr val="accent1">
-              <a:shade val="50000"/>
-            </a:schemeClr>
-          </a:lnRef>
-          <a:fillRef idx="1">
-            <a:schemeClr val="accent1"/>
-          </a:fillRef>
-          <a:effectRef idx="0">
-            <a:schemeClr val="accent1"/>
-          </a:effectRef>
-          <a:fontRef idx="minor">
-            <a:schemeClr val="lt1"/>
-          </a:fontRef>
-        </p:style>
-        <p:txBody>
-          <a:bodyPr rtlCol="0" anchor="ctr"/>
-          <a:lstStyle/>
-          <a:p>
-            <a:pPr algn="ctr"/>
-            <a:endParaRPr lang="ru-RU"/>
+              <a:t> цикл.</a:t>
+            </a:r>
           </a:p>
         </p:txBody>
       </p:sp>
@@ -42764,7 +43238,7 @@
       </p:grpSpPr>
       <p:sp>
         <p:nvSpPr>
-          <p:cNvPr id="4" name="Заголовок 1"/>
+          <p:cNvPr id="9" name="Заголовок 1"/>
           <p:cNvSpPr txBox="1">
             <a:spLocks/>
           </p:cNvSpPr>
@@ -42772,8 +43246,8 @@
         </p:nvSpPr>
         <p:spPr>
           <a:xfrm>
-            <a:off x="2987824" y="116632"/>
-            <a:ext cx="432048" cy="936104"/>
+            <a:off x="467544" y="1268760"/>
+            <a:ext cx="3022104" cy="936104"/>
           </a:xfrm>
           <a:prstGeom prst="rect">
             <a:avLst/>
@@ -42791,15 +43265,27 @@
               </a:spcBef>
             </a:pPr>
             <a:r>
-              <a:rPr lang="ru-RU" sz="4000" b="1" dirty="0" smtClean="0"/>
-              <a:t>2</a:t>
-            </a:r>
-          </a:p>
-        </p:txBody>
-      </p:sp>
-      <p:sp>
-        <p:nvSpPr>
-          <p:cNvPr id="5" name="Заголовок 1"/>
+              <a:rPr lang="en-US" sz="2800" dirty="0" smtClean="0"/>
+              <a:t>G – </a:t>
+            </a:r>
+            <a:r>
+              <a:rPr lang="ru-RU" sz="2800" dirty="0" err="1" smtClean="0"/>
+              <a:t>эйлеров</a:t>
+            </a:r>
+            <a:r>
+              <a:rPr lang="en-US" sz="2800" dirty="0" smtClean="0"/>
+              <a:t> </a:t>
+            </a:r>
+            <a:r>
+              <a:rPr lang="ru-RU" sz="2800" dirty="0" smtClean="0"/>
+              <a:t>граф </a:t>
+            </a:r>
+          </a:p>
+        </p:txBody>
+      </p:sp>
+      <p:sp>
+        <p:nvSpPr>
+          <p:cNvPr id="4" name="Заголовок 1"/>
           <p:cNvSpPr txBox="1">
             <a:spLocks/>
           </p:cNvSpPr>
@@ -42807,8 +43293,79 @@
         </p:nvSpPr>
         <p:spPr>
           <a:xfrm>
-            <a:off x="4427984" y="116632"/>
-            <a:ext cx="360040" cy="936104"/>
+            <a:off x="4499992" y="1268760"/>
+            <a:ext cx="4536504" cy="936104"/>
+          </a:xfrm>
+          <a:prstGeom prst="rect">
+            <a:avLst/>
+          </a:prstGeom>
+        </p:spPr>
+        <p:txBody>
+          <a:bodyPr vert="horz" lIns="91440" tIns="45720" rIns="91440" bIns="45720" rtlCol="0" anchor="ctr">
+            <a:normAutofit/>
+          </a:bodyPr>
+          <a:lstStyle/>
+          <a:p>
+            <a:pPr marL="457200" indent="-457200"/>
+            <a:r>
+              <a:rPr lang="ru-RU" sz="2800" dirty="0" smtClean="0"/>
+              <a:t>Степени всех вершин четны</a:t>
+            </a:r>
+          </a:p>
+        </p:txBody>
+      </p:sp>
+      <p:sp>
+        <p:nvSpPr>
+          <p:cNvPr id="5" name="Стрелка вправо 4"/>
+          <p:cNvSpPr/>
+          <p:nvPr/>
+        </p:nvSpPr>
+        <p:spPr>
+          <a:xfrm>
+            <a:off x="3635896" y="1628800"/>
+            <a:ext cx="576064" cy="216024"/>
+          </a:xfrm>
+          <a:prstGeom prst="rightArrow">
+            <a:avLst/>
+          </a:prstGeom>
+        </p:spPr>
+        <p:style>
+          <a:lnRef idx="2">
+            <a:schemeClr val="accent1">
+              <a:shade val="50000"/>
+            </a:schemeClr>
+          </a:lnRef>
+          <a:fillRef idx="1">
+            <a:schemeClr val="accent1"/>
+          </a:fillRef>
+          <a:effectRef idx="0">
+            <a:schemeClr val="accent1"/>
+          </a:effectRef>
+          <a:fontRef idx="minor">
+            <a:schemeClr val="lt1"/>
+          </a:fontRef>
+        </p:style>
+        <p:txBody>
+          <a:bodyPr rtlCol="0" anchor="ctr"/>
+          <a:lstStyle/>
+          <a:p>
+            <a:pPr algn="ctr"/>
+            <a:endParaRPr lang="ru-RU"/>
+          </a:p>
+        </p:txBody>
+      </p:sp>
+      <p:sp>
+        <p:nvSpPr>
+          <p:cNvPr id="7" name="Заголовок 1"/>
+          <p:cNvSpPr txBox="1">
+            <a:spLocks/>
+          </p:cNvSpPr>
+          <p:nvPr/>
+        </p:nvSpPr>
+        <p:spPr>
+          <a:xfrm>
+            <a:off x="757808" y="2564904"/>
+            <a:ext cx="2590056" cy="936104"/>
           </a:xfrm>
           <a:prstGeom prst="rect">
             <a:avLst/>
@@ -42826,21 +43383,37 @@
               </a:spcBef>
             </a:pPr>
             <a:r>
-              <a:rPr lang="ru-RU" sz="4000" b="1" dirty="0" smtClean="0"/>
-              <a:t>3</a:t>
-            </a:r>
-          </a:p>
-        </p:txBody>
-      </p:sp>
-      <p:sp>
-        <p:nvSpPr>
-          <p:cNvPr id="7" name="Стрелка вправо 6"/>
+              <a:rPr lang="en-US" sz="2800" dirty="0" smtClean="0"/>
+              <a:t>Ǝ</a:t>
+            </a:r>
+            <a:r>
+              <a:rPr lang="ru-RU" sz="2800" dirty="0" smtClean="0"/>
+              <a:t>  </a:t>
+            </a:r>
+            <a:r>
+              <a:rPr lang="ru-RU" sz="2800" dirty="0" err="1" smtClean="0"/>
+              <a:t>эйлеров</a:t>
+            </a:r>
+            <a:r>
+              <a:rPr lang="en-US" sz="2800" dirty="0" smtClean="0"/>
+              <a:t> </a:t>
+            </a:r>
+            <a:r>
+              <a:rPr lang="ru-RU" sz="2800" dirty="0" smtClean="0"/>
+              <a:t>цикл</a:t>
+            </a:r>
+          </a:p>
+        </p:txBody>
+      </p:sp>
+      <p:sp>
+        <p:nvSpPr>
+          <p:cNvPr id="8" name="Стрелка вправо 7"/>
           <p:cNvSpPr/>
           <p:nvPr/>
         </p:nvSpPr>
         <p:spPr>
-          <a:xfrm>
-            <a:off x="3635896" y="476672"/>
+          <a:xfrm rot="3712409">
+            <a:off x="1778704" y="2329780"/>
             <a:ext cx="576064" cy="216024"/>
           </a:xfrm>
           <a:prstGeom prst="rightArrow">
@@ -42874,74 +43447,13 @@
       </p:sp>
       <p:sp>
         <p:nvSpPr>
-          <p:cNvPr id="8" name="Заголовок 1"/>
-          <p:cNvSpPr txBox="1">
-            <a:spLocks/>
-          </p:cNvSpPr>
-          <p:nvPr/>
-        </p:nvSpPr>
-        <p:spPr>
-          <a:xfrm>
-            <a:off x="467544" y="1268760"/>
-            <a:ext cx="3022104" cy="936104"/>
-          </a:xfrm>
-          <a:prstGeom prst="rect">
-            <a:avLst/>
-          </a:prstGeom>
-        </p:spPr>
-        <p:txBody>
-          <a:bodyPr vert="horz" lIns="91440" tIns="45720" rIns="91440" bIns="45720" rtlCol="0" anchor="ctr">
-            <a:normAutofit lnSpcReduction="10000"/>
-          </a:bodyPr>
-          <a:lstStyle/>
-          <a:p>
-            <a:pPr marL="457200" indent="-457200"/>
-            <a:r>
-              <a:rPr lang="ru-RU" sz="2800" dirty="0" smtClean="0"/>
-              <a:t>Степени всех вершин четны</a:t>
-            </a:r>
-          </a:p>
-        </p:txBody>
-      </p:sp>
-      <p:sp>
-        <p:nvSpPr>
-          <p:cNvPr id="10" name="Заголовок 1"/>
-          <p:cNvSpPr txBox="1">
-            <a:spLocks/>
-          </p:cNvSpPr>
-          <p:nvPr/>
-        </p:nvSpPr>
-        <p:spPr>
-          <a:xfrm>
-            <a:off x="4499992" y="1268760"/>
-            <a:ext cx="4536504" cy="936104"/>
-          </a:xfrm>
-          <a:prstGeom prst="rect">
-            <a:avLst/>
-          </a:prstGeom>
-        </p:spPr>
-        <p:txBody>
-          <a:bodyPr vert="horz" lIns="91440" tIns="45720" rIns="91440" bIns="45720" rtlCol="0" anchor="ctr">
-            <a:normAutofit fontScale="77500" lnSpcReduction="20000"/>
-          </a:bodyPr>
-          <a:lstStyle/>
-          <a:p>
-            <a:r>
-              <a:rPr lang="ru-RU" sz="2800" dirty="0" smtClean="0"/>
-              <a:t>Множество ребер разбивается на непересекающиеся простые циклы</a:t>
-            </a:r>
-          </a:p>
-        </p:txBody>
-      </p:sp>
-      <p:sp>
-        <p:nvSpPr>
-          <p:cNvPr id="11" name="Стрелка вправо 10"/>
+          <p:cNvPr id="10" name="Стрелка вправо 9"/>
           <p:cNvSpPr/>
           <p:nvPr/>
         </p:nvSpPr>
         <p:spPr>
-          <a:xfrm>
-            <a:off x="3635896" y="1628800"/>
+          <a:xfrm rot="3712409">
+            <a:off x="1994729" y="3553917"/>
             <a:ext cx="576064" cy="216024"/>
           </a:xfrm>
           <a:prstGeom prst="rightArrow">
@@ -42975,14 +43487,49 @@
       </p:sp>
       <p:sp>
         <p:nvSpPr>
+          <p:cNvPr id="11" name="Заголовок 1"/>
+          <p:cNvSpPr txBox="1">
+            <a:spLocks/>
+          </p:cNvSpPr>
+          <p:nvPr/>
+        </p:nvSpPr>
+        <p:spPr>
+          <a:xfrm>
+            <a:off x="1187624" y="4221088"/>
+            <a:ext cx="7056784" cy="2304256"/>
+          </a:xfrm>
+          <a:prstGeom prst="rect">
+            <a:avLst/>
+          </a:prstGeom>
+        </p:spPr>
+        <p:txBody>
+          <a:bodyPr vert="horz" lIns="91440" tIns="45720" rIns="91440" bIns="45720" rtlCol="0" anchor="ctr">
+            <a:normAutofit/>
+          </a:bodyPr>
+          <a:lstStyle/>
+          <a:p>
+            <a:pPr>
+              <a:spcBef>
+                <a:spcPct val="0"/>
+              </a:spcBef>
+            </a:pPr>
+            <a:r>
+              <a:rPr lang="ru-RU" sz="2800" dirty="0" smtClean="0"/>
+              <a:t>Рассмотрим произвольную  вершину этого цикла. Двигаясь по циклу, в нее вошли столько же раз сколько и вышли из нее. Значит количество входящих и исходящих ребер одинаково.</a:t>
+            </a:r>
+          </a:p>
+        </p:txBody>
+      </p:sp>
+      <p:sp>
+        <p:nvSpPr>
           <p:cNvPr id="12" name="Стрелка вправо 11"/>
           <p:cNvSpPr/>
           <p:nvPr/>
         </p:nvSpPr>
         <p:spPr>
-          <a:xfrm rot="3712409">
-            <a:off x="1706696" y="2329781"/>
-            <a:ext cx="576064" cy="216024"/>
+          <a:xfrm rot="18270303">
+            <a:off x="4841032" y="3222634"/>
+            <a:ext cx="1851069" cy="152120"/>
           </a:xfrm>
           <a:prstGeom prst="rightArrow">
             <a:avLst/>
@@ -43062,8 +43609,8 @@
         </p:nvSpPr>
         <p:spPr>
           <a:xfrm>
-            <a:off x="395536" y="2564904"/>
-            <a:ext cx="8352928" cy="2808312"/>
+            <a:off x="2987824" y="116632"/>
+            <a:ext cx="432048" cy="936104"/>
           </a:xfrm>
           <a:prstGeom prst="rect">
             <a:avLst/>
@@ -43071,125 +43618,25 @@
         </p:spPr>
         <p:txBody>
           <a:bodyPr vert="horz" lIns="91440" tIns="45720" rIns="91440" bIns="45720" rtlCol="0" anchor="ctr">
-            <a:normAutofit fontScale="92500" lnSpcReduction="10000"/>
+            <a:normAutofit/>
           </a:bodyPr>
           <a:lstStyle/>
           <a:p>
-            <a:pPr>
+            <a:pPr marL="514350" indent="-514350">
               <a:spcBef>
                 <a:spcPct val="0"/>
               </a:spcBef>
             </a:pPr>
             <a:r>
-              <a:rPr lang="ru-RU" sz="2800" dirty="0" smtClean="0"/>
-              <a:t>Возьмем произвольную вершину </a:t>
-            </a:r>
-            <a:r>
-              <a:rPr lang="en-US" sz="2800" b="1" dirty="0" smtClean="0"/>
-              <a:t>u</a:t>
-            </a:r>
-            <a:r>
-              <a:rPr lang="ru-RU" sz="2800" dirty="0" smtClean="0"/>
-              <a:t>. </a:t>
-            </a:r>
-            <a:r>
-              <a:rPr lang="en-US" sz="2800" dirty="0" smtClean="0"/>
-              <a:t>C</a:t>
-            </a:r>
-            <a:r>
-              <a:rPr lang="ru-RU" sz="2800" dirty="0" err="1" smtClean="0"/>
-              <a:t>тепень</a:t>
-            </a:r>
-            <a:r>
-              <a:rPr lang="ru-RU" sz="2800" dirty="0" smtClean="0"/>
-              <a:t> </a:t>
-            </a:r>
-            <a:r>
-              <a:rPr lang="en-US" sz="2800" b="1" dirty="0" smtClean="0"/>
-              <a:t>u</a:t>
-            </a:r>
-            <a:r>
-              <a:rPr lang="en-US" sz="2800" dirty="0" smtClean="0"/>
-              <a:t> </a:t>
-            </a:r>
-            <a:r>
-              <a:rPr lang="ru-RU" sz="2800" dirty="0" smtClean="0"/>
-              <a:t>четна и не равна 0 (иначе </a:t>
-            </a:r>
-            <a:r>
-              <a:rPr lang="en-US" sz="2800" b="1" dirty="0" smtClean="0"/>
-              <a:t>u</a:t>
-            </a:r>
-            <a:r>
-              <a:rPr lang="en-US" sz="2800" dirty="0" smtClean="0"/>
-              <a:t> – </a:t>
-            </a:r>
-            <a:r>
-              <a:rPr lang="ru-RU" sz="2800" dirty="0" smtClean="0"/>
-              <a:t>изолированная, а значит </a:t>
-            </a:r>
-            <a:r>
-              <a:rPr lang="en-US" sz="2800" dirty="0" smtClean="0"/>
-              <a:t>V</a:t>
-            </a:r>
-            <a:r>
-              <a:rPr lang="ru-RU" sz="2800" dirty="0" smtClean="0"/>
-              <a:t> не связен). Двигаясь из нее по любому ребру попадаем в </a:t>
-            </a:r>
-            <a:r>
-              <a:rPr lang="en-US" sz="2800" b="1" dirty="0" smtClean="0"/>
-              <a:t>v</a:t>
-            </a:r>
-            <a:r>
-              <a:rPr lang="ru-RU" sz="2800" dirty="0" smtClean="0"/>
-              <a:t>. Ее степень четна, а значит из нее можно перейти по ребру в следующую вершину. Количество вершин конечно, а значит в какой-то момент встретиться вершина уже принадлежащая строящемуся пути. </a:t>
-            </a:r>
-          </a:p>
-        </p:txBody>
-      </p:sp>
-      <p:sp>
-        <p:nvSpPr>
-          <p:cNvPr id="15" name="Стрелка вправо 14"/>
-          <p:cNvSpPr/>
-          <p:nvPr/>
-        </p:nvSpPr>
-        <p:spPr>
-          <a:xfrm rot="3712409">
-            <a:off x="1778704" y="5426126"/>
-            <a:ext cx="576064" cy="216024"/>
-          </a:xfrm>
-          <a:prstGeom prst="rightArrow">
-            <a:avLst/>
-          </a:prstGeom>
-        </p:spPr>
-        <p:style>
-          <a:lnRef idx="2">
-            <a:schemeClr val="accent1">
-              <a:shade val="50000"/>
-            </a:schemeClr>
-          </a:lnRef>
-          <a:fillRef idx="1">
-            <a:schemeClr val="accent1"/>
-          </a:fillRef>
-          <a:effectRef idx="0">
-            <a:schemeClr val="accent1"/>
-          </a:effectRef>
-          <a:fontRef idx="minor">
-            <a:schemeClr val="lt1"/>
-          </a:fontRef>
-        </p:style>
-        <p:txBody>
-          <a:bodyPr rtlCol="0" anchor="ctr"/>
-          <a:lstStyle/>
-          <a:p>
-            <a:pPr algn="ctr"/>
-            <a:endParaRPr lang="ru-RU"/>
-          </a:p>
-        </p:txBody>
-      </p:sp>
-      <p:sp>
-        <p:nvSpPr>
-          <p:cNvPr id="16" name="Заголовок 1"/>
+              <a:rPr lang="ru-RU" sz="4000" b="1" dirty="0" smtClean="0"/>
+              <a:t>1</a:t>
+            </a:r>
+          </a:p>
+        </p:txBody>
+      </p:sp>
+      <p:sp>
+        <p:nvSpPr>
+          <p:cNvPr id="15" name="Заголовок 1"/>
           <p:cNvSpPr txBox="1">
             <a:spLocks/>
           </p:cNvSpPr>
@@ -43197,8 +43644,8 @@
         </p:nvSpPr>
         <p:spPr>
           <a:xfrm>
-            <a:off x="755576" y="5805264"/>
-            <a:ext cx="3022104" cy="936104"/>
+            <a:off x="4427984" y="116632"/>
+            <a:ext cx="360040" cy="936104"/>
           </a:xfrm>
           <a:prstGeom prst="rect">
             <a:avLst/>
@@ -43206,104 +43653,35 @@
         </p:spPr>
         <p:txBody>
           <a:bodyPr vert="horz" lIns="91440" tIns="45720" rIns="91440" bIns="45720" rtlCol="0" anchor="ctr">
-            <a:normAutofit lnSpcReduction="10000"/>
+            <a:normAutofit/>
           </a:bodyPr>
           <a:lstStyle/>
           <a:p>
-            <a:pPr marL="457200" indent="-457200"/>
-            <a:r>
-              <a:rPr lang="ru-RU" sz="2800" dirty="0" smtClean="0"/>
-              <a:t>Получился простой цикл</a:t>
-            </a:r>
-          </a:p>
-        </p:txBody>
-      </p:sp>
-      <p:sp>
-        <p:nvSpPr>
-          <p:cNvPr id="17" name="Стрелка вправо 16"/>
+            <a:pPr marL="514350" indent="-514350">
+              <a:spcBef>
+                <a:spcPct val="0"/>
+              </a:spcBef>
+            </a:pPr>
+            <a:r>
+              <a:rPr lang="ru-RU" sz="4000" b="1" dirty="0" smtClean="0"/>
+              <a:t>2</a:t>
+            </a:r>
+          </a:p>
+        </p:txBody>
+      </p:sp>
+      <p:sp>
+        <p:nvSpPr>
+          <p:cNvPr id="16" name="Стрелка вправо 15"/>
           <p:cNvSpPr/>
           <p:nvPr/>
         </p:nvSpPr>
         <p:spPr>
           <a:xfrm>
-            <a:off x="3569194" y="6324390"/>
+            <a:off x="3635896" y="476672"/>
             <a:ext cx="576064" cy="216024"/>
           </a:xfrm>
           <a:prstGeom prst="rightArrow">
             <a:avLst/>
-          </a:prstGeom>
-        </p:spPr>
-        <p:style>
-          <a:lnRef idx="2">
-            <a:schemeClr val="accent1">
-              <a:shade val="50000"/>
-            </a:schemeClr>
-          </a:lnRef>
-          <a:fillRef idx="1">
-            <a:schemeClr val="accent1"/>
-          </a:fillRef>
-          <a:effectRef idx="0">
-            <a:schemeClr val="accent1"/>
-          </a:effectRef>
-          <a:fontRef idx="minor">
-            <a:schemeClr val="lt1"/>
-          </a:fontRef>
-        </p:style>
-        <p:txBody>
-          <a:bodyPr rtlCol="0" anchor="ctr"/>
-          <a:lstStyle/>
-          <a:p>
-            <a:pPr algn="ctr"/>
-            <a:endParaRPr lang="ru-RU"/>
-          </a:p>
-        </p:txBody>
-      </p:sp>
-      <p:sp>
-        <p:nvSpPr>
-          <p:cNvPr id="18" name="Заголовок 1"/>
-          <p:cNvSpPr txBox="1">
-            <a:spLocks/>
-          </p:cNvSpPr>
-          <p:nvPr/>
-        </p:nvSpPr>
-        <p:spPr>
-          <a:xfrm>
-            <a:off x="4607496" y="5517232"/>
-            <a:ext cx="4536504" cy="1224136"/>
-          </a:xfrm>
-          <a:prstGeom prst="rect">
-            <a:avLst/>
-          </a:prstGeom>
-        </p:spPr>
-        <p:txBody>
-          <a:bodyPr vert="horz" lIns="91440" tIns="45720" rIns="91440" bIns="45720" rtlCol="0" anchor="ctr">
-            <a:normAutofit fontScale="77500" lnSpcReduction="20000"/>
-          </a:bodyPr>
-          <a:lstStyle/>
-          <a:p>
-            <a:r>
-              <a:rPr lang="ru-RU" sz="2800" dirty="0" smtClean="0"/>
-              <a:t>Выкинуть из графа все ребра получившегося цикла и повторить предыдущую процедуру</a:t>
-            </a:r>
-          </a:p>
-        </p:txBody>
-      </p:sp>
-      <p:sp>
-        <p:nvSpPr>
-          <p:cNvPr id="19" name="Стрелка вправо 18"/>
-          <p:cNvSpPr/>
-          <p:nvPr/>
-        </p:nvSpPr>
-        <p:spPr>
-          <a:xfrm rot="16200000">
-            <a:off x="6857411" y="3807885"/>
-            <a:ext cx="3579707" cy="229649"/>
-          </a:xfrm>
-          <a:prstGeom prst="rightArrow">
-            <a:avLst>
-              <a:gd name="adj1" fmla="val 42193"/>
-              <a:gd name="adj2" fmla="val 50000"/>
-            </a:avLst>
           </a:prstGeom>
         </p:spPr>
         <p:style>
@@ -43393,7 +43771,7 @@
             </a:pPr>
             <a:r>
               <a:rPr lang="ru-RU" sz="4000" b="1" dirty="0" smtClean="0"/>
-              <a:t>3</a:t>
+              <a:t>2</a:t>
             </a:r>
           </a:p>
         </p:txBody>
@@ -43428,7 +43806,7 @@
             </a:pPr>
             <a:r>
               <a:rPr lang="ru-RU" sz="4000" b="1" dirty="0" smtClean="0"/>
-              <a:t>1</a:t>
+              <a:t>3</a:t>
             </a:r>
           </a:p>
         </p:txBody>
@@ -43475,7 +43853,7 @@
       </p:sp>
       <p:sp>
         <p:nvSpPr>
-          <p:cNvPr id="6" name="Заголовок 1"/>
+          <p:cNvPr id="8" name="Заголовок 1"/>
           <p:cNvSpPr txBox="1">
             <a:spLocks/>
           </p:cNvSpPr>
@@ -43483,8 +43861,8 @@
         </p:nvSpPr>
         <p:spPr>
           <a:xfrm>
-            <a:off x="755576" y="5229200"/>
-            <a:ext cx="7772400" cy="1008111"/>
+            <a:off x="467544" y="1268760"/>
+            <a:ext cx="3022104" cy="936104"/>
           </a:xfrm>
           <a:prstGeom prst="rect">
             <a:avLst/>
@@ -43492,115 +43870,57 @@
         </p:spPr>
         <p:txBody>
           <a:bodyPr vert="horz" lIns="91440" tIns="45720" rIns="91440" bIns="45720" rtlCol="0" anchor="ctr">
-            <a:normAutofit/>
+            <a:normAutofit lnSpcReduction="10000"/>
           </a:bodyPr>
           <a:lstStyle/>
           <a:p>
-            <a:r>
-              <a:rPr lang="ru-RU" sz="2000" b="1" dirty="0" smtClean="0"/>
-              <a:t>Доказательство (конструктивное)</a:t>
-            </a:r>
-            <a:r>
-              <a:rPr lang="ru-RU" sz="2000" dirty="0" smtClean="0"/>
-              <a:t>: Множество не пересекающихся простых циклов охватывающих весь граф. После этого они «склеиваются».</a:t>
-            </a:r>
-            <a:endParaRPr lang="ru-RU" sz="2000" b="1" dirty="0" smtClean="0"/>
-          </a:p>
-        </p:txBody>
-      </p:sp>
-      <p:sp>
-        <p:nvSpPr>
-          <p:cNvPr id="8" name="Прямоугольник 7"/>
+            <a:pPr marL="457200" indent="-457200"/>
+            <a:r>
+              <a:rPr lang="ru-RU" sz="2800" dirty="0" smtClean="0"/>
+              <a:t>Степени всех вершин четны</a:t>
+            </a:r>
+          </a:p>
+        </p:txBody>
+      </p:sp>
+      <p:sp>
+        <p:nvSpPr>
+          <p:cNvPr id="10" name="Заголовок 1"/>
+          <p:cNvSpPr txBox="1">
+            <a:spLocks/>
+          </p:cNvSpPr>
+          <p:nvPr/>
+        </p:nvSpPr>
+        <p:spPr>
+          <a:xfrm>
+            <a:off x="4499992" y="1268760"/>
+            <a:ext cx="4536504" cy="936104"/>
+          </a:xfrm>
+          <a:prstGeom prst="rect">
+            <a:avLst/>
+          </a:prstGeom>
+        </p:spPr>
+        <p:txBody>
+          <a:bodyPr vert="horz" lIns="91440" tIns="45720" rIns="91440" bIns="45720" rtlCol="0" anchor="ctr">
+            <a:normAutofit fontScale="77500" lnSpcReduction="20000"/>
+          </a:bodyPr>
+          <a:lstStyle/>
+          <a:p>
+            <a:r>
+              <a:rPr lang="ru-RU" sz="2800" dirty="0" smtClean="0"/>
+              <a:t>Множество ребер разбивается на непересекающиеся простые циклы</a:t>
+            </a:r>
+          </a:p>
+        </p:txBody>
+      </p:sp>
+      <p:sp>
+        <p:nvSpPr>
+          <p:cNvPr id="11" name="Стрелка вправо 10"/>
           <p:cNvSpPr/>
           <p:nvPr/>
         </p:nvSpPr>
         <p:spPr>
           <a:xfrm>
-            <a:off x="179512" y="1126485"/>
-            <a:ext cx="3672408" cy="646331"/>
-          </a:xfrm>
-          <a:prstGeom prst="rect">
-            <a:avLst/>
-          </a:prstGeom>
-        </p:spPr>
-        <p:txBody>
-          <a:bodyPr wrap="square">
-            <a:spAutoFit/>
-          </a:bodyPr>
-          <a:lstStyle/>
-          <a:p>
-            <a:r>
-              <a:rPr lang="ru-RU" dirty="0" smtClean="0"/>
-              <a:t>Множество ребер разбивается на непересекающиеся простые циклы</a:t>
-            </a:r>
-          </a:p>
-        </p:txBody>
-      </p:sp>
-      <p:sp>
-        <p:nvSpPr>
-          <p:cNvPr id="9" name="Прямоугольник 8"/>
-          <p:cNvSpPr/>
-          <p:nvPr/>
-        </p:nvSpPr>
-        <p:spPr>
-          <a:xfrm>
-            <a:off x="5148064" y="1126485"/>
-            <a:ext cx="3600400" cy="646331"/>
-          </a:xfrm>
-          <a:prstGeom prst="rect">
-            <a:avLst/>
-          </a:prstGeom>
-        </p:spPr>
-        <p:txBody>
-          <a:bodyPr wrap="square">
-            <a:spAutoFit/>
-          </a:bodyPr>
-          <a:lstStyle/>
-          <a:p>
-            <a:r>
-              <a:rPr lang="en-US" dirty="0" smtClean="0"/>
-              <a:t>G – </a:t>
-            </a:r>
-            <a:r>
-              <a:rPr lang="ru-RU" dirty="0" err="1" smtClean="0"/>
-              <a:t>эйлеров</a:t>
-            </a:r>
-            <a:r>
-              <a:rPr lang="en-US" dirty="0" smtClean="0"/>
-              <a:t> </a:t>
-            </a:r>
-            <a:r>
-              <a:rPr lang="ru-RU" dirty="0" smtClean="0"/>
-              <a:t>граф (</a:t>
-            </a:r>
-            <a:r>
-              <a:rPr lang="ru-RU" dirty="0" err="1" smtClean="0"/>
-              <a:t>граф</a:t>
-            </a:r>
-            <a:r>
-              <a:rPr lang="ru-RU" dirty="0" smtClean="0"/>
-              <a:t>, имеющий </a:t>
-            </a:r>
-            <a:r>
-              <a:rPr lang="ru-RU" dirty="0" err="1" smtClean="0"/>
-              <a:t>эйлеров</a:t>
-            </a:r>
-            <a:r>
-              <a:rPr lang="ru-RU" dirty="0" smtClean="0"/>
-              <a:t> цикл)</a:t>
-            </a:r>
-          </a:p>
-        </p:txBody>
-      </p:sp>
-      <p:sp>
-        <p:nvSpPr>
-          <p:cNvPr id="10" name="Стрелка вправо 9"/>
-          <p:cNvSpPr/>
-          <p:nvPr/>
-        </p:nvSpPr>
-        <p:spPr>
-          <a:xfrm rot="3712409">
-            <a:off x="1778704" y="2041749"/>
+            <a:off x="3635896" y="1628800"/>
             <a:ext cx="576064" cy="216024"/>
           </a:xfrm>
           <a:prstGeom prst="rightArrow">
@@ -43634,71 +43954,335 @@
       </p:sp>
       <p:sp>
         <p:nvSpPr>
-          <p:cNvPr id="11" name="Прямоугольник 10"/>
+          <p:cNvPr id="12" name="Стрелка вправо 11"/>
           <p:cNvSpPr/>
           <p:nvPr/>
         </p:nvSpPr>
         <p:spPr>
-          <a:xfrm>
-            <a:off x="331912" y="2564904"/>
-            <a:ext cx="3672408" cy="1754326"/>
+          <a:xfrm rot="3712409">
+            <a:off x="1706696" y="2329781"/>
+            <a:ext cx="576064" cy="216024"/>
+          </a:xfrm>
+          <a:prstGeom prst="rightArrow">
+            <a:avLst/>
+          </a:prstGeom>
+        </p:spPr>
+        <p:style>
+          <a:lnRef idx="2">
+            <a:schemeClr val="accent1">
+              <a:shade val="50000"/>
+            </a:schemeClr>
+          </a:lnRef>
+          <a:fillRef idx="1">
+            <a:schemeClr val="accent1"/>
+          </a:fillRef>
+          <a:effectRef idx="0">
+            <a:schemeClr val="accent1"/>
+          </a:effectRef>
+          <a:fontRef idx="minor">
+            <a:schemeClr val="lt1"/>
+          </a:fontRef>
+        </p:style>
+        <p:txBody>
+          <a:bodyPr rtlCol="0" anchor="ctr"/>
+          <a:lstStyle/>
+          <a:p>
+            <a:pPr algn="ctr"/>
+            <a:endParaRPr lang="ru-RU"/>
+          </a:p>
+        </p:txBody>
+      </p:sp>
+      <p:sp>
+        <p:nvSpPr>
+          <p:cNvPr id="13" name="Заголовок 1"/>
+          <p:cNvSpPr txBox="1">
+            <a:spLocks/>
+          </p:cNvSpPr>
+          <p:nvPr/>
+        </p:nvSpPr>
+        <p:spPr>
+          <a:xfrm>
+            <a:off x="3563888" y="980728"/>
+            <a:ext cx="720080" cy="1512168"/>
           </a:xfrm>
           <a:prstGeom prst="rect">
             <a:avLst/>
           </a:prstGeom>
         </p:spPr>
         <p:txBody>
-          <a:bodyPr wrap="square">
-            <a:spAutoFit/>
+          <a:bodyPr vert="horz" lIns="91440" tIns="45720" rIns="91440" bIns="45720" rtlCol="0" anchor="ctr">
+            <a:normAutofit/>
           </a:bodyPr>
           <a:lstStyle/>
           <a:p>
-            <a:pPr marL="342900" indent="-342900">
-              <a:buAutoNum type="arabicParenR"/>
+            <a:pPr marL="514350" indent="-514350">
+              <a:spcBef>
+                <a:spcPct val="0"/>
+              </a:spcBef>
             </a:pPr>
             <a:r>
-              <a:rPr lang="ru-RU" dirty="0" smtClean="0"/>
-              <a:t>Возьмем произвольный цикл.</a:t>
-            </a:r>
-          </a:p>
-          <a:p>
-            <a:pPr marL="342900" indent="-342900">
-              <a:buAutoNum type="arabicParenR"/>
-            </a:pPr>
-            <a:r>
-              <a:rPr lang="ru-RU" dirty="0" smtClean="0"/>
-              <a:t>Найдем среди оставшихся циклов, цикл имеющий общую вершину с уже выбранным </a:t>
-            </a:r>
-            <a:r>
-              <a:rPr lang="ru-RU" dirty="0" smtClean="0">
+              <a:rPr lang="ru-RU" sz="7200" dirty="0" smtClean="0">
                 <a:solidFill>
-                  <a:schemeClr val="bg1">
-                    <a:lumMod val="75000"/>
-                  </a:schemeClr>
+                  <a:srgbClr val="FF0000"/>
                 </a:solidFill>
               </a:rPr>
-              <a:t>(такой точно есть, иначе граф был бы не связным)</a:t>
-            </a:r>
-            <a:r>
-              <a:rPr lang="ru-RU" dirty="0" smtClean="0"/>
-              <a:t>.</a:t>
-            </a:r>
-          </a:p>
-        </p:txBody>
-      </p:sp>
-      <p:sp>
-        <p:nvSpPr>
-          <p:cNvPr id="12" name="Стрелка вправо 11"/>
+              <a:t>?</a:t>
+            </a:r>
+          </a:p>
+        </p:txBody>
+      </p:sp>
+      <p:sp>
+        <p:nvSpPr>
+          <p:cNvPr id="14" name="Заголовок 1"/>
+          <p:cNvSpPr txBox="1">
+            <a:spLocks/>
+          </p:cNvSpPr>
+          <p:nvPr/>
+        </p:nvSpPr>
+        <p:spPr>
+          <a:xfrm>
+            <a:off x="395536" y="2564904"/>
+            <a:ext cx="8352928" cy="2808312"/>
+          </a:xfrm>
+          <a:prstGeom prst="rect">
+            <a:avLst/>
+          </a:prstGeom>
+        </p:spPr>
+        <p:txBody>
+          <a:bodyPr vert="horz" lIns="91440" tIns="45720" rIns="91440" bIns="45720" rtlCol="0" anchor="ctr">
+            <a:normAutofit fontScale="92500" lnSpcReduction="10000"/>
+          </a:bodyPr>
+          <a:lstStyle/>
+          <a:p>
+            <a:pPr>
+              <a:spcBef>
+                <a:spcPct val="0"/>
+              </a:spcBef>
+            </a:pPr>
+            <a:r>
+              <a:rPr lang="ru-RU" sz="2800" dirty="0" smtClean="0"/>
+              <a:t>Возьмем произвольную вершину </a:t>
+            </a:r>
+            <a:r>
+              <a:rPr lang="en-US" sz="2800" b="1" dirty="0" smtClean="0"/>
+              <a:t>u</a:t>
+            </a:r>
+            <a:r>
+              <a:rPr lang="ru-RU" sz="2800" dirty="0" smtClean="0"/>
+              <a:t>. </a:t>
+            </a:r>
+            <a:r>
+              <a:rPr lang="en-US" sz="2800" dirty="0" smtClean="0"/>
+              <a:t>C</a:t>
+            </a:r>
+            <a:r>
+              <a:rPr lang="ru-RU" sz="2800" dirty="0" err="1" smtClean="0"/>
+              <a:t>тепень</a:t>
+            </a:r>
+            <a:r>
+              <a:rPr lang="ru-RU" sz="2800" dirty="0" smtClean="0"/>
+              <a:t> </a:t>
+            </a:r>
+            <a:r>
+              <a:rPr lang="en-US" sz="2800" b="1" dirty="0" smtClean="0"/>
+              <a:t>u</a:t>
+            </a:r>
+            <a:r>
+              <a:rPr lang="en-US" sz="2800" dirty="0" smtClean="0"/>
+              <a:t> </a:t>
+            </a:r>
+            <a:r>
+              <a:rPr lang="ru-RU" sz="2800" dirty="0" smtClean="0"/>
+              <a:t>четна и не равна 0 (иначе </a:t>
+            </a:r>
+            <a:r>
+              <a:rPr lang="en-US" sz="2800" b="1" dirty="0" smtClean="0"/>
+              <a:t>u</a:t>
+            </a:r>
+            <a:r>
+              <a:rPr lang="en-US" sz="2800" dirty="0" smtClean="0"/>
+              <a:t> – </a:t>
+            </a:r>
+            <a:r>
+              <a:rPr lang="ru-RU" sz="2800" dirty="0" smtClean="0"/>
+              <a:t>изолированная, а значит </a:t>
+            </a:r>
+            <a:r>
+              <a:rPr lang="en-US" sz="2800" dirty="0" smtClean="0"/>
+              <a:t>V</a:t>
+            </a:r>
+            <a:r>
+              <a:rPr lang="ru-RU" sz="2800" dirty="0" smtClean="0"/>
+              <a:t> не связен). Двигаясь из нее по любому ребру попадаем в </a:t>
+            </a:r>
+            <a:r>
+              <a:rPr lang="en-US" sz="2800" b="1" dirty="0" smtClean="0"/>
+              <a:t>v</a:t>
+            </a:r>
+            <a:r>
+              <a:rPr lang="ru-RU" sz="2800" dirty="0" smtClean="0"/>
+              <a:t>. Ее степень четна, а значит из нее можно перейти по ребру в следующую вершину. Количество вершин конечно, а значит в какой-то момент встретиться вершина уже принадлежащая строящемуся пути. </a:t>
+            </a:r>
+          </a:p>
+        </p:txBody>
+      </p:sp>
+      <p:sp>
+        <p:nvSpPr>
+          <p:cNvPr id="15" name="Стрелка вправо 14"/>
           <p:cNvSpPr/>
           <p:nvPr/>
         </p:nvSpPr>
         <p:spPr>
           <a:xfrm rot="3712409">
-            <a:off x="2180719" y="4562029"/>
+            <a:off x="1778704" y="5426126"/>
             <a:ext cx="576064" cy="216024"/>
           </a:xfrm>
           <a:prstGeom prst="rightArrow">
             <a:avLst/>
+          </a:prstGeom>
+        </p:spPr>
+        <p:style>
+          <a:lnRef idx="2">
+            <a:schemeClr val="accent1">
+              <a:shade val="50000"/>
+            </a:schemeClr>
+          </a:lnRef>
+          <a:fillRef idx="1">
+            <a:schemeClr val="accent1"/>
+          </a:fillRef>
+          <a:effectRef idx="0">
+            <a:schemeClr val="accent1"/>
+          </a:effectRef>
+          <a:fontRef idx="minor">
+            <a:schemeClr val="lt1"/>
+          </a:fontRef>
+        </p:style>
+        <p:txBody>
+          <a:bodyPr rtlCol="0" anchor="ctr"/>
+          <a:lstStyle/>
+          <a:p>
+            <a:pPr algn="ctr"/>
+            <a:endParaRPr lang="ru-RU"/>
+          </a:p>
+        </p:txBody>
+      </p:sp>
+      <p:sp>
+        <p:nvSpPr>
+          <p:cNvPr id="16" name="Заголовок 1"/>
+          <p:cNvSpPr txBox="1">
+            <a:spLocks/>
+          </p:cNvSpPr>
+          <p:nvPr/>
+        </p:nvSpPr>
+        <p:spPr>
+          <a:xfrm>
+            <a:off x="755576" y="5805264"/>
+            <a:ext cx="3022104" cy="936104"/>
+          </a:xfrm>
+          <a:prstGeom prst="rect">
+            <a:avLst/>
+          </a:prstGeom>
+        </p:spPr>
+        <p:txBody>
+          <a:bodyPr vert="horz" lIns="91440" tIns="45720" rIns="91440" bIns="45720" rtlCol="0" anchor="ctr">
+            <a:normAutofit lnSpcReduction="10000"/>
+          </a:bodyPr>
+          <a:lstStyle/>
+          <a:p>
+            <a:pPr marL="457200" indent="-457200"/>
+            <a:r>
+              <a:rPr lang="ru-RU" sz="2800" dirty="0" smtClean="0"/>
+              <a:t>Получился простой цикл</a:t>
+            </a:r>
+          </a:p>
+        </p:txBody>
+      </p:sp>
+      <p:sp>
+        <p:nvSpPr>
+          <p:cNvPr id="17" name="Стрелка вправо 16"/>
+          <p:cNvSpPr/>
+          <p:nvPr/>
+        </p:nvSpPr>
+        <p:spPr>
+          <a:xfrm>
+            <a:off x="3569194" y="6324390"/>
+            <a:ext cx="576064" cy="216024"/>
+          </a:xfrm>
+          <a:prstGeom prst="rightArrow">
+            <a:avLst/>
+          </a:prstGeom>
+        </p:spPr>
+        <p:style>
+          <a:lnRef idx="2">
+            <a:schemeClr val="accent1">
+              <a:shade val="50000"/>
+            </a:schemeClr>
+          </a:lnRef>
+          <a:fillRef idx="1">
+            <a:schemeClr val="accent1"/>
+          </a:fillRef>
+          <a:effectRef idx="0">
+            <a:schemeClr val="accent1"/>
+          </a:effectRef>
+          <a:fontRef idx="minor">
+            <a:schemeClr val="lt1"/>
+          </a:fontRef>
+        </p:style>
+        <p:txBody>
+          <a:bodyPr rtlCol="0" anchor="ctr"/>
+          <a:lstStyle/>
+          <a:p>
+            <a:pPr algn="ctr"/>
+            <a:endParaRPr lang="ru-RU"/>
+          </a:p>
+        </p:txBody>
+      </p:sp>
+      <p:sp>
+        <p:nvSpPr>
+          <p:cNvPr id="18" name="Заголовок 1"/>
+          <p:cNvSpPr txBox="1">
+            <a:spLocks/>
+          </p:cNvSpPr>
+          <p:nvPr/>
+        </p:nvSpPr>
+        <p:spPr>
+          <a:xfrm>
+            <a:off x="4607496" y="5517232"/>
+            <a:ext cx="4536504" cy="1224136"/>
+          </a:xfrm>
+          <a:prstGeom prst="rect">
+            <a:avLst/>
+          </a:prstGeom>
+        </p:spPr>
+        <p:txBody>
+          <a:bodyPr vert="horz" lIns="91440" tIns="45720" rIns="91440" bIns="45720" rtlCol="0" anchor="ctr">
+            <a:normAutofit fontScale="77500" lnSpcReduction="20000"/>
+          </a:bodyPr>
+          <a:lstStyle/>
+          <a:p>
+            <a:r>
+              <a:rPr lang="ru-RU" sz="2800" dirty="0" smtClean="0"/>
+              <a:t>Выкинуть из графа все ребра получившегося цикла и повторить предыдущую процедуру</a:t>
+            </a:r>
+          </a:p>
+        </p:txBody>
+      </p:sp>
+      <p:sp>
+        <p:nvSpPr>
+          <p:cNvPr id="19" name="Стрелка вправо 18"/>
+          <p:cNvSpPr/>
+          <p:nvPr/>
+        </p:nvSpPr>
+        <p:spPr>
+          <a:xfrm rot="16200000">
+            <a:off x="6857411" y="3807885"/>
+            <a:ext cx="3579707" cy="229649"/>
+          </a:xfrm>
+          <a:prstGeom prst="rightArrow">
+            <a:avLst>
+              <a:gd name="adj1" fmla="val 42193"/>
+              <a:gd name="adj2" fmla="val 50000"/>
+            </a:avLst>
           </a:prstGeom>
         </p:spPr>
         <p:style>
@@ -43878,8 +44462,8 @@
         </p:nvSpPr>
         <p:spPr>
           <a:xfrm>
-            <a:off x="3707904" y="5085184"/>
-            <a:ext cx="2232248" cy="936104"/>
+            <a:off x="755576" y="5229200"/>
+            <a:ext cx="7772400" cy="1008111"/>
           </a:xfrm>
           <a:prstGeom prst="rect">
             <a:avLst/>
@@ -43887,13 +44471,17 @@
         </p:spPr>
         <p:txBody>
           <a:bodyPr vert="horz" lIns="91440" tIns="45720" rIns="91440" bIns="45720" rtlCol="0" anchor="ctr">
-            <a:normAutofit fontScale="92500" lnSpcReduction="10000"/>
+            <a:normAutofit/>
           </a:bodyPr>
           <a:lstStyle/>
           <a:p>
             <a:r>
+              <a:rPr lang="ru-RU" sz="2000" b="1" dirty="0" smtClean="0"/>
+              <a:t>Доказательство (конструктивное)</a:t>
+            </a:r>
+            <a:r>
               <a:rPr lang="ru-RU" sz="2000" dirty="0" smtClean="0"/>
-              <a:t>Получился набор не пересекающихся простых циклов</a:t>
+              <a:t>: Множество не пересекающихся простых циклов охватывающих весь граф. После этого они «склеиваются».</a:t>
             </a:r>
             <a:endParaRPr lang="ru-RU" sz="2000" b="1" dirty="0" smtClean="0"/>
           </a:p>
@@ -44032,7 +44620,7 @@
         <p:spPr>
           <a:xfrm>
             <a:off x="331912" y="2564904"/>
-            <a:ext cx="3952056" cy="1754326"/>
+            <a:ext cx="3672408" cy="1754326"/>
           </a:xfrm>
           <a:prstGeom prst="rect">
             <a:avLst/>
@@ -44075,17 +44663,6 @@
               <a:t>.</a:t>
             </a:r>
           </a:p>
-          <a:p>
-            <a:pPr marL="342900" indent="-342900">
-              <a:buFontTx/>
-              <a:buAutoNum type="arabicParenR"/>
-            </a:pPr>
-            <a:r>
-              <a:rPr lang="ru-RU" dirty="0" smtClean="0"/>
-              <a:t>«Склеим» этот цикл с тем что есть.</a:t>
-            </a:r>
-            <a:endParaRPr lang="ru-RU" b="1" dirty="0" smtClean="0"/>
-          </a:p>
         </p:txBody>
       </p:sp>
       <p:sp>
@@ -44096,118 +44673,7 @@
         </p:nvSpPr>
         <p:spPr>
           <a:xfrm rot="3712409">
-            <a:off x="3506897" y="4562029"/>
-            <a:ext cx="576064" cy="216024"/>
-          </a:xfrm>
-          <a:prstGeom prst="rightArrow">
-            <a:avLst/>
-          </a:prstGeom>
-        </p:spPr>
-        <p:style>
-          <a:lnRef idx="2">
-            <a:schemeClr val="accent1">
-              <a:shade val="50000"/>
-            </a:schemeClr>
-          </a:lnRef>
-          <a:fillRef idx="1">
-            <a:schemeClr val="accent1"/>
-          </a:fillRef>
-          <a:effectRef idx="0">
-            <a:schemeClr val="accent1"/>
-          </a:effectRef>
-          <a:fontRef idx="minor">
-            <a:schemeClr val="lt1"/>
-          </a:fontRef>
-        </p:style>
-        <p:txBody>
-          <a:bodyPr rtlCol="0" anchor="ctr"/>
-          <a:lstStyle/>
-          <a:p>
-            <a:pPr algn="ctr"/>
-            <a:endParaRPr lang="ru-RU"/>
-          </a:p>
-        </p:txBody>
-      </p:sp>
-      <p:sp>
-        <p:nvSpPr>
-          <p:cNvPr id="13" name="Стрелка вправо 12"/>
-          <p:cNvSpPr/>
-          <p:nvPr/>
-        </p:nvSpPr>
-        <p:spPr>
-          <a:xfrm rot="18875400">
-            <a:off x="5355183" y="4466033"/>
-            <a:ext cx="576064" cy="216024"/>
-          </a:xfrm>
-          <a:prstGeom prst="rightArrow">
-            <a:avLst/>
-          </a:prstGeom>
-        </p:spPr>
-        <p:style>
-          <a:lnRef idx="2">
-            <a:schemeClr val="accent1">
-              <a:shade val="50000"/>
-            </a:schemeClr>
-          </a:lnRef>
-          <a:fillRef idx="1">
-            <a:schemeClr val="accent1"/>
-          </a:fillRef>
-          <a:effectRef idx="0">
-            <a:schemeClr val="accent1"/>
-          </a:effectRef>
-          <a:fontRef idx="minor">
-            <a:schemeClr val="lt1"/>
-          </a:fontRef>
-        </p:style>
-        <p:txBody>
-          <a:bodyPr rtlCol="0" anchor="ctr"/>
-          <a:lstStyle/>
-          <a:p>
-            <a:pPr algn="ctr"/>
-            <a:endParaRPr lang="ru-RU"/>
-          </a:p>
-        </p:txBody>
-      </p:sp>
-      <p:sp>
-        <p:nvSpPr>
-          <p:cNvPr id="14" name="Заголовок 1"/>
-          <p:cNvSpPr txBox="1">
-            <a:spLocks/>
-          </p:cNvSpPr>
-          <p:nvPr/>
-        </p:nvSpPr>
-        <p:spPr>
-          <a:xfrm>
-            <a:off x="5508104" y="2852936"/>
-            <a:ext cx="2232248" cy="936104"/>
-          </a:xfrm>
-          <a:prstGeom prst="rect">
-            <a:avLst/>
-          </a:prstGeom>
-        </p:spPr>
-        <p:txBody>
-          <a:bodyPr vert="horz" lIns="91440" tIns="45720" rIns="91440" bIns="45720" rtlCol="0" anchor="ctr">
-            <a:normAutofit fontScale="92500" lnSpcReduction="10000"/>
-          </a:bodyPr>
-          <a:lstStyle/>
-          <a:p>
-            <a:r>
-              <a:rPr lang="ru-RU" sz="2000" dirty="0" smtClean="0"/>
-              <a:t>Будем повторять 2) и 3) пока все циклы не склеятся в один.</a:t>
-            </a:r>
-            <a:endParaRPr lang="ru-RU" sz="2000" b="1" dirty="0" smtClean="0"/>
-          </a:p>
-        </p:txBody>
-      </p:sp>
-      <p:sp>
-        <p:nvSpPr>
-          <p:cNvPr id="15" name="Стрелка вправо 14"/>
-          <p:cNvSpPr/>
-          <p:nvPr/>
-        </p:nvSpPr>
-        <p:spPr>
-          <a:xfrm rot="16524336">
-            <a:off x="6218834" y="2177754"/>
+            <a:off x="2180719" y="4562029"/>
             <a:ext cx="576064" cy="216024"/>
           </a:xfrm>
           <a:prstGeom prst="rightArrow">
@@ -44273,6 +44739,116 @@
       </p:grpSpPr>
       <p:sp>
         <p:nvSpPr>
+          <p:cNvPr id="4" name="Заголовок 1"/>
+          <p:cNvSpPr txBox="1">
+            <a:spLocks/>
+          </p:cNvSpPr>
+          <p:nvPr/>
+        </p:nvSpPr>
+        <p:spPr>
+          <a:xfrm>
+            <a:off x="2987824" y="116632"/>
+            <a:ext cx="432048" cy="936104"/>
+          </a:xfrm>
+          <a:prstGeom prst="rect">
+            <a:avLst/>
+          </a:prstGeom>
+        </p:spPr>
+        <p:txBody>
+          <a:bodyPr vert="horz" lIns="91440" tIns="45720" rIns="91440" bIns="45720" rtlCol="0" anchor="ctr">
+            <a:normAutofit/>
+          </a:bodyPr>
+          <a:lstStyle/>
+          <a:p>
+            <a:pPr marL="514350" indent="-514350">
+              <a:spcBef>
+                <a:spcPct val="0"/>
+              </a:spcBef>
+            </a:pPr>
+            <a:r>
+              <a:rPr lang="ru-RU" sz="4000" b="1" dirty="0" smtClean="0"/>
+              <a:t>3</a:t>
+            </a:r>
+          </a:p>
+        </p:txBody>
+      </p:sp>
+      <p:sp>
+        <p:nvSpPr>
+          <p:cNvPr id="5" name="Заголовок 1"/>
+          <p:cNvSpPr txBox="1">
+            <a:spLocks/>
+          </p:cNvSpPr>
+          <p:nvPr/>
+        </p:nvSpPr>
+        <p:spPr>
+          <a:xfrm>
+            <a:off x="4427984" y="116632"/>
+            <a:ext cx="360040" cy="936104"/>
+          </a:xfrm>
+          <a:prstGeom prst="rect">
+            <a:avLst/>
+          </a:prstGeom>
+        </p:spPr>
+        <p:txBody>
+          <a:bodyPr vert="horz" lIns="91440" tIns="45720" rIns="91440" bIns="45720" rtlCol="0" anchor="ctr">
+            <a:normAutofit/>
+          </a:bodyPr>
+          <a:lstStyle/>
+          <a:p>
+            <a:pPr marL="514350" indent="-514350">
+              <a:spcBef>
+                <a:spcPct val="0"/>
+              </a:spcBef>
+            </a:pPr>
+            <a:r>
+              <a:rPr lang="ru-RU" sz="4000" b="1" dirty="0" smtClean="0"/>
+              <a:t>1</a:t>
+            </a:r>
+          </a:p>
+        </p:txBody>
+      </p:sp>
+      <p:sp>
+        <p:nvSpPr>
+          <p:cNvPr id="7" name="Стрелка вправо 6"/>
+          <p:cNvSpPr/>
+          <p:nvPr/>
+        </p:nvSpPr>
+        <p:spPr>
+          <a:xfrm>
+            <a:off x="3635896" y="476672"/>
+            <a:ext cx="576064" cy="216024"/>
+          </a:xfrm>
+          <a:prstGeom prst="rightArrow">
+            <a:avLst/>
+          </a:prstGeom>
+        </p:spPr>
+        <p:style>
+          <a:lnRef idx="2">
+            <a:schemeClr val="accent1">
+              <a:shade val="50000"/>
+            </a:schemeClr>
+          </a:lnRef>
+          <a:fillRef idx="1">
+            <a:schemeClr val="accent1"/>
+          </a:fillRef>
+          <a:effectRef idx="0">
+            <a:schemeClr val="accent1"/>
+          </a:effectRef>
+          <a:fontRef idx="minor">
+            <a:schemeClr val="lt1"/>
+          </a:fontRef>
+        </p:style>
+        <p:txBody>
+          <a:bodyPr rtlCol="0" anchor="ctr"/>
+          <a:lstStyle/>
+          <a:p>
+            <a:pPr algn="ctr"/>
+            <a:endParaRPr lang="ru-RU"/>
+          </a:p>
+        </p:txBody>
+      </p:sp>
+      <p:sp>
+        <p:nvSpPr>
           <p:cNvPr id="6" name="Заголовок 1"/>
           <p:cNvSpPr txBox="1">
             <a:spLocks/>
@@ -44281,8 +44857,8 @@
         </p:nvSpPr>
         <p:spPr>
           <a:xfrm>
-            <a:off x="838200" y="1268761"/>
-            <a:ext cx="7772400" cy="1368151"/>
+            <a:off x="3707904" y="5085184"/>
+            <a:ext cx="2232248" cy="936104"/>
           </a:xfrm>
           <a:prstGeom prst="rect">
             <a:avLst/>
@@ -44290,67 +44866,290 @@
         </p:spPr>
         <p:txBody>
           <a:bodyPr vert="horz" lIns="91440" tIns="45720" rIns="91440" bIns="45720" rtlCol="0" anchor="ctr">
-            <a:normAutofit/>
+            <a:normAutofit fontScale="92500" lnSpcReduction="10000"/>
           </a:bodyPr>
           <a:lstStyle/>
           <a:p>
             <a:r>
-              <a:rPr lang="ru-RU" sz="2000" b="1" dirty="0" smtClean="0"/>
-              <a:t>Теорема</a:t>
-            </a:r>
-            <a:r>
               <a:rPr lang="ru-RU" sz="2000" dirty="0" smtClean="0"/>
-              <a:t>: </a:t>
-            </a:r>
-            <a:r>
-              <a:rPr lang="ru-RU" sz="2000" dirty="0" err="1" smtClean="0"/>
-              <a:t>Эйлеров</a:t>
-            </a:r>
-            <a:r>
-              <a:rPr lang="ru-RU" sz="2000" dirty="0" smtClean="0"/>
-              <a:t> путь существует тогда и только тогда, когда количество вершин с нечётными степенями равно двум или нулю </a:t>
-            </a:r>
-            <a:r>
-              <a:rPr lang="ru-RU" sz="2000" dirty="0" smtClean="0">
+              <a:t>Получился набор не пересекающихся простых циклов</a:t>
+            </a:r>
+            <a:endParaRPr lang="ru-RU" sz="2000" b="1" dirty="0" smtClean="0"/>
+          </a:p>
+        </p:txBody>
+      </p:sp>
+      <p:sp>
+        <p:nvSpPr>
+          <p:cNvPr id="8" name="Прямоугольник 7"/>
+          <p:cNvSpPr/>
+          <p:nvPr/>
+        </p:nvSpPr>
+        <p:spPr>
+          <a:xfrm>
+            <a:off x="179512" y="1126485"/>
+            <a:ext cx="3672408" cy="646331"/>
+          </a:xfrm>
+          <a:prstGeom prst="rect">
+            <a:avLst/>
+          </a:prstGeom>
+        </p:spPr>
+        <p:txBody>
+          <a:bodyPr wrap="square">
+            <a:spAutoFit/>
+          </a:bodyPr>
+          <a:lstStyle/>
+          <a:p>
+            <a:r>
+              <a:rPr lang="ru-RU" dirty="0" smtClean="0"/>
+              <a:t>Множество ребер разбивается на непересекающиеся простые циклы</a:t>
+            </a:r>
+          </a:p>
+        </p:txBody>
+      </p:sp>
+      <p:sp>
+        <p:nvSpPr>
+          <p:cNvPr id="9" name="Прямоугольник 8"/>
+          <p:cNvSpPr/>
+          <p:nvPr/>
+        </p:nvSpPr>
+        <p:spPr>
+          <a:xfrm>
+            <a:off x="5148064" y="1126485"/>
+            <a:ext cx="3600400" cy="646331"/>
+          </a:xfrm>
+          <a:prstGeom prst="rect">
+            <a:avLst/>
+          </a:prstGeom>
+        </p:spPr>
+        <p:txBody>
+          <a:bodyPr wrap="square">
+            <a:spAutoFit/>
+          </a:bodyPr>
+          <a:lstStyle/>
+          <a:p>
+            <a:r>
+              <a:rPr lang="en-US" dirty="0" smtClean="0"/>
+              <a:t>G – </a:t>
+            </a:r>
+            <a:r>
+              <a:rPr lang="ru-RU" dirty="0" err="1" smtClean="0"/>
+              <a:t>эйлеров</a:t>
+            </a:r>
+            <a:r>
+              <a:rPr lang="en-US" dirty="0" smtClean="0"/>
+              <a:t> </a:t>
+            </a:r>
+            <a:r>
+              <a:rPr lang="ru-RU" dirty="0" smtClean="0"/>
+              <a:t>граф (</a:t>
+            </a:r>
+            <a:r>
+              <a:rPr lang="ru-RU" dirty="0" err="1" smtClean="0"/>
+              <a:t>граф</a:t>
+            </a:r>
+            <a:r>
+              <a:rPr lang="ru-RU" dirty="0" smtClean="0"/>
+              <a:t>, имеющий </a:t>
+            </a:r>
+            <a:r>
+              <a:rPr lang="ru-RU" dirty="0" err="1" smtClean="0"/>
+              <a:t>эйлеров</a:t>
+            </a:r>
+            <a:r>
+              <a:rPr lang="ru-RU" dirty="0" smtClean="0"/>
+              <a:t> цикл)</a:t>
+            </a:r>
+          </a:p>
+        </p:txBody>
+      </p:sp>
+      <p:sp>
+        <p:nvSpPr>
+          <p:cNvPr id="10" name="Стрелка вправо 9"/>
+          <p:cNvSpPr/>
+          <p:nvPr/>
+        </p:nvSpPr>
+        <p:spPr>
+          <a:xfrm rot="3712409">
+            <a:off x="1778704" y="2041749"/>
+            <a:ext cx="576064" cy="216024"/>
+          </a:xfrm>
+          <a:prstGeom prst="rightArrow">
+            <a:avLst/>
+          </a:prstGeom>
+        </p:spPr>
+        <p:style>
+          <a:lnRef idx="2">
+            <a:schemeClr val="accent1">
+              <a:shade val="50000"/>
+            </a:schemeClr>
+          </a:lnRef>
+          <a:fillRef idx="1">
+            <a:schemeClr val="accent1"/>
+          </a:fillRef>
+          <a:effectRef idx="0">
+            <a:schemeClr val="accent1"/>
+          </a:effectRef>
+          <a:fontRef idx="minor">
+            <a:schemeClr val="lt1"/>
+          </a:fontRef>
+        </p:style>
+        <p:txBody>
+          <a:bodyPr rtlCol="0" anchor="ctr"/>
+          <a:lstStyle/>
+          <a:p>
+            <a:pPr algn="ctr"/>
+            <a:endParaRPr lang="ru-RU"/>
+          </a:p>
+        </p:txBody>
+      </p:sp>
+      <p:sp>
+        <p:nvSpPr>
+          <p:cNvPr id="11" name="Прямоугольник 10"/>
+          <p:cNvSpPr/>
+          <p:nvPr/>
+        </p:nvSpPr>
+        <p:spPr>
+          <a:xfrm>
+            <a:off x="331912" y="2564904"/>
+            <a:ext cx="3952056" cy="1754326"/>
+          </a:xfrm>
+          <a:prstGeom prst="rect">
+            <a:avLst/>
+          </a:prstGeom>
+        </p:spPr>
+        <p:txBody>
+          <a:bodyPr wrap="square">
+            <a:spAutoFit/>
+          </a:bodyPr>
+          <a:lstStyle/>
+          <a:p>
+            <a:pPr marL="342900" indent="-342900">
+              <a:buAutoNum type="arabicParenR"/>
+            </a:pPr>
+            <a:r>
+              <a:rPr lang="ru-RU" dirty="0" smtClean="0"/>
+              <a:t>Возьмем произвольный цикл.</a:t>
+            </a:r>
+          </a:p>
+          <a:p>
+            <a:pPr marL="342900" indent="-342900">
+              <a:buAutoNum type="arabicParenR"/>
+            </a:pPr>
+            <a:r>
+              <a:rPr lang="ru-RU" dirty="0" smtClean="0"/>
+              <a:t>Найдем среди оставшихся циклов, цикл имеющий общую вершину с уже выбранным </a:t>
+            </a:r>
+            <a:r>
+              <a:rPr lang="ru-RU" dirty="0" smtClean="0">
                 <a:solidFill>
                   <a:schemeClr val="bg1">
                     <a:lumMod val="75000"/>
                   </a:schemeClr>
                 </a:solidFill>
               </a:rPr>
-              <a:t>(в случае существования </a:t>
-            </a:r>
-            <a:r>
-              <a:rPr lang="ru-RU" sz="2000" dirty="0" err="1" smtClean="0">
-                <a:solidFill>
-                  <a:schemeClr val="bg1">
-                    <a:lumMod val="75000"/>
-                  </a:schemeClr>
-                </a:solidFill>
-              </a:rPr>
-              <a:t>эйлерова</a:t>
-            </a:r>
-            <a:r>
-              <a:rPr lang="ru-RU" sz="2000" dirty="0" smtClean="0">
-                <a:solidFill>
-                  <a:schemeClr val="bg1">
-                    <a:lumMod val="75000"/>
-                  </a:schemeClr>
-                </a:solidFill>
-              </a:rPr>
-              <a:t> цикла)</a:t>
-            </a:r>
-            <a:r>
-              <a:rPr lang="ru-RU" sz="2000" dirty="0" smtClean="0"/>
+              <a:t>(такой точно есть, иначе граф был бы не связным)</a:t>
+            </a:r>
+            <a:r>
+              <a:rPr lang="ru-RU" dirty="0" smtClean="0"/>
               <a:t>.</a:t>
             </a:r>
-            <a:endParaRPr lang="ru-RU" sz="2000" b="1" dirty="0" smtClean="0"/>
-          </a:p>
-        </p:txBody>
-      </p:sp>
-      <p:sp>
-        <p:nvSpPr>
-          <p:cNvPr id="9" name="Заголовок 1"/>
+          </a:p>
+          <a:p>
+            <a:pPr marL="342900" indent="-342900">
+              <a:buFontTx/>
+              <a:buAutoNum type="arabicParenR"/>
+            </a:pPr>
+            <a:r>
+              <a:rPr lang="ru-RU" dirty="0" smtClean="0"/>
+              <a:t>«Склеим» этот цикл с тем что есть.</a:t>
+            </a:r>
+            <a:endParaRPr lang="ru-RU" b="1" dirty="0" smtClean="0"/>
+          </a:p>
+        </p:txBody>
+      </p:sp>
+      <p:sp>
+        <p:nvSpPr>
+          <p:cNvPr id="12" name="Стрелка вправо 11"/>
+          <p:cNvSpPr/>
+          <p:nvPr/>
+        </p:nvSpPr>
+        <p:spPr>
+          <a:xfrm rot="3712409">
+            <a:off x="3506897" y="4562029"/>
+            <a:ext cx="576064" cy="216024"/>
+          </a:xfrm>
+          <a:prstGeom prst="rightArrow">
+            <a:avLst/>
+          </a:prstGeom>
+        </p:spPr>
+        <p:style>
+          <a:lnRef idx="2">
+            <a:schemeClr val="accent1">
+              <a:shade val="50000"/>
+            </a:schemeClr>
+          </a:lnRef>
+          <a:fillRef idx="1">
+            <a:schemeClr val="accent1"/>
+          </a:fillRef>
+          <a:effectRef idx="0">
+            <a:schemeClr val="accent1"/>
+          </a:effectRef>
+          <a:fontRef idx="minor">
+            <a:schemeClr val="lt1"/>
+          </a:fontRef>
+        </p:style>
+        <p:txBody>
+          <a:bodyPr rtlCol="0" anchor="ctr"/>
+          <a:lstStyle/>
+          <a:p>
+            <a:pPr algn="ctr"/>
+            <a:endParaRPr lang="ru-RU"/>
+          </a:p>
+        </p:txBody>
+      </p:sp>
+      <p:sp>
+        <p:nvSpPr>
+          <p:cNvPr id="13" name="Стрелка вправо 12"/>
+          <p:cNvSpPr/>
+          <p:nvPr/>
+        </p:nvSpPr>
+        <p:spPr>
+          <a:xfrm rot="18875400">
+            <a:off x="5355183" y="4466033"/>
+            <a:ext cx="576064" cy="216024"/>
+          </a:xfrm>
+          <a:prstGeom prst="rightArrow">
+            <a:avLst/>
+          </a:prstGeom>
+        </p:spPr>
+        <p:style>
+          <a:lnRef idx="2">
+            <a:schemeClr val="accent1">
+              <a:shade val="50000"/>
+            </a:schemeClr>
+          </a:lnRef>
+          <a:fillRef idx="1">
+            <a:schemeClr val="accent1"/>
+          </a:fillRef>
+          <a:effectRef idx="0">
+            <a:schemeClr val="accent1"/>
+          </a:effectRef>
+          <a:fontRef idx="minor">
+            <a:schemeClr val="lt1"/>
+          </a:fontRef>
+        </p:style>
+        <p:txBody>
+          <a:bodyPr rtlCol="0" anchor="ctr"/>
+          <a:lstStyle/>
+          <a:p>
+            <a:pPr algn="ctr"/>
+            <a:endParaRPr lang="ru-RU"/>
+          </a:p>
+        </p:txBody>
+      </p:sp>
+      <p:sp>
+        <p:nvSpPr>
+          <p:cNvPr id="14" name="Заголовок 1"/>
           <p:cNvSpPr txBox="1">
             <a:spLocks/>
           </p:cNvSpPr>
@@ -44358,8 +45157,8 @@
         </p:nvSpPr>
         <p:spPr>
           <a:xfrm>
-            <a:off x="685800" y="476672"/>
-            <a:ext cx="7772400" cy="936104"/>
+            <a:off x="5508104" y="2852936"/>
+            <a:ext cx="2232248" cy="936104"/>
           </a:xfrm>
           <a:prstGeom prst="rect">
             <a:avLst/>
@@ -44367,25 +45166,55 @@
         </p:spPr>
         <p:txBody>
           <a:bodyPr vert="horz" lIns="91440" tIns="45720" rIns="91440" bIns="45720" rtlCol="0" anchor="ctr">
-            <a:normAutofit/>
+            <a:normAutofit fontScale="92500" lnSpcReduction="10000"/>
           </a:bodyPr>
           <a:lstStyle/>
           <a:p>
-            <a:pPr marL="514350" indent="-514350">
-              <a:spcBef>
-                <a:spcPct val="0"/>
-              </a:spcBef>
-              <a:buFont typeface="+mj-lt"/>
-              <a:buAutoNum type="arabicPeriod" startAt="2"/>
-            </a:pPr>
-            <a:r>
-              <a:rPr lang="ru-RU" sz="2800" dirty="0" err="1" smtClean="0"/>
-              <a:t>Эйлеров</a:t>
-            </a:r>
-            <a:r>
-              <a:rPr lang="ru-RU" sz="2800" dirty="0" smtClean="0"/>
-              <a:t> путь.</a:t>
-            </a:r>
+            <a:r>
+              <a:rPr lang="ru-RU" sz="2000" dirty="0" smtClean="0"/>
+              <a:t>Будем повторять 2) и 3) пока все циклы не склеятся в один.</a:t>
+            </a:r>
+            <a:endParaRPr lang="ru-RU" sz="2000" b="1" dirty="0" smtClean="0"/>
+          </a:p>
+        </p:txBody>
+      </p:sp>
+      <p:sp>
+        <p:nvSpPr>
+          <p:cNvPr id="15" name="Стрелка вправо 14"/>
+          <p:cNvSpPr/>
+          <p:nvPr/>
+        </p:nvSpPr>
+        <p:spPr>
+          <a:xfrm rot="16524336">
+            <a:off x="6218834" y="2177754"/>
+            <a:ext cx="576064" cy="216024"/>
+          </a:xfrm>
+          <a:prstGeom prst="rightArrow">
+            <a:avLst/>
+          </a:prstGeom>
+        </p:spPr>
+        <p:style>
+          <a:lnRef idx="2">
+            <a:schemeClr val="accent1">
+              <a:shade val="50000"/>
+            </a:schemeClr>
+          </a:lnRef>
+          <a:fillRef idx="1">
+            <a:schemeClr val="accent1"/>
+          </a:fillRef>
+          <a:effectRef idx="0">
+            <a:schemeClr val="accent1"/>
+          </a:effectRef>
+          <a:fontRef idx="minor">
+            <a:schemeClr val="lt1"/>
+          </a:fontRef>
+        </p:style>
+        <p:txBody>
+          <a:bodyPr rtlCol="0" anchor="ctr"/>
+          <a:lstStyle/>
+          <a:p>
+            <a:pPr algn="ctr"/>
+            <a:endParaRPr lang="ru-RU"/>
           </a:p>
         </p:txBody>
       </p:sp>
@@ -44405,6 +45234,156 @@
 </file>
 
 <file path=ppt/slides/slide67.xml><?xml version="1.0" encoding="utf-8"?>
+<p:sld xmlns:a="http://schemas.openxmlformats.org/drawingml/2006/main" xmlns:r="http://schemas.openxmlformats.org/officeDocument/2006/relationships" xmlns:p="http://schemas.openxmlformats.org/presentationml/2006/main">
+  <p:cSld>
+    <p:spTree>
+      <p:nvGrpSpPr>
+        <p:cNvPr id="1" name=""/>
+        <p:cNvGrpSpPr/>
+        <p:nvPr/>
+      </p:nvGrpSpPr>
+      <p:grpSpPr>
+        <a:xfrm>
+          <a:off x="0" y="0"/>
+          <a:ext cx="0" cy="0"/>
+          <a:chOff x="0" y="0"/>
+          <a:chExt cx="0" cy="0"/>
+        </a:xfrm>
+      </p:grpSpPr>
+      <p:sp>
+        <p:nvSpPr>
+          <p:cNvPr id="6" name="Заголовок 1"/>
+          <p:cNvSpPr txBox="1">
+            <a:spLocks/>
+          </p:cNvSpPr>
+          <p:nvPr/>
+        </p:nvSpPr>
+        <p:spPr>
+          <a:xfrm>
+            <a:off x="838200" y="1268761"/>
+            <a:ext cx="7772400" cy="1368151"/>
+          </a:xfrm>
+          <a:prstGeom prst="rect">
+            <a:avLst/>
+          </a:prstGeom>
+        </p:spPr>
+        <p:txBody>
+          <a:bodyPr vert="horz" lIns="91440" tIns="45720" rIns="91440" bIns="45720" rtlCol="0" anchor="ctr">
+            <a:normAutofit/>
+          </a:bodyPr>
+          <a:lstStyle/>
+          <a:p>
+            <a:r>
+              <a:rPr lang="ru-RU" sz="2000" b="1" dirty="0" smtClean="0"/>
+              <a:t>Теорема</a:t>
+            </a:r>
+            <a:r>
+              <a:rPr lang="ru-RU" sz="2000" dirty="0" smtClean="0"/>
+              <a:t>: </a:t>
+            </a:r>
+            <a:r>
+              <a:rPr lang="ru-RU" sz="2000" dirty="0" err="1" smtClean="0"/>
+              <a:t>Эйлеров</a:t>
+            </a:r>
+            <a:r>
+              <a:rPr lang="ru-RU" sz="2000" dirty="0" smtClean="0"/>
+              <a:t> путь существует тогда и только тогда, когда количество вершин с нечётными степенями равно двум или нулю </a:t>
+            </a:r>
+            <a:r>
+              <a:rPr lang="ru-RU" sz="2000" dirty="0" smtClean="0">
+                <a:solidFill>
+                  <a:schemeClr val="bg1">
+                    <a:lumMod val="75000"/>
+                  </a:schemeClr>
+                </a:solidFill>
+              </a:rPr>
+              <a:t>(в случае существования </a:t>
+            </a:r>
+            <a:r>
+              <a:rPr lang="ru-RU" sz="2000" dirty="0" err="1" smtClean="0">
+                <a:solidFill>
+                  <a:schemeClr val="bg1">
+                    <a:lumMod val="75000"/>
+                  </a:schemeClr>
+                </a:solidFill>
+              </a:rPr>
+              <a:t>эйлерова</a:t>
+            </a:r>
+            <a:r>
+              <a:rPr lang="ru-RU" sz="2000" dirty="0" smtClean="0">
+                <a:solidFill>
+                  <a:schemeClr val="bg1">
+                    <a:lumMod val="75000"/>
+                  </a:schemeClr>
+                </a:solidFill>
+              </a:rPr>
+              <a:t> цикла)</a:t>
+            </a:r>
+            <a:r>
+              <a:rPr lang="ru-RU" sz="2000" dirty="0" smtClean="0"/>
+              <a:t>.</a:t>
+            </a:r>
+            <a:endParaRPr lang="ru-RU" sz="2000" b="1" dirty="0" smtClean="0"/>
+          </a:p>
+        </p:txBody>
+      </p:sp>
+      <p:sp>
+        <p:nvSpPr>
+          <p:cNvPr id="9" name="Заголовок 1"/>
+          <p:cNvSpPr txBox="1">
+            <a:spLocks/>
+          </p:cNvSpPr>
+          <p:nvPr/>
+        </p:nvSpPr>
+        <p:spPr>
+          <a:xfrm>
+            <a:off x="685800" y="476672"/>
+            <a:ext cx="7772400" cy="936104"/>
+          </a:xfrm>
+          <a:prstGeom prst="rect">
+            <a:avLst/>
+          </a:prstGeom>
+        </p:spPr>
+        <p:txBody>
+          <a:bodyPr vert="horz" lIns="91440" tIns="45720" rIns="91440" bIns="45720" rtlCol="0" anchor="ctr">
+            <a:normAutofit/>
+          </a:bodyPr>
+          <a:lstStyle/>
+          <a:p>
+            <a:pPr marL="514350" indent="-514350">
+              <a:spcBef>
+                <a:spcPct val="0"/>
+              </a:spcBef>
+              <a:buFont typeface="+mj-lt"/>
+              <a:buAutoNum type="arabicPeriod" startAt="2"/>
+            </a:pPr>
+            <a:r>
+              <a:rPr lang="ru-RU" sz="2800" dirty="0" err="1" smtClean="0"/>
+              <a:t>Эйлеров</a:t>
+            </a:r>
+            <a:r>
+              <a:rPr lang="ru-RU" sz="2800" dirty="0" smtClean="0"/>
+              <a:t> путь.</a:t>
+            </a:r>
+          </a:p>
+        </p:txBody>
+      </p:sp>
+    </p:spTree>
+  </p:cSld>
+  <p:clrMapOvr>
+    <a:masterClrMapping/>
+  </p:clrMapOvr>
+  <p:timing>
+    <p:tnLst>
+      <p:par>
+        <p:cTn id="1" dur="indefinite" restart="never" nodeType="tmRoot"/>
+      </p:par>
+    </p:tnLst>
+  </p:timing>
+</p:sld>
+</file>
+
+<file path=ppt/slides/slide68.xml><?xml version="1.0" encoding="utf-8"?>
 <p:sld xmlns:a="http://schemas.openxmlformats.org/drawingml/2006/main" xmlns:r="http://schemas.openxmlformats.org/officeDocument/2006/relationships" xmlns:p="http://schemas.openxmlformats.org/presentationml/2006/main">
   <p:cSld>
     <p:spTree>

--- a/Презентации/Лекция 0.pptx
+++ b/Презентации/Лекция 0.pptx
@@ -359,7 +359,7 @@
             <a:fld id="{5B106E36-FD25-4E2D-B0AA-010F637433A0}" type="datetimeFigureOut">
               <a:rPr lang="ru-RU" smtClean="0"/>
               <a:pPr/>
-              <a:t>17.03.2021</a:t>
+              <a:t>03.04.2021</a:t>
             </a:fld>
             <a:endParaRPr lang="ru-RU"/>
           </a:p>
@@ -526,7 +526,7 @@
             <a:fld id="{5B106E36-FD25-4E2D-B0AA-010F637433A0}" type="datetimeFigureOut">
               <a:rPr lang="ru-RU" smtClean="0"/>
               <a:pPr/>
-              <a:t>17.03.2021</a:t>
+              <a:t>03.04.2021</a:t>
             </a:fld>
             <a:endParaRPr lang="ru-RU"/>
           </a:p>
@@ -703,7 +703,7 @@
             <a:fld id="{5B106E36-FD25-4E2D-B0AA-010F637433A0}" type="datetimeFigureOut">
               <a:rPr lang="ru-RU" smtClean="0"/>
               <a:pPr/>
-              <a:t>17.03.2021</a:t>
+              <a:t>03.04.2021</a:t>
             </a:fld>
             <a:endParaRPr lang="ru-RU"/>
           </a:p>
@@ -870,7 +870,7 @@
             <a:fld id="{5B106E36-FD25-4E2D-B0AA-010F637433A0}" type="datetimeFigureOut">
               <a:rPr lang="ru-RU" smtClean="0"/>
               <a:pPr/>
-              <a:t>17.03.2021</a:t>
+              <a:t>03.04.2021</a:t>
             </a:fld>
             <a:endParaRPr lang="ru-RU"/>
           </a:p>
@@ -1113,7 +1113,7 @@
             <a:fld id="{5B106E36-FD25-4E2D-B0AA-010F637433A0}" type="datetimeFigureOut">
               <a:rPr lang="ru-RU" smtClean="0"/>
               <a:pPr/>
-              <a:t>17.03.2021</a:t>
+              <a:t>03.04.2021</a:t>
             </a:fld>
             <a:endParaRPr lang="ru-RU"/>
           </a:p>
@@ -1398,7 +1398,7 @@
             <a:fld id="{5B106E36-FD25-4E2D-B0AA-010F637433A0}" type="datetimeFigureOut">
               <a:rPr lang="ru-RU" smtClean="0"/>
               <a:pPr/>
-              <a:t>17.03.2021</a:t>
+              <a:t>03.04.2021</a:t>
             </a:fld>
             <a:endParaRPr lang="ru-RU"/>
           </a:p>
@@ -1817,7 +1817,7 @@
             <a:fld id="{5B106E36-FD25-4E2D-B0AA-010F637433A0}" type="datetimeFigureOut">
               <a:rPr lang="ru-RU" smtClean="0"/>
               <a:pPr/>
-              <a:t>17.03.2021</a:t>
+              <a:t>03.04.2021</a:t>
             </a:fld>
             <a:endParaRPr lang="ru-RU"/>
           </a:p>
@@ -1932,7 +1932,7 @@
             <a:fld id="{5B106E36-FD25-4E2D-B0AA-010F637433A0}" type="datetimeFigureOut">
               <a:rPr lang="ru-RU" smtClean="0"/>
               <a:pPr/>
-              <a:t>17.03.2021</a:t>
+              <a:t>03.04.2021</a:t>
             </a:fld>
             <a:endParaRPr lang="ru-RU"/>
           </a:p>
@@ -2024,7 +2024,7 @@
             <a:fld id="{5B106E36-FD25-4E2D-B0AA-010F637433A0}" type="datetimeFigureOut">
               <a:rPr lang="ru-RU" smtClean="0"/>
               <a:pPr/>
-              <a:t>17.03.2021</a:t>
+              <a:t>03.04.2021</a:t>
             </a:fld>
             <a:endParaRPr lang="ru-RU"/>
           </a:p>
@@ -2298,7 +2298,7 @@
             <a:fld id="{5B106E36-FD25-4E2D-B0AA-010F637433A0}" type="datetimeFigureOut">
               <a:rPr lang="ru-RU" smtClean="0"/>
               <a:pPr/>
-              <a:t>17.03.2021</a:t>
+              <a:t>03.04.2021</a:t>
             </a:fld>
             <a:endParaRPr lang="ru-RU"/>
           </a:p>
@@ -2548,7 +2548,7 @@
             <a:fld id="{5B106E36-FD25-4E2D-B0AA-010F637433A0}" type="datetimeFigureOut">
               <a:rPr lang="ru-RU" smtClean="0"/>
               <a:pPr/>
-              <a:t>17.03.2021</a:t>
+              <a:t>03.04.2021</a:t>
             </a:fld>
             <a:endParaRPr lang="ru-RU"/>
           </a:p>
@@ -2758,7 +2758,7 @@
             <a:fld id="{5B106E36-FD25-4E2D-B0AA-010F637433A0}" type="datetimeFigureOut">
               <a:rPr lang="ru-RU" smtClean="0"/>
               <a:pPr/>
-              <a:t>17.03.2021</a:t>
+              <a:t>03.04.2021</a:t>
             </a:fld>
             <a:endParaRPr lang="ru-RU"/>
           </a:p>
